--- a/Lesson3/VremProc.pptx
+++ b/Lesson3/VremProc.pptx
@@ -59,7 +59,7 @@
       </p:grpSpPr>
       <p:sp>
         <p:nvSpPr>
-          <p:cNvPr id="26" name="PlaceHolder 1"/>
+          <p:cNvPr id="23" name="PlaceHolder 1"/>
           <p:cNvSpPr>
             <a:spLocks noGrp="1"/>
           </p:cNvSpPr>
@@ -69,8 +69,8 @@
         </p:nvSpPr>
         <p:spPr>
           <a:xfrm>
-            <a:off x="457200" y="274680"/>
-            <a:ext cx="8229240" cy="1142640"/>
+            <a:off x="457200" y="273600"/>
+            <a:ext cx="8229240" cy="1144800"/>
           </a:xfrm>
           <a:prstGeom prst="rect">
             <a:avLst/>
@@ -79,23 +79,24 @@
         <p:txBody>
           <a:bodyPr lIns="0" rIns="0" tIns="0" bIns="0" anchor="ctr"/>
           <a:p>
-            <a:endParaRPr b="0" lang="ru-RU" sz="1800" spc="-1" strike="noStrike">
-              <a:solidFill>
-                <a:srgbClr val="ffffff"/>
-              </a:solidFill>
-              <a:uFill>
-                <a:solidFill>
-                  <a:srgbClr val="ffffff"/>
-                </a:solidFill>
-              </a:uFill>
-              <a:latin typeface="Book Antiqua"/>
-            </a:endParaRPr>
-          </a:p>
-        </p:txBody>
-      </p:sp>
-      <p:sp>
-        <p:nvSpPr>
-          <p:cNvPr id="27" name="PlaceHolder 2"/>
+            <a:pPr algn="ctr"/>
+            <a:endParaRPr b="0" lang="en-US" sz="4400" spc="-1" strike="noStrike">
+              <a:solidFill>
+                <a:srgbClr val="000000"/>
+              </a:solidFill>
+              <a:uFill>
+                <a:solidFill>
+                  <a:srgbClr val="ffffff"/>
+                </a:solidFill>
+              </a:uFill>
+              <a:latin typeface="Arial"/>
+            </a:endParaRPr>
+          </a:p>
+        </p:txBody>
+      </p:sp>
+      <p:sp>
+        <p:nvSpPr>
+          <p:cNvPr id="24" name="PlaceHolder 2"/>
           <p:cNvSpPr>
             <a:spLocks noGrp="1"/>
           </p:cNvSpPr>
@@ -105,8 +106,8 @@
         </p:nvSpPr>
         <p:spPr>
           <a:xfrm>
-            <a:off x="457200" y="1600200"/>
-            <a:ext cx="8229240" cy="2246040"/>
+            <a:off x="457200" y="1604520"/>
+            <a:ext cx="8229240" cy="1896840"/>
           </a:xfrm>
           <a:prstGeom prst="rect">
             <a:avLst/>
@@ -115,23 +116,23 @@
         <p:txBody>
           <a:bodyPr lIns="0" rIns="0" tIns="0" bIns="0"/>
           <a:p>
-            <a:endParaRPr b="0" lang="ru-RU" sz="2800" spc="-1" strike="noStrike">
-              <a:solidFill>
-                <a:srgbClr val="ffffff"/>
-              </a:solidFill>
-              <a:uFill>
-                <a:solidFill>
-                  <a:srgbClr val="ffffff"/>
-                </a:solidFill>
-              </a:uFill>
-              <a:latin typeface="Book Antiqua"/>
-            </a:endParaRPr>
-          </a:p>
-        </p:txBody>
-      </p:sp>
-      <p:sp>
-        <p:nvSpPr>
-          <p:cNvPr id="28" name="PlaceHolder 3"/>
+            <a:endParaRPr b="0" lang="en-US" sz="3200" spc="-1" strike="noStrike">
+              <a:solidFill>
+                <a:srgbClr val="000000"/>
+              </a:solidFill>
+              <a:uFill>
+                <a:solidFill>
+                  <a:srgbClr val="ffffff"/>
+                </a:solidFill>
+              </a:uFill>
+              <a:latin typeface="Arial"/>
+            </a:endParaRPr>
+          </a:p>
+        </p:txBody>
+      </p:sp>
+      <p:sp>
+        <p:nvSpPr>
+          <p:cNvPr id="25" name="PlaceHolder 3"/>
           <p:cNvSpPr>
             <a:spLocks noGrp="1"/>
           </p:cNvSpPr>
@@ -141,8 +142,8 @@
         </p:nvSpPr>
         <p:spPr>
           <a:xfrm>
-            <a:off x="457200" y="4060080"/>
-            <a:ext cx="8229240" cy="2246040"/>
+            <a:off x="457200" y="3682080"/>
+            <a:ext cx="8229240" cy="1896840"/>
           </a:xfrm>
           <a:prstGeom prst="rect">
             <a:avLst/>
@@ -151,16 +152,16 @@
         <p:txBody>
           <a:bodyPr lIns="0" rIns="0" tIns="0" bIns="0"/>
           <a:p>
-            <a:endParaRPr b="0" lang="ru-RU" sz="2800" spc="-1" strike="noStrike">
-              <a:solidFill>
-                <a:srgbClr val="ffffff"/>
-              </a:solidFill>
-              <a:uFill>
-                <a:solidFill>
-                  <a:srgbClr val="ffffff"/>
-                </a:solidFill>
-              </a:uFill>
-              <a:latin typeface="Book Antiqua"/>
+            <a:endParaRPr b="0" lang="en-US" sz="3200" spc="-1" strike="noStrike">
+              <a:solidFill>
+                <a:srgbClr val="000000"/>
+              </a:solidFill>
+              <a:uFill>
+                <a:solidFill>
+                  <a:srgbClr val="ffffff"/>
+                </a:solidFill>
+              </a:uFill>
+              <a:latin typeface="Arial"/>
             </a:endParaRPr>
           </a:p>
         </p:txBody>
@@ -189,7 +190,7 @@
       </p:grpSpPr>
       <p:sp>
         <p:nvSpPr>
-          <p:cNvPr id="29" name="PlaceHolder 1"/>
+          <p:cNvPr id="26" name="PlaceHolder 1"/>
           <p:cNvSpPr>
             <a:spLocks noGrp="1"/>
           </p:cNvSpPr>
@@ -199,8 +200,8 @@
         </p:nvSpPr>
         <p:spPr>
           <a:xfrm>
-            <a:off x="457200" y="274680"/>
-            <a:ext cx="8229240" cy="1142640"/>
+            <a:off x="457200" y="273600"/>
+            <a:ext cx="8229240" cy="1144800"/>
           </a:xfrm>
           <a:prstGeom prst="rect">
             <a:avLst/>
@@ -209,23 +210,24 @@
         <p:txBody>
           <a:bodyPr lIns="0" rIns="0" tIns="0" bIns="0" anchor="ctr"/>
           <a:p>
-            <a:endParaRPr b="0" lang="ru-RU" sz="1800" spc="-1" strike="noStrike">
-              <a:solidFill>
-                <a:srgbClr val="ffffff"/>
-              </a:solidFill>
-              <a:uFill>
-                <a:solidFill>
-                  <a:srgbClr val="ffffff"/>
-                </a:solidFill>
-              </a:uFill>
-              <a:latin typeface="Book Antiqua"/>
-            </a:endParaRPr>
-          </a:p>
-        </p:txBody>
-      </p:sp>
-      <p:sp>
-        <p:nvSpPr>
-          <p:cNvPr id="30" name="PlaceHolder 2"/>
+            <a:pPr algn="ctr"/>
+            <a:endParaRPr b="0" lang="en-US" sz="4400" spc="-1" strike="noStrike">
+              <a:solidFill>
+                <a:srgbClr val="000000"/>
+              </a:solidFill>
+              <a:uFill>
+                <a:solidFill>
+                  <a:srgbClr val="ffffff"/>
+                </a:solidFill>
+              </a:uFill>
+              <a:latin typeface="Arial"/>
+            </a:endParaRPr>
+          </a:p>
+        </p:txBody>
+      </p:sp>
+      <p:sp>
+        <p:nvSpPr>
+          <p:cNvPr id="27" name="PlaceHolder 2"/>
           <p:cNvSpPr>
             <a:spLocks noGrp="1"/>
           </p:cNvSpPr>
@@ -235,8 +237,8 @@
         </p:nvSpPr>
         <p:spPr>
           <a:xfrm>
-            <a:off x="457200" y="1600200"/>
-            <a:ext cx="4015800" cy="2246040"/>
+            <a:off x="457200" y="1604520"/>
+            <a:ext cx="4015800" cy="1896840"/>
           </a:xfrm>
           <a:prstGeom prst="rect">
             <a:avLst/>
@@ -245,23 +247,23 @@
         <p:txBody>
           <a:bodyPr lIns="0" rIns="0" tIns="0" bIns="0"/>
           <a:p>
-            <a:endParaRPr b="0" lang="ru-RU" sz="2800" spc="-1" strike="noStrike">
-              <a:solidFill>
-                <a:srgbClr val="ffffff"/>
-              </a:solidFill>
-              <a:uFill>
-                <a:solidFill>
-                  <a:srgbClr val="ffffff"/>
-                </a:solidFill>
-              </a:uFill>
-              <a:latin typeface="Book Antiqua"/>
-            </a:endParaRPr>
-          </a:p>
-        </p:txBody>
-      </p:sp>
-      <p:sp>
-        <p:nvSpPr>
-          <p:cNvPr id="31" name="PlaceHolder 3"/>
+            <a:endParaRPr b="0" lang="en-US" sz="3200" spc="-1" strike="noStrike">
+              <a:solidFill>
+                <a:srgbClr val="000000"/>
+              </a:solidFill>
+              <a:uFill>
+                <a:solidFill>
+                  <a:srgbClr val="ffffff"/>
+                </a:solidFill>
+              </a:uFill>
+              <a:latin typeface="Arial"/>
+            </a:endParaRPr>
+          </a:p>
+        </p:txBody>
+      </p:sp>
+      <p:sp>
+        <p:nvSpPr>
+          <p:cNvPr id="28" name="PlaceHolder 3"/>
           <p:cNvSpPr>
             <a:spLocks noGrp="1"/>
           </p:cNvSpPr>
@@ -271,8 +273,8 @@
         </p:nvSpPr>
         <p:spPr>
           <a:xfrm>
-            <a:off x="4674240" y="1600200"/>
-            <a:ext cx="4015800" cy="2246040"/>
+            <a:off x="4674240" y="1604520"/>
+            <a:ext cx="4015800" cy="1896840"/>
           </a:xfrm>
           <a:prstGeom prst="rect">
             <a:avLst/>
@@ -281,23 +283,23 @@
         <p:txBody>
           <a:bodyPr lIns="0" rIns="0" tIns="0" bIns="0"/>
           <a:p>
-            <a:endParaRPr b="0" lang="ru-RU" sz="2800" spc="-1" strike="noStrike">
-              <a:solidFill>
-                <a:srgbClr val="ffffff"/>
-              </a:solidFill>
-              <a:uFill>
-                <a:solidFill>
-                  <a:srgbClr val="ffffff"/>
-                </a:solidFill>
-              </a:uFill>
-              <a:latin typeface="Book Antiqua"/>
-            </a:endParaRPr>
-          </a:p>
-        </p:txBody>
-      </p:sp>
-      <p:sp>
-        <p:nvSpPr>
-          <p:cNvPr id="32" name="PlaceHolder 4"/>
+            <a:endParaRPr b="0" lang="en-US" sz="3200" spc="-1" strike="noStrike">
+              <a:solidFill>
+                <a:srgbClr val="000000"/>
+              </a:solidFill>
+              <a:uFill>
+                <a:solidFill>
+                  <a:srgbClr val="ffffff"/>
+                </a:solidFill>
+              </a:uFill>
+              <a:latin typeface="Arial"/>
+            </a:endParaRPr>
+          </a:p>
+        </p:txBody>
+      </p:sp>
+      <p:sp>
+        <p:nvSpPr>
+          <p:cNvPr id="29" name="PlaceHolder 4"/>
           <p:cNvSpPr>
             <a:spLocks noGrp="1"/>
           </p:cNvSpPr>
@@ -307,8 +309,8 @@
         </p:nvSpPr>
         <p:spPr>
           <a:xfrm>
-            <a:off x="4674240" y="4060080"/>
-            <a:ext cx="4015800" cy="2246040"/>
+            <a:off x="4674240" y="3682080"/>
+            <a:ext cx="4015800" cy="1896840"/>
           </a:xfrm>
           <a:prstGeom prst="rect">
             <a:avLst/>
@@ -317,23 +319,23 @@
         <p:txBody>
           <a:bodyPr lIns="0" rIns="0" tIns="0" bIns="0"/>
           <a:p>
-            <a:endParaRPr b="0" lang="ru-RU" sz="2800" spc="-1" strike="noStrike">
-              <a:solidFill>
-                <a:srgbClr val="ffffff"/>
-              </a:solidFill>
-              <a:uFill>
-                <a:solidFill>
-                  <a:srgbClr val="ffffff"/>
-                </a:solidFill>
-              </a:uFill>
-              <a:latin typeface="Book Antiqua"/>
-            </a:endParaRPr>
-          </a:p>
-        </p:txBody>
-      </p:sp>
-      <p:sp>
-        <p:nvSpPr>
-          <p:cNvPr id="33" name="PlaceHolder 5"/>
+            <a:endParaRPr b="0" lang="en-US" sz="3200" spc="-1" strike="noStrike">
+              <a:solidFill>
+                <a:srgbClr val="000000"/>
+              </a:solidFill>
+              <a:uFill>
+                <a:solidFill>
+                  <a:srgbClr val="ffffff"/>
+                </a:solidFill>
+              </a:uFill>
+              <a:latin typeface="Arial"/>
+            </a:endParaRPr>
+          </a:p>
+        </p:txBody>
+      </p:sp>
+      <p:sp>
+        <p:nvSpPr>
+          <p:cNvPr id="30" name="PlaceHolder 5"/>
           <p:cNvSpPr>
             <a:spLocks noGrp="1"/>
           </p:cNvSpPr>
@@ -343,8 +345,8 @@
         </p:nvSpPr>
         <p:spPr>
           <a:xfrm>
-            <a:off x="457200" y="4060080"/>
-            <a:ext cx="4015800" cy="2246040"/>
+            <a:off x="457200" y="3682080"/>
+            <a:ext cx="4015800" cy="1896840"/>
           </a:xfrm>
           <a:prstGeom prst="rect">
             <a:avLst/>
@@ -353,16 +355,16 @@
         <p:txBody>
           <a:bodyPr lIns="0" rIns="0" tIns="0" bIns="0"/>
           <a:p>
-            <a:endParaRPr b="0" lang="ru-RU" sz="2800" spc="-1" strike="noStrike">
-              <a:solidFill>
-                <a:srgbClr val="ffffff"/>
-              </a:solidFill>
-              <a:uFill>
-                <a:solidFill>
-                  <a:srgbClr val="ffffff"/>
-                </a:solidFill>
-              </a:uFill>
-              <a:latin typeface="Book Antiqua"/>
+            <a:endParaRPr b="0" lang="en-US" sz="3200" spc="-1" strike="noStrike">
+              <a:solidFill>
+                <a:srgbClr val="000000"/>
+              </a:solidFill>
+              <a:uFill>
+                <a:solidFill>
+                  <a:srgbClr val="ffffff"/>
+                </a:solidFill>
+              </a:uFill>
+              <a:latin typeface="Arial"/>
             </a:endParaRPr>
           </a:p>
         </p:txBody>
@@ -391,7 +393,7 @@
       </p:grpSpPr>
       <p:sp>
         <p:nvSpPr>
-          <p:cNvPr id="34" name="PlaceHolder 1"/>
+          <p:cNvPr id="31" name="PlaceHolder 1"/>
           <p:cNvSpPr>
             <a:spLocks noGrp="1"/>
           </p:cNvSpPr>
@@ -401,8 +403,8 @@
         </p:nvSpPr>
         <p:spPr>
           <a:xfrm>
-            <a:off x="457200" y="274680"/>
-            <a:ext cx="8229240" cy="1142640"/>
+            <a:off x="457200" y="273600"/>
+            <a:ext cx="8229240" cy="1144800"/>
           </a:xfrm>
           <a:prstGeom prst="rect">
             <a:avLst/>
@@ -411,23 +413,24 @@
         <p:txBody>
           <a:bodyPr lIns="0" rIns="0" tIns="0" bIns="0" anchor="ctr"/>
           <a:p>
-            <a:endParaRPr b="0" lang="ru-RU" sz="1800" spc="-1" strike="noStrike">
-              <a:solidFill>
-                <a:srgbClr val="ffffff"/>
-              </a:solidFill>
-              <a:uFill>
-                <a:solidFill>
-                  <a:srgbClr val="ffffff"/>
-                </a:solidFill>
-              </a:uFill>
-              <a:latin typeface="Book Antiqua"/>
-            </a:endParaRPr>
-          </a:p>
-        </p:txBody>
-      </p:sp>
-      <p:sp>
-        <p:nvSpPr>
-          <p:cNvPr id="35" name="PlaceHolder 2"/>
+            <a:pPr algn="ctr"/>
+            <a:endParaRPr b="0" lang="en-US" sz="4400" spc="-1" strike="noStrike">
+              <a:solidFill>
+                <a:srgbClr val="000000"/>
+              </a:solidFill>
+              <a:uFill>
+                <a:solidFill>
+                  <a:srgbClr val="ffffff"/>
+                </a:solidFill>
+              </a:uFill>
+              <a:latin typeface="Arial"/>
+            </a:endParaRPr>
+          </a:p>
+        </p:txBody>
+      </p:sp>
+      <p:sp>
+        <p:nvSpPr>
+          <p:cNvPr id="32" name="PlaceHolder 2"/>
           <p:cNvSpPr>
             <a:spLocks noGrp="1"/>
           </p:cNvSpPr>
@@ -437,8 +440,8 @@
         </p:nvSpPr>
         <p:spPr>
           <a:xfrm>
-            <a:off x="457200" y="1600200"/>
-            <a:ext cx="8229240" cy="4708800"/>
+            <a:off x="457200" y="1604520"/>
+            <a:ext cx="8229240" cy="3977280"/>
           </a:xfrm>
           <a:prstGeom prst="rect">
             <a:avLst/>
@@ -447,23 +450,23 @@
         <p:txBody>
           <a:bodyPr lIns="0" rIns="0" tIns="0" bIns="0"/>
           <a:p>
-            <a:endParaRPr b="0" lang="ru-RU" sz="2800" spc="-1" strike="noStrike">
-              <a:solidFill>
-                <a:srgbClr val="ffffff"/>
-              </a:solidFill>
-              <a:uFill>
-                <a:solidFill>
-                  <a:srgbClr val="ffffff"/>
-                </a:solidFill>
-              </a:uFill>
-              <a:latin typeface="Book Antiqua"/>
-            </a:endParaRPr>
-          </a:p>
-        </p:txBody>
-      </p:sp>
-      <p:sp>
-        <p:nvSpPr>
-          <p:cNvPr id="36" name="PlaceHolder 3"/>
+            <a:endParaRPr b="0" lang="en-US" sz="3200" spc="-1" strike="noStrike">
+              <a:solidFill>
+                <a:srgbClr val="000000"/>
+              </a:solidFill>
+              <a:uFill>
+                <a:solidFill>
+                  <a:srgbClr val="ffffff"/>
+                </a:solidFill>
+              </a:uFill>
+              <a:latin typeface="Arial"/>
+            </a:endParaRPr>
+          </a:p>
+        </p:txBody>
+      </p:sp>
+      <p:sp>
+        <p:nvSpPr>
+          <p:cNvPr id="33" name="PlaceHolder 3"/>
           <p:cNvSpPr>
             <a:spLocks noGrp="1"/>
           </p:cNvSpPr>
@@ -473,8 +476,8 @@
         </p:nvSpPr>
         <p:spPr>
           <a:xfrm>
-            <a:off x="457200" y="1600200"/>
-            <a:ext cx="8229240" cy="4708800"/>
+            <a:off x="457200" y="1604520"/>
+            <a:ext cx="8229240" cy="3977280"/>
           </a:xfrm>
           <a:prstGeom prst="rect">
             <a:avLst/>
@@ -483,23 +486,23 @@
         <p:txBody>
           <a:bodyPr lIns="0" rIns="0" tIns="0" bIns="0"/>
           <a:p>
-            <a:endParaRPr b="0" lang="ru-RU" sz="2800" spc="-1" strike="noStrike">
-              <a:solidFill>
-                <a:srgbClr val="ffffff"/>
-              </a:solidFill>
-              <a:uFill>
-                <a:solidFill>
-                  <a:srgbClr val="ffffff"/>
-                </a:solidFill>
-              </a:uFill>
-              <a:latin typeface="Book Antiqua"/>
+            <a:endParaRPr b="0" lang="en-US" sz="3200" spc="-1" strike="noStrike">
+              <a:solidFill>
+                <a:srgbClr val="000000"/>
+              </a:solidFill>
+              <a:uFill>
+                <a:solidFill>
+                  <a:srgbClr val="ffffff"/>
+                </a:solidFill>
+              </a:uFill>
+              <a:latin typeface="Arial"/>
             </a:endParaRPr>
           </a:p>
         </p:txBody>
       </p:sp>
       <p:pic>
         <p:nvPicPr>
-          <p:cNvPr id="37" name="" descr=""/>
+          <p:cNvPr id="34" name="" descr=""/>
           <p:cNvPicPr/>
           <p:nvPr/>
         </p:nvPicPr>
@@ -509,8 +512,8 @@
         </p:blipFill>
         <p:spPr>
           <a:xfrm>
-            <a:off x="1620720" y="1600200"/>
-            <a:ext cx="5901480" cy="4708800"/>
+            <a:off x="2079000" y="1604520"/>
+            <a:ext cx="4984920" cy="3977280"/>
           </a:xfrm>
           <a:prstGeom prst="rect">
             <a:avLst/>
@@ -522,7 +525,7 @@
       </p:pic>
       <p:pic>
         <p:nvPicPr>
-          <p:cNvPr id="38" name="" descr=""/>
+          <p:cNvPr id="35" name="" descr=""/>
           <p:cNvPicPr/>
           <p:nvPr/>
         </p:nvPicPr>
@@ -532,8 +535,8 @@
         </p:blipFill>
         <p:spPr>
           <a:xfrm>
-            <a:off x="1620720" y="1600200"/>
-            <a:ext cx="5901480" cy="4708800"/>
+            <a:off x="2079000" y="1604520"/>
+            <a:ext cx="4984920" cy="3977280"/>
           </a:xfrm>
           <a:prstGeom prst="rect">
             <a:avLst/>
@@ -589,7 +592,7 @@
       </p:grpSpPr>
       <p:sp>
         <p:nvSpPr>
-          <p:cNvPr id="44" name="PlaceHolder 1"/>
+          <p:cNvPr id="38" name="PlaceHolder 1"/>
           <p:cNvSpPr>
             <a:spLocks noGrp="1"/>
           </p:cNvSpPr>
@@ -599,8 +602,8 @@
         </p:nvSpPr>
         <p:spPr>
           <a:xfrm>
-            <a:off x="457200" y="274680"/>
-            <a:ext cx="8229240" cy="1142640"/>
+            <a:off x="457200" y="273600"/>
+            <a:ext cx="8229240" cy="1144800"/>
           </a:xfrm>
           <a:prstGeom prst="rect">
             <a:avLst/>
@@ -609,23 +612,24 @@
         <p:txBody>
           <a:bodyPr lIns="0" rIns="0" tIns="0" bIns="0" anchor="ctr"/>
           <a:p>
-            <a:endParaRPr b="0" lang="ru-RU" sz="1800" spc="-1" strike="noStrike">
-              <a:solidFill>
-                <a:srgbClr val="ffffff"/>
-              </a:solidFill>
-              <a:uFill>
-                <a:solidFill>
-                  <a:srgbClr val="ffffff"/>
-                </a:solidFill>
-              </a:uFill>
-              <a:latin typeface="Book Antiqua"/>
-            </a:endParaRPr>
-          </a:p>
-        </p:txBody>
-      </p:sp>
-      <p:sp>
-        <p:nvSpPr>
-          <p:cNvPr id="45" name="PlaceHolder 2"/>
+            <a:pPr algn="ctr"/>
+            <a:endParaRPr b="0" lang="en-US" sz="4400" spc="-1" strike="noStrike">
+              <a:solidFill>
+                <a:srgbClr val="000000"/>
+              </a:solidFill>
+              <a:uFill>
+                <a:solidFill>
+                  <a:srgbClr val="ffffff"/>
+                </a:solidFill>
+              </a:uFill>
+              <a:latin typeface="Arial"/>
+            </a:endParaRPr>
+          </a:p>
+        </p:txBody>
+      </p:sp>
+      <p:sp>
+        <p:nvSpPr>
+          <p:cNvPr id="39" name="PlaceHolder 2"/>
           <p:cNvSpPr>
             <a:spLocks noGrp="1"/>
           </p:cNvSpPr>
@@ -635,8 +639,8 @@
         </p:nvSpPr>
         <p:spPr>
           <a:xfrm>
-            <a:off x="457200" y="1600200"/>
-            <a:ext cx="8229240" cy="4708800"/>
+            <a:off x="457200" y="1604520"/>
+            <a:ext cx="8229240" cy="3977280"/>
           </a:xfrm>
           <a:prstGeom prst="rect">
             <a:avLst/>
@@ -684,7 +688,7 @@
       </p:grpSpPr>
       <p:sp>
         <p:nvSpPr>
-          <p:cNvPr id="46" name="PlaceHolder 1"/>
+          <p:cNvPr id="40" name="PlaceHolder 1"/>
           <p:cNvSpPr>
             <a:spLocks noGrp="1"/>
           </p:cNvSpPr>
@@ -694,8 +698,8 @@
         </p:nvSpPr>
         <p:spPr>
           <a:xfrm>
-            <a:off x="457200" y="274680"/>
-            <a:ext cx="8229240" cy="1142640"/>
+            <a:off x="457200" y="273600"/>
+            <a:ext cx="8229240" cy="1144800"/>
           </a:xfrm>
           <a:prstGeom prst="rect">
             <a:avLst/>
@@ -704,23 +708,24 @@
         <p:txBody>
           <a:bodyPr lIns="0" rIns="0" tIns="0" bIns="0" anchor="ctr"/>
           <a:p>
-            <a:endParaRPr b="0" lang="ru-RU" sz="1800" spc="-1" strike="noStrike">
-              <a:solidFill>
-                <a:srgbClr val="ffffff"/>
-              </a:solidFill>
-              <a:uFill>
-                <a:solidFill>
-                  <a:srgbClr val="ffffff"/>
-                </a:solidFill>
-              </a:uFill>
-              <a:latin typeface="Book Antiqua"/>
-            </a:endParaRPr>
-          </a:p>
-        </p:txBody>
-      </p:sp>
-      <p:sp>
-        <p:nvSpPr>
-          <p:cNvPr id="47" name="PlaceHolder 2"/>
+            <a:pPr algn="ctr"/>
+            <a:endParaRPr b="0" lang="en-US" sz="4400" spc="-1" strike="noStrike">
+              <a:solidFill>
+                <a:srgbClr val="000000"/>
+              </a:solidFill>
+              <a:uFill>
+                <a:solidFill>
+                  <a:srgbClr val="ffffff"/>
+                </a:solidFill>
+              </a:uFill>
+              <a:latin typeface="Arial"/>
+            </a:endParaRPr>
+          </a:p>
+        </p:txBody>
+      </p:sp>
+      <p:sp>
+        <p:nvSpPr>
+          <p:cNvPr id="41" name="PlaceHolder 2"/>
           <p:cNvSpPr>
             <a:spLocks noGrp="1"/>
           </p:cNvSpPr>
@@ -730,8 +735,8 @@
         </p:nvSpPr>
         <p:spPr>
           <a:xfrm>
-            <a:off x="457200" y="1600200"/>
-            <a:ext cx="8229240" cy="4708800"/>
+            <a:off x="457200" y="1604520"/>
+            <a:ext cx="8229240" cy="3977280"/>
           </a:xfrm>
           <a:prstGeom prst="rect">
             <a:avLst/>
@@ -740,16 +745,16 @@
         <p:txBody>
           <a:bodyPr lIns="0" rIns="0" tIns="0" bIns="0"/>
           <a:p>
-            <a:endParaRPr b="0" lang="ru-RU" sz="2800" spc="-1" strike="noStrike">
-              <a:solidFill>
-                <a:srgbClr val="ffffff"/>
-              </a:solidFill>
-              <a:uFill>
-                <a:solidFill>
-                  <a:srgbClr val="ffffff"/>
-                </a:solidFill>
-              </a:uFill>
-              <a:latin typeface="Book Antiqua"/>
+            <a:endParaRPr b="0" lang="en-US" sz="3200" spc="-1" strike="noStrike">
+              <a:solidFill>
+                <a:srgbClr val="000000"/>
+              </a:solidFill>
+              <a:uFill>
+                <a:solidFill>
+                  <a:srgbClr val="ffffff"/>
+                </a:solidFill>
+              </a:uFill>
+              <a:latin typeface="Arial"/>
             </a:endParaRPr>
           </a:p>
         </p:txBody>
@@ -778,7 +783,7 @@
       </p:grpSpPr>
       <p:sp>
         <p:nvSpPr>
-          <p:cNvPr id="48" name="PlaceHolder 1"/>
+          <p:cNvPr id="42" name="PlaceHolder 1"/>
           <p:cNvSpPr>
             <a:spLocks noGrp="1"/>
           </p:cNvSpPr>
@@ -788,8 +793,8 @@
         </p:nvSpPr>
         <p:spPr>
           <a:xfrm>
-            <a:off x="457200" y="274680"/>
-            <a:ext cx="8229240" cy="1142640"/>
+            <a:off x="457200" y="273600"/>
+            <a:ext cx="8229240" cy="1144800"/>
           </a:xfrm>
           <a:prstGeom prst="rect">
             <a:avLst/>
@@ -798,23 +803,24 @@
         <p:txBody>
           <a:bodyPr lIns="0" rIns="0" tIns="0" bIns="0" anchor="ctr"/>
           <a:p>
-            <a:endParaRPr b="0" lang="ru-RU" sz="1800" spc="-1" strike="noStrike">
-              <a:solidFill>
-                <a:srgbClr val="ffffff"/>
-              </a:solidFill>
-              <a:uFill>
-                <a:solidFill>
-                  <a:srgbClr val="ffffff"/>
-                </a:solidFill>
-              </a:uFill>
-              <a:latin typeface="Book Antiqua"/>
-            </a:endParaRPr>
-          </a:p>
-        </p:txBody>
-      </p:sp>
-      <p:sp>
-        <p:nvSpPr>
-          <p:cNvPr id="49" name="PlaceHolder 2"/>
+            <a:pPr algn="ctr"/>
+            <a:endParaRPr b="0" lang="en-US" sz="4400" spc="-1" strike="noStrike">
+              <a:solidFill>
+                <a:srgbClr val="000000"/>
+              </a:solidFill>
+              <a:uFill>
+                <a:solidFill>
+                  <a:srgbClr val="ffffff"/>
+                </a:solidFill>
+              </a:uFill>
+              <a:latin typeface="Arial"/>
+            </a:endParaRPr>
+          </a:p>
+        </p:txBody>
+      </p:sp>
+      <p:sp>
+        <p:nvSpPr>
+          <p:cNvPr id="43" name="PlaceHolder 2"/>
           <p:cNvSpPr>
             <a:spLocks noGrp="1"/>
           </p:cNvSpPr>
@@ -824,8 +830,8 @@
         </p:nvSpPr>
         <p:spPr>
           <a:xfrm>
-            <a:off x="457200" y="1600200"/>
-            <a:ext cx="4015800" cy="4708800"/>
+            <a:off x="457200" y="1604520"/>
+            <a:ext cx="4015800" cy="3977280"/>
           </a:xfrm>
           <a:prstGeom prst="rect">
             <a:avLst/>
@@ -834,23 +840,23 @@
         <p:txBody>
           <a:bodyPr lIns="0" rIns="0" tIns="0" bIns="0"/>
           <a:p>
-            <a:endParaRPr b="0" lang="ru-RU" sz="2800" spc="-1" strike="noStrike">
-              <a:solidFill>
-                <a:srgbClr val="ffffff"/>
-              </a:solidFill>
-              <a:uFill>
-                <a:solidFill>
-                  <a:srgbClr val="ffffff"/>
-                </a:solidFill>
-              </a:uFill>
-              <a:latin typeface="Book Antiqua"/>
-            </a:endParaRPr>
-          </a:p>
-        </p:txBody>
-      </p:sp>
-      <p:sp>
-        <p:nvSpPr>
-          <p:cNvPr id="50" name="PlaceHolder 3"/>
+            <a:endParaRPr b="0" lang="en-US" sz="3200" spc="-1" strike="noStrike">
+              <a:solidFill>
+                <a:srgbClr val="000000"/>
+              </a:solidFill>
+              <a:uFill>
+                <a:solidFill>
+                  <a:srgbClr val="ffffff"/>
+                </a:solidFill>
+              </a:uFill>
+              <a:latin typeface="Arial"/>
+            </a:endParaRPr>
+          </a:p>
+        </p:txBody>
+      </p:sp>
+      <p:sp>
+        <p:nvSpPr>
+          <p:cNvPr id="44" name="PlaceHolder 3"/>
           <p:cNvSpPr>
             <a:spLocks noGrp="1"/>
           </p:cNvSpPr>
@@ -860,8 +866,8 @@
         </p:nvSpPr>
         <p:spPr>
           <a:xfrm>
-            <a:off x="4674240" y="1600200"/>
-            <a:ext cx="4015800" cy="4708800"/>
+            <a:off x="4674240" y="1604520"/>
+            <a:ext cx="4015800" cy="3977280"/>
           </a:xfrm>
           <a:prstGeom prst="rect">
             <a:avLst/>
@@ -870,16 +876,16 @@
         <p:txBody>
           <a:bodyPr lIns="0" rIns="0" tIns="0" bIns="0"/>
           <a:p>
-            <a:endParaRPr b="0" lang="ru-RU" sz="2800" spc="-1" strike="noStrike">
-              <a:solidFill>
-                <a:srgbClr val="ffffff"/>
-              </a:solidFill>
-              <a:uFill>
-                <a:solidFill>
-                  <a:srgbClr val="ffffff"/>
-                </a:solidFill>
-              </a:uFill>
-              <a:latin typeface="Book Antiqua"/>
+            <a:endParaRPr b="0" lang="en-US" sz="3200" spc="-1" strike="noStrike">
+              <a:solidFill>
+                <a:srgbClr val="000000"/>
+              </a:solidFill>
+              <a:uFill>
+                <a:solidFill>
+                  <a:srgbClr val="ffffff"/>
+                </a:solidFill>
+              </a:uFill>
+              <a:latin typeface="Arial"/>
             </a:endParaRPr>
           </a:p>
         </p:txBody>
@@ -908,7 +914,7 @@
       </p:grpSpPr>
       <p:sp>
         <p:nvSpPr>
-          <p:cNvPr id="51" name="PlaceHolder 1"/>
+          <p:cNvPr id="45" name="PlaceHolder 1"/>
           <p:cNvSpPr>
             <a:spLocks noGrp="1"/>
           </p:cNvSpPr>
@@ -918,8 +924,8 @@
         </p:nvSpPr>
         <p:spPr>
           <a:xfrm>
-            <a:off x="457200" y="274680"/>
-            <a:ext cx="8229240" cy="1142640"/>
+            <a:off x="457200" y="273600"/>
+            <a:ext cx="8229240" cy="1144800"/>
           </a:xfrm>
           <a:prstGeom prst="rect">
             <a:avLst/>
@@ -928,16 +934,17 @@
         <p:txBody>
           <a:bodyPr lIns="0" rIns="0" tIns="0" bIns="0" anchor="ctr"/>
           <a:p>
-            <a:endParaRPr b="0" lang="ru-RU" sz="1800" spc="-1" strike="noStrike">
-              <a:solidFill>
-                <a:srgbClr val="ffffff"/>
-              </a:solidFill>
-              <a:uFill>
-                <a:solidFill>
-                  <a:srgbClr val="ffffff"/>
-                </a:solidFill>
-              </a:uFill>
-              <a:latin typeface="Book Antiqua"/>
+            <a:pPr algn="ctr"/>
+            <a:endParaRPr b="0" lang="en-US" sz="4400" spc="-1" strike="noStrike">
+              <a:solidFill>
+                <a:srgbClr val="000000"/>
+              </a:solidFill>
+              <a:uFill>
+                <a:solidFill>
+                  <a:srgbClr val="ffffff"/>
+                </a:solidFill>
+              </a:uFill>
+              <a:latin typeface="Arial"/>
             </a:endParaRPr>
           </a:p>
         </p:txBody>
@@ -966,7 +973,7 @@
       </p:grpSpPr>
       <p:sp>
         <p:nvSpPr>
-          <p:cNvPr id="52" name="PlaceHolder 1"/>
+          <p:cNvPr id="46" name="PlaceHolder 1"/>
           <p:cNvSpPr>
             <a:spLocks noGrp="1"/>
           </p:cNvSpPr>
@@ -976,8 +983,8 @@
         </p:nvSpPr>
         <p:spPr>
           <a:xfrm>
-            <a:off x="457200" y="274680"/>
-            <a:ext cx="8229240" cy="5297760"/>
+            <a:off x="457200" y="273600"/>
+            <a:ext cx="8229240" cy="5307840"/>
           </a:xfrm>
           <a:prstGeom prst="rect">
             <a:avLst/>
@@ -1025,7 +1032,7 @@
       </p:grpSpPr>
       <p:sp>
         <p:nvSpPr>
-          <p:cNvPr id="53" name="PlaceHolder 1"/>
+          <p:cNvPr id="47" name="PlaceHolder 1"/>
           <p:cNvSpPr>
             <a:spLocks noGrp="1"/>
           </p:cNvSpPr>
@@ -1035,8 +1042,8 @@
         </p:nvSpPr>
         <p:spPr>
           <a:xfrm>
-            <a:off x="457200" y="274680"/>
-            <a:ext cx="8229240" cy="1142640"/>
+            <a:off x="457200" y="273600"/>
+            <a:ext cx="8229240" cy="1144800"/>
           </a:xfrm>
           <a:prstGeom prst="rect">
             <a:avLst/>
@@ -1045,23 +1052,24 @@
         <p:txBody>
           <a:bodyPr lIns="0" rIns="0" tIns="0" bIns="0" anchor="ctr"/>
           <a:p>
-            <a:endParaRPr b="0" lang="ru-RU" sz="1800" spc="-1" strike="noStrike">
-              <a:solidFill>
-                <a:srgbClr val="ffffff"/>
-              </a:solidFill>
-              <a:uFill>
-                <a:solidFill>
-                  <a:srgbClr val="ffffff"/>
-                </a:solidFill>
-              </a:uFill>
-              <a:latin typeface="Book Antiqua"/>
-            </a:endParaRPr>
-          </a:p>
-        </p:txBody>
-      </p:sp>
-      <p:sp>
-        <p:nvSpPr>
-          <p:cNvPr id="54" name="PlaceHolder 2"/>
+            <a:pPr algn="ctr"/>
+            <a:endParaRPr b="0" lang="en-US" sz="4400" spc="-1" strike="noStrike">
+              <a:solidFill>
+                <a:srgbClr val="000000"/>
+              </a:solidFill>
+              <a:uFill>
+                <a:solidFill>
+                  <a:srgbClr val="ffffff"/>
+                </a:solidFill>
+              </a:uFill>
+              <a:latin typeface="Arial"/>
+            </a:endParaRPr>
+          </a:p>
+        </p:txBody>
+      </p:sp>
+      <p:sp>
+        <p:nvSpPr>
+          <p:cNvPr id="48" name="PlaceHolder 2"/>
           <p:cNvSpPr>
             <a:spLocks noGrp="1"/>
           </p:cNvSpPr>
@@ -1071,8 +1079,8 @@
         </p:nvSpPr>
         <p:spPr>
           <a:xfrm>
-            <a:off x="457200" y="1600200"/>
-            <a:ext cx="4015800" cy="2246040"/>
+            <a:off x="457200" y="1604520"/>
+            <a:ext cx="4015800" cy="1896840"/>
           </a:xfrm>
           <a:prstGeom prst="rect">
             <a:avLst/>
@@ -1081,23 +1089,23 @@
         <p:txBody>
           <a:bodyPr lIns="0" rIns="0" tIns="0" bIns="0"/>
           <a:p>
-            <a:endParaRPr b="0" lang="ru-RU" sz="2800" spc="-1" strike="noStrike">
-              <a:solidFill>
-                <a:srgbClr val="ffffff"/>
-              </a:solidFill>
-              <a:uFill>
-                <a:solidFill>
-                  <a:srgbClr val="ffffff"/>
-                </a:solidFill>
-              </a:uFill>
-              <a:latin typeface="Book Antiqua"/>
-            </a:endParaRPr>
-          </a:p>
-        </p:txBody>
-      </p:sp>
-      <p:sp>
-        <p:nvSpPr>
-          <p:cNvPr id="55" name="PlaceHolder 3"/>
+            <a:endParaRPr b="0" lang="en-US" sz="3200" spc="-1" strike="noStrike">
+              <a:solidFill>
+                <a:srgbClr val="000000"/>
+              </a:solidFill>
+              <a:uFill>
+                <a:solidFill>
+                  <a:srgbClr val="ffffff"/>
+                </a:solidFill>
+              </a:uFill>
+              <a:latin typeface="Arial"/>
+            </a:endParaRPr>
+          </a:p>
+        </p:txBody>
+      </p:sp>
+      <p:sp>
+        <p:nvSpPr>
+          <p:cNvPr id="49" name="PlaceHolder 3"/>
           <p:cNvSpPr>
             <a:spLocks noGrp="1"/>
           </p:cNvSpPr>
@@ -1107,8 +1115,8 @@
         </p:nvSpPr>
         <p:spPr>
           <a:xfrm>
-            <a:off x="457200" y="4060080"/>
-            <a:ext cx="4015800" cy="2246040"/>
+            <a:off x="457200" y="3682080"/>
+            <a:ext cx="4015800" cy="1896840"/>
           </a:xfrm>
           <a:prstGeom prst="rect">
             <a:avLst/>
@@ -1117,23 +1125,23 @@
         <p:txBody>
           <a:bodyPr lIns="0" rIns="0" tIns="0" bIns="0"/>
           <a:p>
-            <a:endParaRPr b="0" lang="ru-RU" sz="2800" spc="-1" strike="noStrike">
-              <a:solidFill>
-                <a:srgbClr val="ffffff"/>
-              </a:solidFill>
-              <a:uFill>
-                <a:solidFill>
-                  <a:srgbClr val="ffffff"/>
-                </a:solidFill>
-              </a:uFill>
-              <a:latin typeface="Book Antiqua"/>
-            </a:endParaRPr>
-          </a:p>
-        </p:txBody>
-      </p:sp>
-      <p:sp>
-        <p:nvSpPr>
-          <p:cNvPr id="56" name="PlaceHolder 4"/>
+            <a:endParaRPr b="0" lang="en-US" sz="3200" spc="-1" strike="noStrike">
+              <a:solidFill>
+                <a:srgbClr val="000000"/>
+              </a:solidFill>
+              <a:uFill>
+                <a:solidFill>
+                  <a:srgbClr val="ffffff"/>
+                </a:solidFill>
+              </a:uFill>
+              <a:latin typeface="Arial"/>
+            </a:endParaRPr>
+          </a:p>
+        </p:txBody>
+      </p:sp>
+      <p:sp>
+        <p:nvSpPr>
+          <p:cNvPr id="50" name="PlaceHolder 4"/>
           <p:cNvSpPr>
             <a:spLocks noGrp="1"/>
           </p:cNvSpPr>
@@ -1143,8 +1151,8 @@
         </p:nvSpPr>
         <p:spPr>
           <a:xfrm>
-            <a:off x="4674240" y="1600200"/>
-            <a:ext cx="4015800" cy="4708800"/>
+            <a:off x="4674240" y="1604520"/>
+            <a:ext cx="4015800" cy="3977280"/>
           </a:xfrm>
           <a:prstGeom prst="rect">
             <a:avLst/>
@@ -1153,16 +1161,16 @@
         <p:txBody>
           <a:bodyPr lIns="0" rIns="0" tIns="0" bIns="0"/>
           <a:p>
-            <a:endParaRPr b="0" lang="ru-RU" sz="2800" spc="-1" strike="noStrike">
-              <a:solidFill>
-                <a:srgbClr val="ffffff"/>
-              </a:solidFill>
-              <a:uFill>
-                <a:solidFill>
-                  <a:srgbClr val="ffffff"/>
-                </a:solidFill>
-              </a:uFill>
-              <a:latin typeface="Book Antiqua"/>
+            <a:endParaRPr b="0" lang="en-US" sz="3200" spc="-1" strike="noStrike">
+              <a:solidFill>
+                <a:srgbClr val="000000"/>
+              </a:solidFill>
+              <a:uFill>
+                <a:solidFill>
+                  <a:srgbClr val="ffffff"/>
+                </a:solidFill>
+              </a:uFill>
+              <a:latin typeface="Arial"/>
             </a:endParaRPr>
           </a:p>
         </p:txBody>
@@ -1191,7 +1199,7 @@
       </p:grpSpPr>
       <p:sp>
         <p:nvSpPr>
-          <p:cNvPr id="5" name="PlaceHolder 1"/>
+          <p:cNvPr id="2" name="PlaceHolder 1"/>
           <p:cNvSpPr>
             <a:spLocks noGrp="1"/>
           </p:cNvSpPr>
@@ -1201,8 +1209,8 @@
         </p:nvSpPr>
         <p:spPr>
           <a:xfrm>
-            <a:off x="457200" y="274680"/>
-            <a:ext cx="8229240" cy="1142640"/>
+            <a:off x="457200" y="273600"/>
+            <a:ext cx="8229240" cy="1144800"/>
           </a:xfrm>
           <a:prstGeom prst="rect">
             <a:avLst/>
@@ -1211,23 +1219,24 @@
         <p:txBody>
           <a:bodyPr lIns="0" rIns="0" tIns="0" bIns="0" anchor="ctr"/>
           <a:p>
-            <a:endParaRPr b="0" lang="ru-RU" sz="1800" spc="-1" strike="noStrike">
-              <a:solidFill>
-                <a:srgbClr val="ffffff"/>
-              </a:solidFill>
-              <a:uFill>
-                <a:solidFill>
-                  <a:srgbClr val="ffffff"/>
-                </a:solidFill>
-              </a:uFill>
-              <a:latin typeface="Book Antiqua"/>
-            </a:endParaRPr>
-          </a:p>
-        </p:txBody>
-      </p:sp>
-      <p:sp>
-        <p:nvSpPr>
-          <p:cNvPr id="6" name="PlaceHolder 2"/>
+            <a:pPr algn="ctr"/>
+            <a:endParaRPr b="0" lang="en-US" sz="4400" spc="-1" strike="noStrike">
+              <a:solidFill>
+                <a:srgbClr val="000000"/>
+              </a:solidFill>
+              <a:uFill>
+                <a:solidFill>
+                  <a:srgbClr val="ffffff"/>
+                </a:solidFill>
+              </a:uFill>
+              <a:latin typeface="Arial"/>
+            </a:endParaRPr>
+          </a:p>
+        </p:txBody>
+      </p:sp>
+      <p:sp>
+        <p:nvSpPr>
+          <p:cNvPr id="3" name="PlaceHolder 2"/>
           <p:cNvSpPr>
             <a:spLocks noGrp="1"/>
           </p:cNvSpPr>
@@ -1237,8 +1246,8 @@
         </p:nvSpPr>
         <p:spPr>
           <a:xfrm>
-            <a:off x="457200" y="1600200"/>
-            <a:ext cx="8229240" cy="4708800"/>
+            <a:off x="457200" y="1604520"/>
+            <a:ext cx="8229240" cy="3977280"/>
           </a:xfrm>
           <a:prstGeom prst="rect">
             <a:avLst/>
@@ -1286,7 +1295,7 @@
       </p:grpSpPr>
       <p:sp>
         <p:nvSpPr>
-          <p:cNvPr id="57" name="PlaceHolder 1"/>
+          <p:cNvPr id="51" name="PlaceHolder 1"/>
           <p:cNvSpPr>
             <a:spLocks noGrp="1"/>
           </p:cNvSpPr>
@@ -1296,8 +1305,8 @@
         </p:nvSpPr>
         <p:spPr>
           <a:xfrm>
-            <a:off x="457200" y="274680"/>
-            <a:ext cx="8229240" cy="1142640"/>
+            <a:off x="457200" y="273600"/>
+            <a:ext cx="8229240" cy="1144800"/>
           </a:xfrm>
           <a:prstGeom prst="rect">
             <a:avLst/>
@@ -1306,23 +1315,24 @@
         <p:txBody>
           <a:bodyPr lIns="0" rIns="0" tIns="0" bIns="0" anchor="ctr"/>
           <a:p>
-            <a:endParaRPr b="0" lang="ru-RU" sz="1800" spc="-1" strike="noStrike">
-              <a:solidFill>
-                <a:srgbClr val="ffffff"/>
-              </a:solidFill>
-              <a:uFill>
-                <a:solidFill>
-                  <a:srgbClr val="ffffff"/>
-                </a:solidFill>
-              </a:uFill>
-              <a:latin typeface="Book Antiqua"/>
-            </a:endParaRPr>
-          </a:p>
-        </p:txBody>
-      </p:sp>
-      <p:sp>
-        <p:nvSpPr>
-          <p:cNvPr id="58" name="PlaceHolder 2"/>
+            <a:pPr algn="ctr"/>
+            <a:endParaRPr b="0" lang="en-US" sz="4400" spc="-1" strike="noStrike">
+              <a:solidFill>
+                <a:srgbClr val="000000"/>
+              </a:solidFill>
+              <a:uFill>
+                <a:solidFill>
+                  <a:srgbClr val="ffffff"/>
+                </a:solidFill>
+              </a:uFill>
+              <a:latin typeface="Arial"/>
+            </a:endParaRPr>
+          </a:p>
+        </p:txBody>
+      </p:sp>
+      <p:sp>
+        <p:nvSpPr>
+          <p:cNvPr id="52" name="PlaceHolder 2"/>
           <p:cNvSpPr>
             <a:spLocks noGrp="1"/>
           </p:cNvSpPr>
@@ -1332,8 +1342,8 @@
         </p:nvSpPr>
         <p:spPr>
           <a:xfrm>
-            <a:off x="457200" y="1600200"/>
-            <a:ext cx="4015800" cy="4708800"/>
+            <a:off x="457200" y="1604520"/>
+            <a:ext cx="4015800" cy="3977280"/>
           </a:xfrm>
           <a:prstGeom prst="rect">
             <a:avLst/>
@@ -1342,23 +1352,23 @@
         <p:txBody>
           <a:bodyPr lIns="0" rIns="0" tIns="0" bIns="0"/>
           <a:p>
-            <a:endParaRPr b="0" lang="ru-RU" sz="2800" spc="-1" strike="noStrike">
-              <a:solidFill>
-                <a:srgbClr val="ffffff"/>
-              </a:solidFill>
-              <a:uFill>
-                <a:solidFill>
-                  <a:srgbClr val="ffffff"/>
-                </a:solidFill>
-              </a:uFill>
-              <a:latin typeface="Book Antiqua"/>
-            </a:endParaRPr>
-          </a:p>
-        </p:txBody>
-      </p:sp>
-      <p:sp>
-        <p:nvSpPr>
-          <p:cNvPr id="59" name="PlaceHolder 3"/>
+            <a:endParaRPr b="0" lang="en-US" sz="3200" spc="-1" strike="noStrike">
+              <a:solidFill>
+                <a:srgbClr val="000000"/>
+              </a:solidFill>
+              <a:uFill>
+                <a:solidFill>
+                  <a:srgbClr val="ffffff"/>
+                </a:solidFill>
+              </a:uFill>
+              <a:latin typeface="Arial"/>
+            </a:endParaRPr>
+          </a:p>
+        </p:txBody>
+      </p:sp>
+      <p:sp>
+        <p:nvSpPr>
+          <p:cNvPr id="53" name="PlaceHolder 3"/>
           <p:cNvSpPr>
             <a:spLocks noGrp="1"/>
           </p:cNvSpPr>
@@ -1368,8 +1378,8 @@
         </p:nvSpPr>
         <p:spPr>
           <a:xfrm>
-            <a:off x="4674240" y="1600200"/>
-            <a:ext cx="4015800" cy="2246040"/>
+            <a:off x="4674240" y="1604520"/>
+            <a:ext cx="4015800" cy="1896840"/>
           </a:xfrm>
           <a:prstGeom prst="rect">
             <a:avLst/>
@@ -1378,23 +1388,23 @@
         <p:txBody>
           <a:bodyPr lIns="0" rIns="0" tIns="0" bIns="0"/>
           <a:p>
-            <a:endParaRPr b="0" lang="ru-RU" sz="2800" spc="-1" strike="noStrike">
-              <a:solidFill>
-                <a:srgbClr val="ffffff"/>
-              </a:solidFill>
-              <a:uFill>
-                <a:solidFill>
-                  <a:srgbClr val="ffffff"/>
-                </a:solidFill>
-              </a:uFill>
-              <a:latin typeface="Book Antiqua"/>
-            </a:endParaRPr>
-          </a:p>
-        </p:txBody>
-      </p:sp>
-      <p:sp>
-        <p:nvSpPr>
-          <p:cNvPr id="60" name="PlaceHolder 4"/>
+            <a:endParaRPr b="0" lang="en-US" sz="3200" spc="-1" strike="noStrike">
+              <a:solidFill>
+                <a:srgbClr val="000000"/>
+              </a:solidFill>
+              <a:uFill>
+                <a:solidFill>
+                  <a:srgbClr val="ffffff"/>
+                </a:solidFill>
+              </a:uFill>
+              <a:latin typeface="Arial"/>
+            </a:endParaRPr>
+          </a:p>
+        </p:txBody>
+      </p:sp>
+      <p:sp>
+        <p:nvSpPr>
+          <p:cNvPr id="54" name="PlaceHolder 4"/>
           <p:cNvSpPr>
             <a:spLocks noGrp="1"/>
           </p:cNvSpPr>
@@ -1404,8 +1414,8 @@
         </p:nvSpPr>
         <p:spPr>
           <a:xfrm>
-            <a:off x="4674240" y="4060080"/>
-            <a:ext cx="4015800" cy="2246040"/>
+            <a:off x="4674240" y="3682080"/>
+            <a:ext cx="4015800" cy="1896840"/>
           </a:xfrm>
           <a:prstGeom prst="rect">
             <a:avLst/>
@@ -1414,16 +1424,16 @@
         <p:txBody>
           <a:bodyPr lIns="0" rIns="0" tIns="0" bIns="0"/>
           <a:p>
-            <a:endParaRPr b="0" lang="ru-RU" sz="2800" spc="-1" strike="noStrike">
-              <a:solidFill>
-                <a:srgbClr val="ffffff"/>
-              </a:solidFill>
-              <a:uFill>
-                <a:solidFill>
-                  <a:srgbClr val="ffffff"/>
-                </a:solidFill>
-              </a:uFill>
-              <a:latin typeface="Book Antiqua"/>
+            <a:endParaRPr b="0" lang="en-US" sz="3200" spc="-1" strike="noStrike">
+              <a:solidFill>
+                <a:srgbClr val="000000"/>
+              </a:solidFill>
+              <a:uFill>
+                <a:solidFill>
+                  <a:srgbClr val="ffffff"/>
+                </a:solidFill>
+              </a:uFill>
+              <a:latin typeface="Arial"/>
             </a:endParaRPr>
           </a:p>
         </p:txBody>
@@ -1452,7 +1462,7 @@
       </p:grpSpPr>
       <p:sp>
         <p:nvSpPr>
-          <p:cNvPr id="61" name="PlaceHolder 1"/>
+          <p:cNvPr id="55" name="PlaceHolder 1"/>
           <p:cNvSpPr>
             <a:spLocks noGrp="1"/>
           </p:cNvSpPr>
@@ -1462,8 +1472,8 @@
         </p:nvSpPr>
         <p:spPr>
           <a:xfrm>
-            <a:off x="457200" y="274680"/>
-            <a:ext cx="8229240" cy="1142640"/>
+            <a:off x="457200" y="273600"/>
+            <a:ext cx="8229240" cy="1144800"/>
           </a:xfrm>
           <a:prstGeom prst="rect">
             <a:avLst/>
@@ -1472,23 +1482,24 @@
         <p:txBody>
           <a:bodyPr lIns="0" rIns="0" tIns="0" bIns="0" anchor="ctr"/>
           <a:p>
-            <a:endParaRPr b="0" lang="ru-RU" sz="1800" spc="-1" strike="noStrike">
-              <a:solidFill>
-                <a:srgbClr val="ffffff"/>
-              </a:solidFill>
-              <a:uFill>
-                <a:solidFill>
-                  <a:srgbClr val="ffffff"/>
-                </a:solidFill>
-              </a:uFill>
-              <a:latin typeface="Book Antiqua"/>
-            </a:endParaRPr>
-          </a:p>
-        </p:txBody>
-      </p:sp>
-      <p:sp>
-        <p:nvSpPr>
-          <p:cNvPr id="62" name="PlaceHolder 2"/>
+            <a:pPr algn="ctr"/>
+            <a:endParaRPr b="0" lang="en-US" sz="4400" spc="-1" strike="noStrike">
+              <a:solidFill>
+                <a:srgbClr val="000000"/>
+              </a:solidFill>
+              <a:uFill>
+                <a:solidFill>
+                  <a:srgbClr val="ffffff"/>
+                </a:solidFill>
+              </a:uFill>
+              <a:latin typeface="Arial"/>
+            </a:endParaRPr>
+          </a:p>
+        </p:txBody>
+      </p:sp>
+      <p:sp>
+        <p:nvSpPr>
+          <p:cNvPr id="56" name="PlaceHolder 2"/>
           <p:cNvSpPr>
             <a:spLocks noGrp="1"/>
           </p:cNvSpPr>
@@ -1498,8 +1509,8 @@
         </p:nvSpPr>
         <p:spPr>
           <a:xfrm>
-            <a:off x="457200" y="1600200"/>
-            <a:ext cx="4015800" cy="2246040"/>
+            <a:off x="457200" y="1604520"/>
+            <a:ext cx="4015800" cy="1896840"/>
           </a:xfrm>
           <a:prstGeom prst="rect">
             <a:avLst/>
@@ -1508,23 +1519,23 @@
         <p:txBody>
           <a:bodyPr lIns="0" rIns="0" tIns="0" bIns="0"/>
           <a:p>
-            <a:endParaRPr b="0" lang="ru-RU" sz="2800" spc="-1" strike="noStrike">
-              <a:solidFill>
-                <a:srgbClr val="ffffff"/>
-              </a:solidFill>
-              <a:uFill>
-                <a:solidFill>
-                  <a:srgbClr val="ffffff"/>
-                </a:solidFill>
-              </a:uFill>
-              <a:latin typeface="Book Antiqua"/>
-            </a:endParaRPr>
-          </a:p>
-        </p:txBody>
-      </p:sp>
-      <p:sp>
-        <p:nvSpPr>
-          <p:cNvPr id="63" name="PlaceHolder 3"/>
+            <a:endParaRPr b="0" lang="en-US" sz="3200" spc="-1" strike="noStrike">
+              <a:solidFill>
+                <a:srgbClr val="000000"/>
+              </a:solidFill>
+              <a:uFill>
+                <a:solidFill>
+                  <a:srgbClr val="ffffff"/>
+                </a:solidFill>
+              </a:uFill>
+              <a:latin typeface="Arial"/>
+            </a:endParaRPr>
+          </a:p>
+        </p:txBody>
+      </p:sp>
+      <p:sp>
+        <p:nvSpPr>
+          <p:cNvPr id="57" name="PlaceHolder 3"/>
           <p:cNvSpPr>
             <a:spLocks noGrp="1"/>
           </p:cNvSpPr>
@@ -1534,8 +1545,8 @@
         </p:nvSpPr>
         <p:spPr>
           <a:xfrm>
-            <a:off x="4674240" y="1600200"/>
-            <a:ext cx="4015800" cy="2246040"/>
+            <a:off x="4674240" y="1604520"/>
+            <a:ext cx="4015800" cy="1896840"/>
           </a:xfrm>
           <a:prstGeom prst="rect">
             <a:avLst/>
@@ -1544,23 +1555,23 @@
         <p:txBody>
           <a:bodyPr lIns="0" rIns="0" tIns="0" bIns="0"/>
           <a:p>
-            <a:endParaRPr b="0" lang="ru-RU" sz="2800" spc="-1" strike="noStrike">
-              <a:solidFill>
-                <a:srgbClr val="ffffff"/>
-              </a:solidFill>
-              <a:uFill>
-                <a:solidFill>
-                  <a:srgbClr val="ffffff"/>
-                </a:solidFill>
-              </a:uFill>
-              <a:latin typeface="Book Antiqua"/>
-            </a:endParaRPr>
-          </a:p>
-        </p:txBody>
-      </p:sp>
-      <p:sp>
-        <p:nvSpPr>
-          <p:cNvPr id="64" name="PlaceHolder 4"/>
+            <a:endParaRPr b="0" lang="en-US" sz="3200" spc="-1" strike="noStrike">
+              <a:solidFill>
+                <a:srgbClr val="000000"/>
+              </a:solidFill>
+              <a:uFill>
+                <a:solidFill>
+                  <a:srgbClr val="ffffff"/>
+                </a:solidFill>
+              </a:uFill>
+              <a:latin typeface="Arial"/>
+            </a:endParaRPr>
+          </a:p>
+        </p:txBody>
+      </p:sp>
+      <p:sp>
+        <p:nvSpPr>
+          <p:cNvPr id="58" name="PlaceHolder 4"/>
           <p:cNvSpPr>
             <a:spLocks noGrp="1"/>
           </p:cNvSpPr>
@@ -1570,8 +1581,8 @@
         </p:nvSpPr>
         <p:spPr>
           <a:xfrm>
-            <a:off x="457200" y="4060080"/>
-            <a:ext cx="8229240" cy="2246040"/>
+            <a:off x="457200" y="3682080"/>
+            <a:ext cx="8229240" cy="1896840"/>
           </a:xfrm>
           <a:prstGeom prst="rect">
             <a:avLst/>
@@ -1580,16 +1591,16 @@
         <p:txBody>
           <a:bodyPr lIns="0" rIns="0" tIns="0" bIns="0"/>
           <a:p>
-            <a:endParaRPr b="0" lang="ru-RU" sz="2800" spc="-1" strike="noStrike">
-              <a:solidFill>
-                <a:srgbClr val="ffffff"/>
-              </a:solidFill>
-              <a:uFill>
-                <a:solidFill>
-                  <a:srgbClr val="ffffff"/>
-                </a:solidFill>
-              </a:uFill>
-              <a:latin typeface="Book Antiqua"/>
+            <a:endParaRPr b="0" lang="en-US" sz="3200" spc="-1" strike="noStrike">
+              <a:solidFill>
+                <a:srgbClr val="000000"/>
+              </a:solidFill>
+              <a:uFill>
+                <a:solidFill>
+                  <a:srgbClr val="ffffff"/>
+                </a:solidFill>
+              </a:uFill>
+              <a:latin typeface="Arial"/>
             </a:endParaRPr>
           </a:p>
         </p:txBody>
@@ -1618,7 +1629,7 @@
       </p:grpSpPr>
       <p:sp>
         <p:nvSpPr>
-          <p:cNvPr id="65" name="PlaceHolder 1"/>
+          <p:cNvPr id="59" name="PlaceHolder 1"/>
           <p:cNvSpPr>
             <a:spLocks noGrp="1"/>
           </p:cNvSpPr>
@@ -1628,8 +1639,8 @@
         </p:nvSpPr>
         <p:spPr>
           <a:xfrm>
-            <a:off x="457200" y="274680"/>
-            <a:ext cx="8229240" cy="1142640"/>
+            <a:off x="457200" y="273600"/>
+            <a:ext cx="8229240" cy="1144800"/>
           </a:xfrm>
           <a:prstGeom prst="rect">
             <a:avLst/>
@@ -1638,23 +1649,24 @@
         <p:txBody>
           <a:bodyPr lIns="0" rIns="0" tIns="0" bIns="0" anchor="ctr"/>
           <a:p>
-            <a:endParaRPr b="0" lang="ru-RU" sz="1800" spc="-1" strike="noStrike">
-              <a:solidFill>
-                <a:srgbClr val="ffffff"/>
-              </a:solidFill>
-              <a:uFill>
-                <a:solidFill>
-                  <a:srgbClr val="ffffff"/>
-                </a:solidFill>
-              </a:uFill>
-              <a:latin typeface="Book Antiqua"/>
-            </a:endParaRPr>
-          </a:p>
-        </p:txBody>
-      </p:sp>
-      <p:sp>
-        <p:nvSpPr>
-          <p:cNvPr id="66" name="PlaceHolder 2"/>
+            <a:pPr algn="ctr"/>
+            <a:endParaRPr b="0" lang="en-US" sz="4400" spc="-1" strike="noStrike">
+              <a:solidFill>
+                <a:srgbClr val="000000"/>
+              </a:solidFill>
+              <a:uFill>
+                <a:solidFill>
+                  <a:srgbClr val="ffffff"/>
+                </a:solidFill>
+              </a:uFill>
+              <a:latin typeface="Arial"/>
+            </a:endParaRPr>
+          </a:p>
+        </p:txBody>
+      </p:sp>
+      <p:sp>
+        <p:nvSpPr>
+          <p:cNvPr id="60" name="PlaceHolder 2"/>
           <p:cNvSpPr>
             <a:spLocks noGrp="1"/>
           </p:cNvSpPr>
@@ -1664,8 +1676,8 @@
         </p:nvSpPr>
         <p:spPr>
           <a:xfrm>
-            <a:off x="457200" y="1600200"/>
-            <a:ext cx="8229240" cy="2246040"/>
+            <a:off x="457200" y="1604520"/>
+            <a:ext cx="8229240" cy="1896840"/>
           </a:xfrm>
           <a:prstGeom prst="rect">
             <a:avLst/>
@@ -1674,23 +1686,23 @@
         <p:txBody>
           <a:bodyPr lIns="0" rIns="0" tIns="0" bIns="0"/>
           <a:p>
-            <a:endParaRPr b="0" lang="ru-RU" sz="2800" spc="-1" strike="noStrike">
-              <a:solidFill>
-                <a:srgbClr val="ffffff"/>
-              </a:solidFill>
-              <a:uFill>
-                <a:solidFill>
-                  <a:srgbClr val="ffffff"/>
-                </a:solidFill>
-              </a:uFill>
-              <a:latin typeface="Book Antiqua"/>
-            </a:endParaRPr>
-          </a:p>
-        </p:txBody>
-      </p:sp>
-      <p:sp>
-        <p:nvSpPr>
-          <p:cNvPr id="67" name="PlaceHolder 3"/>
+            <a:endParaRPr b="0" lang="en-US" sz="3200" spc="-1" strike="noStrike">
+              <a:solidFill>
+                <a:srgbClr val="000000"/>
+              </a:solidFill>
+              <a:uFill>
+                <a:solidFill>
+                  <a:srgbClr val="ffffff"/>
+                </a:solidFill>
+              </a:uFill>
+              <a:latin typeface="Arial"/>
+            </a:endParaRPr>
+          </a:p>
+        </p:txBody>
+      </p:sp>
+      <p:sp>
+        <p:nvSpPr>
+          <p:cNvPr id="61" name="PlaceHolder 3"/>
           <p:cNvSpPr>
             <a:spLocks noGrp="1"/>
           </p:cNvSpPr>
@@ -1700,8 +1712,8 @@
         </p:nvSpPr>
         <p:spPr>
           <a:xfrm>
-            <a:off x="457200" y="4060080"/>
-            <a:ext cx="8229240" cy="2246040"/>
+            <a:off x="457200" y="3682080"/>
+            <a:ext cx="8229240" cy="1896840"/>
           </a:xfrm>
           <a:prstGeom prst="rect">
             <a:avLst/>
@@ -1710,16 +1722,16 @@
         <p:txBody>
           <a:bodyPr lIns="0" rIns="0" tIns="0" bIns="0"/>
           <a:p>
-            <a:endParaRPr b="0" lang="ru-RU" sz="2800" spc="-1" strike="noStrike">
-              <a:solidFill>
-                <a:srgbClr val="ffffff"/>
-              </a:solidFill>
-              <a:uFill>
-                <a:solidFill>
-                  <a:srgbClr val="ffffff"/>
-                </a:solidFill>
-              </a:uFill>
-              <a:latin typeface="Book Antiqua"/>
+            <a:endParaRPr b="0" lang="en-US" sz="3200" spc="-1" strike="noStrike">
+              <a:solidFill>
+                <a:srgbClr val="000000"/>
+              </a:solidFill>
+              <a:uFill>
+                <a:solidFill>
+                  <a:srgbClr val="ffffff"/>
+                </a:solidFill>
+              </a:uFill>
+              <a:latin typeface="Arial"/>
             </a:endParaRPr>
           </a:p>
         </p:txBody>
@@ -1748,7 +1760,7 @@
       </p:grpSpPr>
       <p:sp>
         <p:nvSpPr>
-          <p:cNvPr id="68" name="PlaceHolder 1"/>
+          <p:cNvPr id="62" name="PlaceHolder 1"/>
           <p:cNvSpPr>
             <a:spLocks noGrp="1"/>
           </p:cNvSpPr>
@@ -1758,8 +1770,8 @@
         </p:nvSpPr>
         <p:spPr>
           <a:xfrm>
-            <a:off x="457200" y="274680"/>
-            <a:ext cx="8229240" cy="1142640"/>
+            <a:off x="457200" y="273600"/>
+            <a:ext cx="8229240" cy="1144800"/>
           </a:xfrm>
           <a:prstGeom prst="rect">
             <a:avLst/>
@@ -1768,23 +1780,24 @@
         <p:txBody>
           <a:bodyPr lIns="0" rIns="0" tIns="0" bIns="0" anchor="ctr"/>
           <a:p>
-            <a:endParaRPr b="0" lang="ru-RU" sz="1800" spc="-1" strike="noStrike">
-              <a:solidFill>
-                <a:srgbClr val="ffffff"/>
-              </a:solidFill>
-              <a:uFill>
-                <a:solidFill>
-                  <a:srgbClr val="ffffff"/>
-                </a:solidFill>
-              </a:uFill>
-              <a:latin typeface="Book Antiqua"/>
-            </a:endParaRPr>
-          </a:p>
-        </p:txBody>
-      </p:sp>
-      <p:sp>
-        <p:nvSpPr>
-          <p:cNvPr id="69" name="PlaceHolder 2"/>
+            <a:pPr algn="ctr"/>
+            <a:endParaRPr b="0" lang="en-US" sz="4400" spc="-1" strike="noStrike">
+              <a:solidFill>
+                <a:srgbClr val="000000"/>
+              </a:solidFill>
+              <a:uFill>
+                <a:solidFill>
+                  <a:srgbClr val="ffffff"/>
+                </a:solidFill>
+              </a:uFill>
+              <a:latin typeface="Arial"/>
+            </a:endParaRPr>
+          </a:p>
+        </p:txBody>
+      </p:sp>
+      <p:sp>
+        <p:nvSpPr>
+          <p:cNvPr id="63" name="PlaceHolder 2"/>
           <p:cNvSpPr>
             <a:spLocks noGrp="1"/>
           </p:cNvSpPr>
@@ -1794,8 +1807,8 @@
         </p:nvSpPr>
         <p:spPr>
           <a:xfrm>
-            <a:off x="457200" y="1600200"/>
-            <a:ext cx="4015800" cy="2246040"/>
+            <a:off x="457200" y="1604520"/>
+            <a:ext cx="4015800" cy="1896840"/>
           </a:xfrm>
           <a:prstGeom prst="rect">
             <a:avLst/>
@@ -1804,23 +1817,23 @@
         <p:txBody>
           <a:bodyPr lIns="0" rIns="0" tIns="0" bIns="0"/>
           <a:p>
-            <a:endParaRPr b="0" lang="ru-RU" sz="2800" spc="-1" strike="noStrike">
-              <a:solidFill>
-                <a:srgbClr val="ffffff"/>
-              </a:solidFill>
-              <a:uFill>
-                <a:solidFill>
-                  <a:srgbClr val="ffffff"/>
-                </a:solidFill>
-              </a:uFill>
-              <a:latin typeface="Book Antiqua"/>
-            </a:endParaRPr>
-          </a:p>
-        </p:txBody>
-      </p:sp>
-      <p:sp>
-        <p:nvSpPr>
-          <p:cNvPr id="70" name="PlaceHolder 3"/>
+            <a:endParaRPr b="0" lang="en-US" sz="3200" spc="-1" strike="noStrike">
+              <a:solidFill>
+                <a:srgbClr val="000000"/>
+              </a:solidFill>
+              <a:uFill>
+                <a:solidFill>
+                  <a:srgbClr val="ffffff"/>
+                </a:solidFill>
+              </a:uFill>
+              <a:latin typeface="Arial"/>
+            </a:endParaRPr>
+          </a:p>
+        </p:txBody>
+      </p:sp>
+      <p:sp>
+        <p:nvSpPr>
+          <p:cNvPr id="64" name="PlaceHolder 3"/>
           <p:cNvSpPr>
             <a:spLocks noGrp="1"/>
           </p:cNvSpPr>
@@ -1830,8 +1843,8 @@
         </p:nvSpPr>
         <p:spPr>
           <a:xfrm>
-            <a:off x="4674240" y="1600200"/>
-            <a:ext cx="4015800" cy="2246040"/>
+            <a:off x="4674240" y="1604520"/>
+            <a:ext cx="4015800" cy="1896840"/>
           </a:xfrm>
           <a:prstGeom prst="rect">
             <a:avLst/>
@@ -1840,23 +1853,23 @@
         <p:txBody>
           <a:bodyPr lIns="0" rIns="0" tIns="0" bIns="0"/>
           <a:p>
-            <a:endParaRPr b="0" lang="ru-RU" sz="2800" spc="-1" strike="noStrike">
-              <a:solidFill>
-                <a:srgbClr val="ffffff"/>
-              </a:solidFill>
-              <a:uFill>
-                <a:solidFill>
-                  <a:srgbClr val="ffffff"/>
-                </a:solidFill>
-              </a:uFill>
-              <a:latin typeface="Book Antiqua"/>
-            </a:endParaRPr>
-          </a:p>
-        </p:txBody>
-      </p:sp>
-      <p:sp>
-        <p:nvSpPr>
-          <p:cNvPr id="71" name="PlaceHolder 4"/>
+            <a:endParaRPr b="0" lang="en-US" sz="3200" spc="-1" strike="noStrike">
+              <a:solidFill>
+                <a:srgbClr val="000000"/>
+              </a:solidFill>
+              <a:uFill>
+                <a:solidFill>
+                  <a:srgbClr val="ffffff"/>
+                </a:solidFill>
+              </a:uFill>
+              <a:latin typeface="Arial"/>
+            </a:endParaRPr>
+          </a:p>
+        </p:txBody>
+      </p:sp>
+      <p:sp>
+        <p:nvSpPr>
+          <p:cNvPr id="65" name="PlaceHolder 4"/>
           <p:cNvSpPr>
             <a:spLocks noGrp="1"/>
           </p:cNvSpPr>
@@ -1866,8 +1879,8 @@
         </p:nvSpPr>
         <p:spPr>
           <a:xfrm>
-            <a:off x="4674240" y="4060080"/>
-            <a:ext cx="4015800" cy="2246040"/>
+            <a:off x="4674240" y="3682080"/>
+            <a:ext cx="4015800" cy="1896840"/>
           </a:xfrm>
           <a:prstGeom prst="rect">
             <a:avLst/>
@@ -1876,23 +1889,23 @@
         <p:txBody>
           <a:bodyPr lIns="0" rIns="0" tIns="0" bIns="0"/>
           <a:p>
-            <a:endParaRPr b="0" lang="ru-RU" sz="2800" spc="-1" strike="noStrike">
-              <a:solidFill>
-                <a:srgbClr val="ffffff"/>
-              </a:solidFill>
-              <a:uFill>
-                <a:solidFill>
-                  <a:srgbClr val="ffffff"/>
-                </a:solidFill>
-              </a:uFill>
-              <a:latin typeface="Book Antiqua"/>
-            </a:endParaRPr>
-          </a:p>
-        </p:txBody>
-      </p:sp>
-      <p:sp>
-        <p:nvSpPr>
-          <p:cNvPr id="72" name="PlaceHolder 5"/>
+            <a:endParaRPr b="0" lang="en-US" sz="3200" spc="-1" strike="noStrike">
+              <a:solidFill>
+                <a:srgbClr val="000000"/>
+              </a:solidFill>
+              <a:uFill>
+                <a:solidFill>
+                  <a:srgbClr val="ffffff"/>
+                </a:solidFill>
+              </a:uFill>
+              <a:latin typeface="Arial"/>
+            </a:endParaRPr>
+          </a:p>
+        </p:txBody>
+      </p:sp>
+      <p:sp>
+        <p:nvSpPr>
+          <p:cNvPr id="66" name="PlaceHolder 5"/>
           <p:cNvSpPr>
             <a:spLocks noGrp="1"/>
           </p:cNvSpPr>
@@ -1902,8 +1915,8 @@
         </p:nvSpPr>
         <p:spPr>
           <a:xfrm>
-            <a:off x="457200" y="4060080"/>
-            <a:ext cx="4015800" cy="2246040"/>
+            <a:off x="457200" y="3682080"/>
+            <a:ext cx="4015800" cy="1896840"/>
           </a:xfrm>
           <a:prstGeom prst="rect">
             <a:avLst/>
@@ -1912,16 +1925,16 @@
         <p:txBody>
           <a:bodyPr lIns="0" rIns="0" tIns="0" bIns="0"/>
           <a:p>
-            <a:endParaRPr b="0" lang="ru-RU" sz="2800" spc="-1" strike="noStrike">
-              <a:solidFill>
-                <a:srgbClr val="ffffff"/>
-              </a:solidFill>
-              <a:uFill>
-                <a:solidFill>
-                  <a:srgbClr val="ffffff"/>
-                </a:solidFill>
-              </a:uFill>
-              <a:latin typeface="Book Antiqua"/>
+            <a:endParaRPr b="0" lang="en-US" sz="3200" spc="-1" strike="noStrike">
+              <a:solidFill>
+                <a:srgbClr val="000000"/>
+              </a:solidFill>
+              <a:uFill>
+                <a:solidFill>
+                  <a:srgbClr val="ffffff"/>
+                </a:solidFill>
+              </a:uFill>
+              <a:latin typeface="Arial"/>
             </a:endParaRPr>
           </a:p>
         </p:txBody>
@@ -1950,7 +1963,7 @@
       </p:grpSpPr>
       <p:sp>
         <p:nvSpPr>
-          <p:cNvPr id="73" name="PlaceHolder 1"/>
+          <p:cNvPr id="67" name="PlaceHolder 1"/>
           <p:cNvSpPr>
             <a:spLocks noGrp="1"/>
           </p:cNvSpPr>
@@ -1960,8 +1973,8 @@
         </p:nvSpPr>
         <p:spPr>
           <a:xfrm>
-            <a:off x="457200" y="274680"/>
-            <a:ext cx="8229240" cy="1142640"/>
+            <a:off x="457200" y="273600"/>
+            <a:ext cx="8229240" cy="1144800"/>
           </a:xfrm>
           <a:prstGeom prst="rect">
             <a:avLst/>
@@ -1970,23 +1983,24 @@
         <p:txBody>
           <a:bodyPr lIns="0" rIns="0" tIns="0" bIns="0" anchor="ctr"/>
           <a:p>
-            <a:endParaRPr b="0" lang="ru-RU" sz="1800" spc="-1" strike="noStrike">
-              <a:solidFill>
-                <a:srgbClr val="ffffff"/>
-              </a:solidFill>
-              <a:uFill>
-                <a:solidFill>
-                  <a:srgbClr val="ffffff"/>
-                </a:solidFill>
-              </a:uFill>
-              <a:latin typeface="Book Antiqua"/>
-            </a:endParaRPr>
-          </a:p>
-        </p:txBody>
-      </p:sp>
-      <p:sp>
-        <p:nvSpPr>
-          <p:cNvPr id="74" name="PlaceHolder 2"/>
+            <a:pPr algn="ctr"/>
+            <a:endParaRPr b="0" lang="en-US" sz="4400" spc="-1" strike="noStrike">
+              <a:solidFill>
+                <a:srgbClr val="000000"/>
+              </a:solidFill>
+              <a:uFill>
+                <a:solidFill>
+                  <a:srgbClr val="ffffff"/>
+                </a:solidFill>
+              </a:uFill>
+              <a:latin typeface="Arial"/>
+            </a:endParaRPr>
+          </a:p>
+        </p:txBody>
+      </p:sp>
+      <p:sp>
+        <p:nvSpPr>
+          <p:cNvPr id="68" name="PlaceHolder 2"/>
           <p:cNvSpPr>
             <a:spLocks noGrp="1"/>
           </p:cNvSpPr>
@@ -1996,8 +2010,8 @@
         </p:nvSpPr>
         <p:spPr>
           <a:xfrm>
-            <a:off x="457200" y="1600200"/>
-            <a:ext cx="8229240" cy="4708800"/>
+            <a:off x="457200" y="1604520"/>
+            <a:ext cx="8229240" cy="3977280"/>
           </a:xfrm>
           <a:prstGeom prst="rect">
             <a:avLst/>
@@ -2006,23 +2020,23 @@
         <p:txBody>
           <a:bodyPr lIns="0" rIns="0" tIns="0" bIns="0"/>
           <a:p>
-            <a:endParaRPr b="0" lang="ru-RU" sz="2800" spc="-1" strike="noStrike">
-              <a:solidFill>
-                <a:srgbClr val="ffffff"/>
-              </a:solidFill>
-              <a:uFill>
-                <a:solidFill>
-                  <a:srgbClr val="ffffff"/>
-                </a:solidFill>
-              </a:uFill>
-              <a:latin typeface="Book Antiqua"/>
-            </a:endParaRPr>
-          </a:p>
-        </p:txBody>
-      </p:sp>
-      <p:sp>
-        <p:nvSpPr>
-          <p:cNvPr id="75" name="PlaceHolder 3"/>
+            <a:endParaRPr b="0" lang="en-US" sz="3200" spc="-1" strike="noStrike">
+              <a:solidFill>
+                <a:srgbClr val="000000"/>
+              </a:solidFill>
+              <a:uFill>
+                <a:solidFill>
+                  <a:srgbClr val="ffffff"/>
+                </a:solidFill>
+              </a:uFill>
+              <a:latin typeface="Arial"/>
+            </a:endParaRPr>
+          </a:p>
+        </p:txBody>
+      </p:sp>
+      <p:sp>
+        <p:nvSpPr>
+          <p:cNvPr id="69" name="PlaceHolder 3"/>
           <p:cNvSpPr>
             <a:spLocks noGrp="1"/>
           </p:cNvSpPr>
@@ -2032,8 +2046,8 @@
         </p:nvSpPr>
         <p:spPr>
           <a:xfrm>
-            <a:off x="457200" y="1600200"/>
-            <a:ext cx="8229240" cy="4708800"/>
+            <a:off x="457200" y="1604520"/>
+            <a:ext cx="8229240" cy="3977280"/>
           </a:xfrm>
           <a:prstGeom prst="rect">
             <a:avLst/>
@@ -2042,23 +2056,23 @@
         <p:txBody>
           <a:bodyPr lIns="0" rIns="0" tIns="0" bIns="0"/>
           <a:p>
-            <a:endParaRPr b="0" lang="ru-RU" sz="2800" spc="-1" strike="noStrike">
-              <a:solidFill>
-                <a:srgbClr val="ffffff"/>
-              </a:solidFill>
-              <a:uFill>
-                <a:solidFill>
-                  <a:srgbClr val="ffffff"/>
-                </a:solidFill>
-              </a:uFill>
-              <a:latin typeface="Book Antiqua"/>
+            <a:endParaRPr b="0" lang="en-US" sz="3200" spc="-1" strike="noStrike">
+              <a:solidFill>
+                <a:srgbClr val="000000"/>
+              </a:solidFill>
+              <a:uFill>
+                <a:solidFill>
+                  <a:srgbClr val="ffffff"/>
+                </a:solidFill>
+              </a:uFill>
+              <a:latin typeface="Arial"/>
             </a:endParaRPr>
           </a:p>
         </p:txBody>
       </p:sp>
       <p:pic>
         <p:nvPicPr>
-          <p:cNvPr id="76" name="" descr=""/>
+          <p:cNvPr id="70" name="" descr=""/>
           <p:cNvPicPr/>
           <p:nvPr/>
         </p:nvPicPr>
@@ -2068,8 +2082,8 @@
         </p:blipFill>
         <p:spPr>
           <a:xfrm>
-            <a:off x="1620720" y="1600200"/>
-            <a:ext cx="5901480" cy="4708800"/>
+            <a:off x="2079000" y="1604520"/>
+            <a:ext cx="4984920" cy="3977280"/>
           </a:xfrm>
           <a:prstGeom prst="rect">
             <a:avLst/>
@@ -2081,7 +2095,7 @@
       </p:pic>
       <p:pic>
         <p:nvPicPr>
-          <p:cNvPr id="77" name="" descr=""/>
+          <p:cNvPr id="71" name="" descr=""/>
           <p:cNvPicPr/>
           <p:nvPr/>
         </p:nvPicPr>
@@ -2091,8 +2105,8 @@
         </p:blipFill>
         <p:spPr>
           <a:xfrm>
-            <a:off x="1620720" y="1600200"/>
-            <a:ext cx="5901480" cy="4708800"/>
+            <a:off x="2079000" y="1604520"/>
+            <a:ext cx="4984920" cy="3977280"/>
           </a:xfrm>
           <a:prstGeom prst="rect">
             <a:avLst/>
@@ -2126,7 +2140,7 @@
       </p:grpSpPr>
       <p:sp>
         <p:nvSpPr>
-          <p:cNvPr id="7" name="PlaceHolder 1"/>
+          <p:cNvPr id="4" name="PlaceHolder 1"/>
           <p:cNvSpPr>
             <a:spLocks noGrp="1"/>
           </p:cNvSpPr>
@@ -2136,8 +2150,8 @@
         </p:nvSpPr>
         <p:spPr>
           <a:xfrm>
-            <a:off x="457200" y="274680"/>
-            <a:ext cx="8229240" cy="1142640"/>
+            <a:off x="457200" y="273600"/>
+            <a:ext cx="8229240" cy="1144800"/>
           </a:xfrm>
           <a:prstGeom prst="rect">
             <a:avLst/>
@@ -2146,23 +2160,24 @@
         <p:txBody>
           <a:bodyPr lIns="0" rIns="0" tIns="0" bIns="0" anchor="ctr"/>
           <a:p>
-            <a:endParaRPr b="0" lang="ru-RU" sz="1800" spc="-1" strike="noStrike">
-              <a:solidFill>
-                <a:srgbClr val="ffffff"/>
-              </a:solidFill>
-              <a:uFill>
-                <a:solidFill>
-                  <a:srgbClr val="ffffff"/>
-                </a:solidFill>
-              </a:uFill>
-              <a:latin typeface="Book Antiqua"/>
-            </a:endParaRPr>
-          </a:p>
-        </p:txBody>
-      </p:sp>
-      <p:sp>
-        <p:nvSpPr>
-          <p:cNvPr id="8" name="PlaceHolder 2"/>
+            <a:pPr algn="ctr"/>
+            <a:endParaRPr b="0" lang="en-US" sz="4400" spc="-1" strike="noStrike">
+              <a:solidFill>
+                <a:srgbClr val="000000"/>
+              </a:solidFill>
+              <a:uFill>
+                <a:solidFill>
+                  <a:srgbClr val="ffffff"/>
+                </a:solidFill>
+              </a:uFill>
+              <a:latin typeface="Arial"/>
+            </a:endParaRPr>
+          </a:p>
+        </p:txBody>
+      </p:sp>
+      <p:sp>
+        <p:nvSpPr>
+          <p:cNvPr id="5" name="PlaceHolder 2"/>
           <p:cNvSpPr>
             <a:spLocks noGrp="1"/>
           </p:cNvSpPr>
@@ -2172,8 +2187,8 @@
         </p:nvSpPr>
         <p:spPr>
           <a:xfrm>
-            <a:off x="457200" y="1600200"/>
-            <a:ext cx="8229240" cy="4708800"/>
+            <a:off x="457200" y="1604520"/>
+            <a:ext cx="8229240" cy="3977280"/>
           </a:xfrm>
           <a:prstGeom prst="rect">
             <a:avLst/>
@@ -2182,16 +2197,16 @@
         <p:txBody>
           <a:bodyPr lIns="0" rIns="0" tIns="0" bIns="0"/>
           <a:p>
-            <a:endParaRPr b="0" lang="ru-RU" sz="2800" spc="-1" strike="noStrike">
-              <a:solidFill>
-                <a:srgbClr val="ffffff"/>
-              </a:solidFill>
-              <a:uFill>
-                <a:solidFill>
-                  <a:srgbClr val="ffffff"/>
-                </a:solidFill>
-              </a:uFill>
-              <a:latin typeface="Book Antiqua"/>
+            <a:endParaRPr b="0" lang="en-US" sz="3200" spc="-1" strike="noStrike">
+              <a:solidFill>
+                <a:srgbClr val="000000"/>
+              </a:solidFill>
+              <a:uFill>
+                <a:solidFill>
+                  <a:srgbClr val="ffffff"/>
+                </a:solidFill>
+              </a:uFill>
+              <a:latin typeface="Arial"/>
             </a:endParaRPr>
           </a:p>
         </p:txBody>
@@ -2220,7 +2235,7 @@
       </p:grpSpPr>
       <p:sp>
         <p:nvSpPr>
-          <p:cNvPr id="9" name="PlaceHolder 1"/>
+          <p:cNvPr id="6" name="PlaceHolder 1"/>
           <p:cNvSpPr>
             <a:spLocks noGrp="1"/>
           </p:cNvSpPr>
@@ -2230,8 +2245,8 @@
         </p:nvSpPr>
         <p:spPr>
           <a:xfrm>
-            <a:off x="457200" y="274680"/>
-            <a:ext cx="8229240" cy="1142640"/>
+            <a:off x="457200" y="273600"/>
+            <a:ext cx="8229240" cy="1144800"/>
           </a:xfrm>
           <a:prstGeom prst="rect">
             <a:avLst/>
@@ -2240,23 +2255,24 @@
         <p:txBody>
           <a:bodyPr lIns="0" rIns="0" tIns="0" bIns="0" anchor="ctr"/>
           <a:p>
-            <a:endParaRPr b="0" lang="ru-RU" sz="1800" spc="-1" strike="noStrike">
-              <a:solidFill>
-                <a:srgbClr val="ffffff"/>
-              </a:solidFill>
-              <a:uFill>
-                <a:solidFill>
-                  <a:srgbClr val="ffffff"/>
-                </a:solidFill>
-              </a:uFill>
-              <a:latin typeface="Book Antiqua"/>
-            </a:endParaRPr>
-          </a:p>
-        </p:txBody>
-      </p:sp>
-      <p:sp>
-        <p:nvSpPr>
-          <p:cNvPr id="10" name="PlaceHolder 2"/>
+            <a:pPr algn="ctr"/>
+            <a:endParaRPr b="0" lang="en-US" sz="4400" spc="-1" strike="noStrike">
+              <a:solidFill>
+                <a:srgbClr val="000000"/>
+              </a:solidFill>
+              <a:uFill>
+                <a:solidFill>
+                  <a:srgbClr val="ffffff"/>
+                </a:solidFill>
+              </a:uFill>
+              <a:latin typeface="Arial"/>
+            </a:endParaRPr>
+          </a:p>
+        </p:txBody>
+      </p:sp>
+      <p:sp>
+        <p:nvSpPr>
+          <p:cNvPr id="7" name="PlaceHolder 2"/>
           <p:cNvSpPr>
             <a:spLocks noGrp="1"/>
           </p:cNvSpPr>
@@ -2266,8 +2282,8 @@
         </p:nvSpPr>
         <p:spPr>
           <a:xfrm>
-            <a:off x="457200" y="1600200"/>
-            <a:ext cx="4015800" cy="4708800"/>
+            <a:off x="457200" y="1604520"/>
+            <a:ext cx="4015800" cy="3977280"/>
           </a:xfrm>
           <a:prstGeom prst="rect">
             <a:avLst/>
@@ -2276,23 +2292,23 @@
         <p:txBody>
           <a:bodyPr lIns="0" rIns="0" tIns="0" bIns="0"/>
           <a:p>
-            <a:endParaRPr b="0" lang="ru-RU" sz="2800" spc="-1" strike="noStrike">
-              <a:solidFill>
-                <a:srgbClr val="ffffff"/>
-              </a:solidFill>
-              <a:uFill>
-                <a:solidFill>
-                  <a:srgbClr val="ffffff"/>
-                </a:solidFill>
-              </a:uFill>
-              <a:latin typeface="Book Antiqua"/>
-            </a:endParaRPr>
-          </a:p>
-        </p:txBody>
-      </p:sp>
-      <p:sp>
-        <p:nvSpPr>
-          <p:cNvPr id="11" name="PlaceHolder 3"/>
+            <a:endParaRPr b="0" lang="en-US" sz="3200" spc="-1" strike="noStrike">
+              <a:solidFill>
+                <a:srgbClr val="000000"/>
+              </a:solidFill>
+              <a:uFill>
+                <a:solidFill>
+                  <a:srgbClr val="ffffff"/>
+                </a:solidFill>
+              </a:uFill>
+              <a:latin typeface="Arial"/>
+            </a:endParaRPr>
+          </a:p>
+        </p:txBody>
+      </p:sp>
+      <p:sp>
+        <p:nvSpPr>
+          <p:cNvPr id="8" name="PlaceHolder 3"/>
           <p:cNvSpPr>
             <a:spLocks noGrp="1"/>
           </p:cNvSpPr>
@@ -2302,8 +2318,8 @@
         </p:nvSpPr>
         <p:spPr>
           <a:xfrm>
-            <a:off x="4674240" y="1600200"/>
-            <a:ext cx="4015800" cy="4708800"/>
+            <a:off x="4674240" y="1604520"/>
+            <a:ext cx="4015800" cy="3977280"/>
           </a:xfrm>
           <a:prstGeom prst="rect">
             <a:avLst/>
@@ -2312,16 +2328,16 @@
         <p:txBody>
           <a:bodyPr lIns="0" rIns="0" tIns="0" bIns="0"/>
           <a:p>
-            <a:endParaRPr b="0" lang="ru-RU" sz="2800" spc="-1" strike="noStrike">
-              <a:solidFill>
-                <a:srgbClr val="ffffff"/>
-              </a:solidFill>
-              <a:uFill>
-                <a:solidFill>
-                  <a:srgbClr val="ffffff"/>
-                </a:solidFill>
-              </a:uFill>
-              <a:latin typeface="Book Antiqua"/>
+            <a:endParaRPr b="0" lang="en-US" sz="3200" spc="-1" strike="noStrike">
+              <a:solidFill>
+                <a:srgbClr val="000000"/>
+              </a:solidFill>
+              <a:uFill>
+                <a:solidFill>
+                  <a:srgbClr val="ffffff"/>
+                </a:solidFill>
+              </a:uFill>
+              <a:latin typeface="Arial"/>
             </a:endParaRPr>
           </a:p>
         </p:txBody>
@@ -2350,7 +2366,7 @@
       </p:grpSpPr>
       <p:sp>
         <p:nvSpPr>
-          <p:cNvPr id="12" name="PlaceHolder 1"/>
+          <p:cNvPr id="9" name="PlaceHolder 1"/>
           <p:cNvSpPr>
             <a:spLocks noGrp="1"/>
           </p:cNvSpPr>
@@ -2360,8 +2376,8 @@
         </p:nvSpPr>
         <p:spPr>
           <a:xfrm>
-            <a:off x="457200" y="274680"/>
-            <a:ext cx="8229240" cy="1142640"/>
+            <a:off x="457200" y="273600"/>
+            <a:ext cx="8229240" cy="1144800"/>
           </a:xfrm>
           <a:prstGeom prst="rect">
             <a:avLst/>
@@ -2370,16 +2386,17 @@
         <p:txBody>
           <a:bodyPr lIns="0" rIns="0" tIns="0" bIns="0" anchor="ctr"/>
           <a:p>
-            <a:endParaRPr b="0" lang="ru-RU" sz="1800" spc="-1" strike="noStrike">
-              <a:solidFill>
-                <a:srgbClr val="ffffff"/>
-              </a:solidFill>
-              <a:uFill>
-                <a:solidFill>
-                  <a:srgbClr val="ffffff"/>
-                </a:solidFill>
-              </a:uFill>
-              <a:latin typeface="Book Antiqua"/>
+            <a:pPr algn="ctr"/>
+            <a:endParaRPr b="0" lang="en-US" sz="4400" spc="-1" strike="noStrike">
+              <a:solidFill>
+                <a:srgbClr val="000000"/>
+              </a:solidFill>
+              <a:uFill>
+                <a:solidFill>
+                  <a:srgbClr val="ffffff"/>
+                </a:solidFill>
+              </a:uFill>
+              <a:latin typeface="Arial"/>
             </a:endParaRPr>
           </a:p>
         </p:txBody>
@@ -2408,7 +2425,7 @@
       </p:grpSpPr>
       <p:sp>
         <p:nvSpPr>
-          <p:cNvPr id="13" name="PlaceHolder 1"/>
+          <p:cNvPr id="10" name="PlaceHolder 1"/>
           <p:cNvSpPr>
             <a:spLocks noGrp="1"/>
           </p:cNvSpPr>
@@ -2418,8 +2435,8 @@
         </p:nvSpPr>
         <p:spPr>
           <a:xfrm>
-            <a:off x="457200" y="274680"/>
-            <a:ext cx="8229240" cy="5297760"/>
+            <a:off x="457200" y="273600"/>
+            <a:ext cx="8229240" cy="5307840"/>
           </a:xfrm>
           <a:prstGeom prst="rect">
             <a:avLst/>
@@ -2467,7 +2484,7 @@
       </p:grpSpPr>
       <p:sp>
         <p:nvSpPr>
-          <p:cNvPr id="14" name="PlaceHolder 1"/>
+          <p:cNvPr id="11" name="PlaceHolder 1"/>
           <p:cNvSpPr>
             <a:spLocks noGrp="1"/>
           </p:cNvSpPr>
@@ -2477,8 +2494,8 @@
         </p:nvSpPr>
         <p:spPr>
           <a:xfrm>
-            <a:off x="457200" y="274680"/>
-            <a:ext cx="8229240" cy="1142640"/>
+            <a:off x="457200" y="273600"/>
+            <a:ext cx="8229240" cy="1144800"/>
           </a:xfrm>
           <a:prstGeom prst="rect">
             <a:avLst/>
@@ -2487,23 +2504,24 @@
         <p:txBody>
           <a:bodyPr lIns="0" rIns="0" tIns="0" bIns="0" anchor="ctr"/>
           <a:p>
-            <a:endParaRPr b="0" lang="ru-RU" sz="1800" spc="-1" strike="noStrike">
-              <a:solidFill>
-                <a:srgbClr val="ffffff"/>
-              </a:solidFill>
-              <a:uFill>
-                <a:solidFill>
-                  <a:srgbClr val="ffffff"/>
-                </a:solidFill>
-              </a:uFill>
-              <a:latin typeface="Book Antiqua"/>
-            </a:endParaRPr>
-          </a:p>
-        </p:txBody>
-      </p:sp>
-      <p:sp>
-        <p:nvSpPr>
-          <p:cNvPr id="15" name="PlaceHolder 2"/>
+            <a:pPr algn="ctr"/>
+            <a:endParaRPr b="0" lang="en-US" sz="4400" spc="-1" strike="noStrike">
+              <a:solidFill>
+                <a:srgbClr val="000000"/>
+              </a:solidFill>
+              <a:uFill>
+                <a:solidFill>
+                  <a:srgbClr val="ffffff"/>
+                </a:solidFill>
+              </a:uFill>
+              <a:latin typeface="Arial"/>
+            </a:endParaRPr>
+          </a:p>
+        </p:txBody>
+      </p:sp>
+      <p:sp>
+        <p:nvSpPr>
+          <p:cNvPr id="12" name="PlaceHolder 2"/>
           <p:cNvSpPr>
             <a:spLocks noGrp="1"/>
           </p:cNvSpPr>
@@ -2513,8 +2531,8 @@
         </p:nvSpPr>
         <p:spPr>
           <a:xfrm>
-            <a:off x="457200" y="1600200"/>
-            <a:ext cx="4015800" cy="2246040"/>
+            <a:off x="457200" y="1604520"/>
+            <a:ext cx="4015800" cy="1896840"/>
           </a:xfrm>
           <a:prstGeom prst="rect">
             <a:avLst/>
@@ -2523,23 +2541,23 @@
         <p:txBody>
           <a:bodyPr lIns="0" rIns="0" tIns="0" bIns="0"/>
           <a:p>
-            <a:endParaRPr b="0" lang="ru-RU" sz="2800" spc="-1" strike="noStrike">
-              <a:solidFill>
-                <a:srgbClr val="ffffff"/>
-              </a:solidFill>
-              <a:uFill>
-                <a:solidFill>
-                  <a:srgbClr val="ffffff"/>
-                </a:solidFill>
-              </a:uFill>
-              <a:latin typeface="Book Antiqua"/>
-            </a:endParaRPr>
-          </a:p>
-        </p:txBody>
-      </p:sp>
-      <p:sp>
-        <p:nvSpPr>
-          <p:cNvPr id="16" name="PlaceHolder 3"/>
+            <a:endParaRPr b="0" lang="en-US" sz="3200" spc="-1" strike="noStrike">
+              <a:solidFill>
+                <a:srgbClr val="000000"/>
+              </a:solidFill>
+              <a:uFill>
+                <a:solidFill>
+                  <a:srgbClr val="ffffff"/>
+                </a:solidFill>
+              </a:uFill>
+              <a:latin typeface="Arial"/>
+            </a:endParaRPr>
+          </a:p>
+        </p:txBody>
+      </p:sp>
+      <p:sp>
+        <p:nvSpPr>
+          <p:cNvPr id="13" name="PlaceHolder 3"/>
           <p:cNvSpPr>
             <a:spLocks noGrp="1"/>
           </p:cNvSpPr>
@@ -2549,8 +2567,8 @@
         </p:nvSpPr>
         <p:spPr>
           <a:xfrm>
-            <a:off x="457200" y="4060080"/>
-            <a:ext cx="4015800" cy="2246040"/>
+            <a:off x="457200" y="3682080"/>
+            <a:ext cx="4015800" cy="1896840"/>
           </a:xfrm>
           <a:prstGeom prst="rect">
             <a:avLst/>
@@ -2559,23 +2577,23 @@
         <p:txBody>
           <a:bodyPr lIns="0" rIns="0" tIns="0" bIns="0"/>
           <a:p>
-            <a:endParaRPr b="0" lang="ru-RU" sz="2800" spc="-1" strike="noStrike">
-              <a:solidFill>
-                <a:srgbClr val="ffffff"/>
-              </a:solidFill>
-              <a:uFill>
-                <a:solidFill>
-                  <a:srgbClr val="ffffff"/>
-                </a:solidFill>
-              </a:uFill>
-              <a:latin typeface="Book Antiqua"/>
-            </a:endParaRPr>
-          </a:p>
-        </p:txBody>
-      </p:sp>
-      <p:sp>
-        <p:nvSpPr>
-          <p:cNvPr id="17" name="PlaceHolder 4"/>
+            <a:endParaRPr b="0" lang="en-US" sz="3200" spc="-1" strike="noStrike">
+              <a:solidFill>
+                <a:srgbClr val="000000"/>
+              </a:solidFill>
+              <a:uFill>
+                <a:solidFill>
+                  <a:srgbClr val="ffffff"/>
+                </a:solidFill>
+              </a:uFill>
+              <a:latin typeface="Arial"/>
+            </a:endParaRPr>
+          </a:p>
+        </p:txBody>
+      </p:sp>
+      <p:sp>
+        <p:nvSpPr>
+          <p:cNvPr id="14" name="PlaceHolder 4"/>
           <p:cNvSpPr>
             <a:spLocks noGrp="1"/>
           </p:cNvSpPr>
@@ -2585,8 +2603,8 @@
         </p:nvSpPr>
         <p:spPr>
           <a:xfrm>
-            <a:off x="4674240" y="1600200"/>
-            <a:ext cx="4015800" cy="4708800"/>
+            <a:off x="4674240" y="1604520"/>
+            <a:ext cx="4015800" cy="3977280"/>
           </a:xfrm>
           <a:prstGeom prst="rect">
             <a:avLst/>
@@ -2595,16 +2613,16 @@
         <p:txBody>
           <a:bodyPr lIns="0" rIns="0" tIns="0" bIns="0"/>
           <a:p>
-            <a:endParaRPr b="0" lang="ru-RU" sz="2800" spc="-1" strike="noStrike">
-              <a:solidFill>
-                <a:srgbClr val="ffffff"/>
-              </a:solidFill>
-              <a:uFill>
-                <a:solidFill>
-                  <a:srgbClr val="ffffff"/>
-                </a:solidFill>
-              </a:uFill>
-              <a:latin typeface="Book Antiqua"/>
+            <a:endParaRPr b="0" lang="en-US" sz="3200" spc="-1" strike="noStrike">
+              <a:solidFill>
+                <a:srgbClr val="000000"/>
+              </a:solidFill>
+              <a:uFill>
+                <a:solidFill>
+                  <a:srgbClr val="ffffff"/>
+                </a:solidFill>
+              </a:uFill>
+              <a:latin typeface="Arial"/>
             </a:endParaRPr>
           </a:p>
         </p:txBody>
@@ -2633,7 +2651,7 @@
       </p:grpSpPr>
       <p:sp>
         <p:nvSpPr>
-          <p:cNvPr id="18" name="PlaceHolder 1"/>
+          <p:cNvPr id="15" name="PlaceHolder 1"/>
           <p:cNvSpPr>
             <a:spLocks noGrp="1"/>
           </p:cNvSpPr>
@@ -2643,8 +2661,8 @@
         </p:nvSpPr>
         <p:spPr>
           <a:xfrm>
-            <a:off x="457200" y="274680"/>
-            <a:ext cx="8229240" cy="1142640"/>
+            <a:off x="457200" y="273600"/>
+            <a:ext cx="8229240" cy="1144800"/>
           </a:xfrm>
           <a:prstGeom prst="rect">
             <a:avLst/>
@@ -2653,23 +2671,24 @@
         <p:txBody>
           <a:bodyPr lIns="0" rIns="0" tIns="0" bIns="0" anchor="ctr"/>
           <a:p>
-            <a:endParaRPr b="0" lang="ru-RU" sz="1800" spc="-1" strike="noStrike">
-              <a:solidFill>
-                <a:srgbClr val="ffffff"/>
-              </a:solidFill>
-              <a:uFill>
-                <a:solidFill>
-                  <a:srgbClr val="ffffff"/>
-                </a:solidFill>
-              </a:uFill>
-              <a:latin typeface="Book Antiqua"/>
-            </a:endParaRPr>
-          </a:p>
-        </p:txBody>
-      </p:sp>
-      <p:sp>
-        <p:nvSpPr>
-          <p:cNvPr id="19" name="PlaceHolder 2"/>
+            <a:pPr algn="ctr"/>
+            <a:endParaRPr b="0" lang="en-US" sz="4400" spc="-1" strike="noStrike">
+              <a:solidFill>
+                <a:srgbClr val="000000"/>
+              </a:solidFill>
+              <a:uFill>
+                <a:solidFill>
+                  <a:srgbClr val="ffffff"/>
+                </a:solidFill>
+              </a:uFill>
+              <a:latin typeface="Arial"/>
+            </a:endParaRPr>
+          </a:p>
+        </p:txBody>
+      </p:sp>
+      <p:sp>
+        <p:nvSpPr>
+          <p:cNvPr id="16" name="PlaceHolder 2"/>
           <p:cNvSpPr>
             <a:spLocks noGrp="1"/>
           </p:cNvSpPr>
@@ -2679,8 +2698,8 @@
         </p:nvSpPr>
         <p:spPr>
           <a:xfrm>
-            <a:off x="457200" y="1600200"/>
-            <a:ext cx="4015800" cy="4708800"/>
+            <a:off x="457200" y="1604520"/>
+            <a:ext cx="4015800" cy="3977280"/>
           </a:xfrm>
           <a:prstGeom prst="rect">
             <a:avLst/>
@@ -2689,23 +2708,23 @@
         <p:txBody>
           <a:bodyPr lIns="0" rIns="0" tIns="0" bIns="0"/>
           <a:p>
-            <a:endParaRPr b="0" lang="ru-RU" sz="2800" spc="-1" strike="noStrike">
-              <a:solidFill>
-                <a:srgbClr val="ffffff"/>
-              </a:solidFill>
-              <a:uFill>
-                <a:solidFill>
-                  <a:srgbClr val="ffffff"/>
-                </a:solidFill>
-              </a:uFill>
-              <a:latin typeface="Book Antiqua"/>
-            </a:endParaRPr>
-          </a:p>
-        </p:txBody>
-      </p:sp>
-      <p:sp>
-        <p:nvSpPr>
-          <p:cNvPr id="20" name="PlaceHolder 3"/>
+            <a:endParaRPr b="0" lang="en-US" sz="3200" spc="-1" strike="noStrike">
+              <a:solidFill>
+                <a:srgbClr val="000000"/>
+              </a:solidFill>
+              <a:uFill>
+                <a:solidFill>
+                  <a:srgbClr val="ffffff"/>
+                </a:solidFill>
+              </a:uFill>
+              <a:latin typeface="Arial"/>
+            </a:endParaRPr>
+          </a:p>
+        </p:txBody>
+      </p:sp>
+      <p:sp>
+        <p:nvSpPr>
+          <p:cNvPr id="17" name="PlaceHolder 3"/>
           <p:cNvSpPr>
             <a:spLocks noGrp="1"/>
           </p:cNvSpPr>
@@ -2715,8 +2734,8 @@
         </p:nvSpPr>
         <p:spPr>
           <a:xfrm>
-            <a:off x="4674240" y="1600200"/>
-            <a:ext cx="4015800" cy="2246040"/>
+            <a:off x="4674240" y="1604520"/>
+            <a:ext cx="4015800" cy="1896840"/>
           </a:xfrm>
           <a:prstGeom prst="rect">
             <a:avLst/>
@@ -2725,23 +2744,23 @@
         <p:txBody>
           <a:bodyPr lIns="0" rIns="0" tIns="0" bIns="0"/>
           <a:p>
-            <a:endParaRPr b="0" lang="ru-RU" sz="2800" spc="-1" strike="noStrike">
-              <a:solidFill>
-                <a:srgbClr val="ffffff"/>
-              </a:solidFill>
-              <a:uFill>
-                <a:solidFill>
-                  <a:srgbClr val="ffffff"/>
-                </a:solidFill>
-              </a:uFill>
-              <a:latin typeface="Book Antiqua"/>
-            </a:endParaRPr>
-          </a:p>
-        </p:txBody>
-      </p:sp>
-      <p:sp>
-        <p:nvSpPr>
-          <p:cNvPr id="21" name="PlaceHolder 4"/>
+            <a:endParaRPr b="0" lang="en-US" sz="3200" spc="-1" strike="noStrike">
+              <a:solidFill>
+                <a:srgbClr val="000000"/>
+              </a:solidFill>
+              <a:uFill>
+                <a:solidFill>
+                  <a:srgbClr val="ffffff"/>
+                </a:solidFill>
+              </a:uFill>
+              <a:latin typeface="Arial"/>
+            </a:endParaRPr>
+          </a:p>
+        </p:txBody>
+      </p:sp>
+      <p:sp>
+        <p:nvSpPr>
+          <p:cNvPr id="18" name="PlaceHolder 4"/>
           <p:cNvSpPr>
             <a:spLocks noGrp="1"/>
           </p:cNvSpPr>
@@ -2751,8 +2770,8 @@
         </p:nvSpPr>
         <p:spPr>
           <a:xfrm>
-            <a:off x="4674240" y="4060080"/>
-            <a:ext cx="4015800" cy="2246040"/>
+            <a:off x="4674240" y="3682080"/>
+            <a:ext cx="4015800" cy="1896840"/>
           </a:xfrm>
           <a:prstGeom prst="rect">
             <a:avLst/>
@@ -2761,16 +2780,16 @@
         <p:txBody>
           <a:bodyPr lIns="0" rIns="0" tIns="0" bIns="0"/>
           <a:p>
-            <a:endParaRPr b="0" lang="ru-RU" sz="2800" spc="-1" strike="noStrike">
-              <a:solidFill>
-                <a:srgbClr val="ffffff"/>
-              </a:solidFill>
-              <a:uFill>
-                <a:solidFill>
-                  <a:srgbClr val="ffffff"/>
-                </a:solidFill>
-              </a:uFill>
-              <a:latin typeface="Book Antiqua"/>
+            <a:endParaRPr b="0" lang="en-US" sz="3200" spc="-1" strike="noStrike">
+              <a:solidFill>
+                <a:srgbClr val="000000"/>
+              </a:solidFill>
+              <a:uFill>
+                <a:solidFill>
+                  <a:srgbClr val="ffffff"/>
+                </a:solidFill>
+              </a:uFill>
+              <a:latin typeface="Arial"/>
             </a:endParaRPr>
           </a:p>
         </p:txBody>
@@ -2799,7 +2818,7 @@
       </p:grpSpPr>
       <p:sp>
         <p:nvSpPr>
-          <p:cNvPr id="22" name="PlaceHolder 1"/>
+          <p:cNvPr id="19" name="PlaceHolder 1"/>
           <p:cNvSpPr>
             <a:spLocks noGrp="1"/>
           </p:cNvSpPr>
@@ -2809,8 +2828,8 @@
         </p:nvSpPr>
         <p:spPr>
           <a:xfrm>
-            <a:off x="457200" y="274680"/>
-            <a:ext cx="8229240" cy="1142640"/>
+            <a:off x="457200" y="273600"/>
+            <a:ext cx="8229240" cy="1144800"/>
           </a:xfrm>
           <a:prstGeom prst="rect">
             <a:avLst/>
@@ -2819,23 +2838,24 @@
         <p:txBody>
           <a:bodyPr lIns="0" rIns="0" tIns="0" bIns="0" anchor="ctr"/>
           <a:p>
-            <a:endParaRPr b="0" lang="ru-RU" sz="1800" spc="-1" strike="noStrike">
-              <a:solidFill>
-                <a:srgbClr val="ffffff"/>
-              </a:solidFill>
-              <a:uFill>
-                <a:solidFill>
-                  <a:srgbClr val="ffffff"/>
-                </a:solidFill>
-              </a:uFill>
-              <a:latin typeface="Book Antiqua"/>
-            </a:endParaRPr>
-          </a:p>
-        </p:txBody>
-      </p:sp>
-      <p:sp>
-        <p:nvSpPr>
-          <p:cNvPr id="23" name="PlaceHolder 2"/>
+            <a:pPr algn="ctr"/>
+            <a:endParaRPr b="0" lang="en-US" sz="4400" spc="-1" strike="noStrike">
+              <a:solidFill>
+                <a:srgbClr val="000000"/>
+              </a:solidFill>
+              <a:uFill>
+                <a:solidFill>
+                  <a:srgbClr val="ffffff"/>
+                </a:solidFill>
+              </a:uFill>
+              <a:latin typeface="Arial"/>
+            </a:endParaRPr>
+          </a:p>
+        </p:txBody>
+      </p:sp>
+      <p:sp>
+        <p:nvSpPr>
+          <p:cNvPr id="20" name="PlaceHolder 2"/>
           <p:cNvSpPr>
             <a:spLocks noGrp="1"/>
           </p:cNvSpPr>
@@ -2845,8 +2865,8 @@
         </p:nvSpPr>
         <p:spPr>
           <a:xfrm>
-            <a:off x="457200" y="1600200"/>
-            <a:ext cx="4015800" cy="2246040"/>
+            <a:off x="457200" y="1604520"/>
+            <a:ext cx="4015800" cy="1896840"/>
           </a:xfrm>
           <a:prstGeom prst="rect">
             <a:avLst/>
@@ -2855,23 +2875,23 @@
         <p:txBody>
           <a:bodyPr lIns="0" rIns="0" tIns="0" bIns="0"/>
           <a:p>
-            <a:endParaRPr b="0" lang="ru-RU" sz="2800" spc="-1" strike="noStrike">
-              <a:solidFill>
-                <a:srgbClr val="ffffff"/>
-              </a:solidFill>
-              <a:uFill>
-                <a:solidFill>
-                  <a:srgbClr val="ffffff"/>
-                </a:solidFill>
-              </a:uFill>
-              <a:latin typeface="Book Antiqua"/>
-            </a:endParaRPr>
-          </a:p>
-        </p:txBody>
-      </p:sp>
-      <p:sp>
-        <p:nvSpPr>
-          <p:cNvPr id="24" name="PlaceHolder 3"/>
+            <a:endParaRPr b="0" lang="en-US" sz="3200" spc="-1" strike="noStrike">
+              <a:solidFill>
+                <a:srgbClr val="000000"/>
+              </a:solidFill>
+              <a:uFill>
+                <a:solidFill>
+                  <a:srgbClr val="ffffff"/>
+                </a:solidFill>
+              </a:uFill>
+              <a:latin typeface="Arial"/>
+            </a:endParaRPr>
+          </a:p>
+        </p:txBody>
+      </p:sp>
+      <p:sp>
+        <p:nvSpPr>
+          <p:cNvPr id="21" name="PlaceHolder 3"/>
           <p:cNvSpPr>
             <a:spLocks noGrp="1"/>
           </p:cNvSpPr>
@@ -2881,8 +2901,8 @@
         </p:nvSpPr>
         <p:spPr>
           <a:xfrm>
-            <a:off x="4674240" y="1600200"/>
-            <a:ext cx="4015800" cy="2246040"/>
+            <a:off x="4674240" y="1604520"/>
+            <a:ext cx="4015800" cy="1896840"/>
           </a:xfrm>
           <a:prstGeom prst="rect">
             <a:avLst/>
@@ -2891,23 +2911,23 @@
         <p:txBody>
           <a:bodyPr lIns="0" rIns="0" tIns="0" bIns="0"/>
           <a:p>
-            <a:endParaRPr b="0" lang="ru-RU" sz="2800" spc="-1" strike="noStrike">
-              <a:solidFill>
-                <a:srgbClr val="ffffff"/>
-              </a:solidFill>
-              <a:uFill>
-                <a:solidFill>
-                  <a:srgbClr val="ffffff"/>
-                </a:solidFill>
-              </a:uFill>
-              <a:latin typeface="Book Antiqua"/>
-            </a:endParaRPr>
-          </a:p>
-        </p:txBody>
-      </p:sp>
-      <p:sp>
-        <p:nvSpPr>
-          <p:cNvPr id="25" name="PlaceHolder 4"/>
+            <a:endParaRPr b="0" lang="en-US" sz="3200" spc="-1" strike="noStrike">
+              <a:solidFill>
+                <a:srgbClr val="000000"/>
+              </a:solidFill>
+              <a:uFill>
+                <a:solidFill>
+                  <a:srgbClr val="ffffff"/>
+                </a:solidFill>
+              </a:uFill>
+              <a:latin typeface="Arial"/>
+            </a:endParaRPr>
+          </a:p>
+        </p:txBody>
+      </p:sp>
+      <p:sp>
+        <p:nvSpPr>
+          <p:cNvPr id="22" name="PlaceHolder 4"/>
           <p:cNvSpPr>
             <a:spLocks noGrp="1"/>
           </p:cNvSpPr>
@@ -2917,8 +2937,8 @@
         </p:nvSpPr>
         <p:spPr>
           <a:xfrm>
-            <a:off x="457200" y="4060080"/>
-            <a:ext cx="8229240" cy="2246040"/>
+            <a:off x="457200" y="3682080"/>
+            <a:ext cx="8229240" cy="1896840"/>
           </a:xfrm>
           <a:prstGeom prst="rect">
             <a:avLst/>
@@ -2927,16 +2947,16 @@
         <p:txBody>
           <a:bodyPr lIns="0" rIns="0" tIns="0" bIns="0"/>
           <a:p>
-            <a:endParaRPr b="0" lang="ru-RU" sz="2800" spc="-1" strike="noStrike">
-              <a:solidFill>
-                <a:srgbClr val="ffffff"/>
-              </a:solidFill>
-              <a:uFill>
-                <a:solidFill>
-                  <a:srgbClr val="ffffff"/>
-                </a:solidFill>
-              </a:uFill>
-              <a:latin typeface="Book Antiqua"/>
+            <a:endParaRPr b="0" lang="en-US" sz="3200" spc="-1" strike="noStrike">
+              <a:solidFill>
+                <a:srgbClr val="000000"/>
+              </a:solidFill>
+              <a:uFill>
+                <a:solidFill>
+                  <a:srgbClr val="ffffff"/>
+                </a:solidFill>
+              </a:uFill>
+              <a:latin typeface="Arial"/>
             </a:endParaRPr>
           </a:p>
         </p:txBody>
@@ -2985,45 +3005,41 @@
         </p:nvSpPr>
         <p:spPr>
           <a:xfrm>
-            <a:off x="421920" y="1371600"/>
-            <a:ext cx="8229240" cy="1828440"/>
-          </a:xfrm>
-          <a:prstGeom prst="rect">
-            <a:avLst/>
-          </a:prstGeom>
-        </p:spPr>
-        <p:txBody>
-          <a:bodyPr lIns="45720" rIns="45720" tIns="0" bIns="0" anchor="b"/>
-          <a:p>
-            <a:pPr algn="ctr">
-              <a:lnSpc>
-                <a:spcPct val="100000"/>
-              </a:lnSpc>
-            </a:pPr>
+            <a:off x="457200" y="273600"/>
+            <a:ext cx="8229240" cy="1144800"/>
+          </a:xfrm>
+          <a:prstGeom prst="rect">
+            <a:avLst/>
+          </a:prstGeom>
+        </p:spPr>
+        <p:txBody>
+          <a:bodyPr lIns="0" rIns="0" tIns="0" bIns="0" anchor="ctr"/>
+          <a:p>
+            <a:pPr algn="ctr"/>
             <a:r>
-              <a:rPr b="1" lang="ru-RU" sz="4800" spc="-1" strike="noStrike" cap="all">
-                <a:solidFill>
-                  <a:srgbClr val="e9d596"/>
+              <a:rPr b="0" lang="en-US" sz="4400" spc="-1" strike="noStrike">
+                <a:solidFill>
+                  <a:srgbClr val="000000"/>
                 </a:solidFill>
                 <a:uFill>
                   <a:solidFill>
                     <a:srgbClr val="ffffff"/>
                   </a:solidFill>
                 </a:uFill>
-                <a:latin typeface="Lucida Sans"/>
+                <a:latin typeface="Arial"/>
               </a:rPr>
-              <a:t>Образец заголовка</a:t>
+              <a:t>Click to edit the title text format</a:t>
             </a:r>
-            <a:endParaRPr b="0" lang="ru-RU" sz="1800" spc="-1" strike="noStrike">
-              <a:solidFill>
-                <a:srgbClr val="ffffff"/>
-              </a:solidFill>
-              <a:uFill>
-                <a:solidFill>
-                  <a:srgbClr val="ffffff"/>
-                </a:solidFill>
-              </a:uFill>
-              <a:latin typeface="Book Antiqua"/>
+            <a:endParaRPr b="0" lang="en-US" sz="4400" spc="-1" strike="noStrike">
+              <a:solidFill>
+                <a:srgbClr val="000000"/>
+              </a:solidFill>
+              <a:uFill>
+                <a:solidFill>
+                  <a:srgbClr val="ffffff"/>
+                </a:solidFill>
+              </a:uFill>
+              <a:latin typeface="Arial"/>
             </a:endParaRPr>
           </a:p>
         </p:txBody>
@@ -3031,152 +3047,6 @@
       <p:sp>
         <p:nvSpPr>
           <p:cNvPr id="1" name="PlaceHolder 2"/>
-          <p:cNvSpPr>
-            <a:spLocks noGrp="1"/>
-          </p:cNvSpPr>
-          <p:nvPr>
-            <p:ph type="dt"/>
-          </p:nvPr>
-        </p:nvSpPr>
-        <p:spPr>
-          <a:xfrm>
-            <a:off x="457200" y="6416640"/>
-            <a:ext cx="2133360" cy="364680"/>
-          </a:xfrm>
-          <a:prstGeom prst="rect">
-            <a:avLst/>
-          </a:prstGeom>
-        </p:spPr>
-        <p:txBody>
-          <a:bodyPr lIns="90000" rIns="90000" tIns="45000" bIns="45000" anchor="b"/>
-          <a:p>
-            <a:pPr>
-              <a:lnSpc>
-                <a:spcPct val="100000"/>
-              </a:lnSpc>
-            </a:pPr>
-            <a:r>
-              <a:rPr b="0" lang="en-US" sz="1200" spc="-1" strike="noStrike">
-                <a:solidFill>
-                  <a:srgbClr val="bcbcbc"/>
-                </a:solidFill>
-                <a:uFill>
-                  <a:solidFill>
-                    <a:srgbClr val="ffffff"/>
-                  </a:solidFill>
-                </a:uFill>
-                <a:latin typeface="Book Antiqua"/>
-              </a:rPr>
-              <a:t>5/24/19</a:t>
-            </a:r>
-            <a:endParaRPr b="0" lang="en-US" sz="1400" spc="-1" strike="noStrike">
-              <a:solidFill>
-                <a:srgbClr val="000000"/>
-              </a:solidFill>
-              <a:uFill>
-                <a:solidFill>
-                  <a:srgbClr val="ffffff"/>
-                </a:solidFill>
-              </a:uFill>
-              <a:latin typeface="Times New Roman"/>
-            </a:endParaRPr>
-          </a:p>
-        </p:txBody>
-      </p:sp>
-      <p:sp>
-        <p:nvSpPr>
-          <p:cNvPr id="2" name="PlaceHolder 3"/>
-          <p:cNvSpPr>
-            <a:spLocks noGrp="1"/>
-          </p:cNvSpPr>
-          <p:nvPr>
-            <p:ph type="ftr"/>
-          </p:nvPr>
-        </p:nvSpPr>
-        <p:spPr>
-          <a:xfrm>
-            <a:off x="3124080" y="6416640"/>
-            <a:ext cx="2895120" cy="364680"/>
-          </a:xfrm>
-          <a:prstGeom prst="rect">
-            <a:avLst/>
-          </a:prstGeom>
-        </p:spPr>
-        <p:txBody>
-          <a:bodyPr lIns="90000" rIns="90000" tIns="45000" bIns="45000" anchor="b"/>
-          <a:p>
-            <a:endParaRPr b="0" lang="en-US" sz="2400" spc="-1" strike="noStrike">
-              <a:solidFill>
-                <a:srgbClr val="000000"/>
-              </a:solidFill>
-              <a:uFill>
-                <a:solidFill>
-                  <a:srgbClr val="ffffff"/>
-                </a:solidFill>
-              </a:uFill>
-              <a:latin typeface="Times New Roman"/>
-            </a:endParaRPr>
-          </a:p>
-        </p:txBody>
-      </p:sp>
-      <p:sp>
-        <p:nvSpPr>
-          <p:cNvPr id="3" name="PlaceHolder 4"/>
-          <p:cNvSpPr>
-            <a:spLocks noGrp="1"/>
-          </p:cNvSpPr>
-          <p:nvPr>
-            <p:ph type="sldNum"/>
-          </p:nvPr>
-        </p:nvSpPr>
-        <p:spPr>
-          <a:xfrm>
-            <a:off x="7924680" y="6416640"/>
-            <a:ext cx="761760" cy="364680"/>
-          </a:xfrm>
-          <a:prstGeom prst="rect">
-            <a:avLst/>
-          </a:prstGeom>
-        </p:spPr>
-        <p:txBody>
-          <a:bodyPr lIns="0" rIns="0" tIns="45000" bIns="45000" anchor="b"/>
-          <a:p>
-            <a:pPr algn="r">
-              <a:lnSpc>
-                <a:spcPct val="100000"/>
-              </a:lnSpc>
-            </a:pPr>
-            <a:fld id="{5625C204-EE3F-44D2-92F6-C60994FE1FBC}" type="slidenum">
-              <a:rPr b="0" lang="en-US" sz="1200" spc="-1" strike="noStrike">
-                <a:solidFill>
-                  <a:srgbClr val="bcbcbc"/>
-                </a:solidFill>
-                <a:uFill>
-                  <a:solidFill>
-                    <a:srgbClr val="ffffff"/>
-                  </a:solidFill>
-                </a:uFill>
-                <a:latin typeface="Book Antiqua"/>
-              </a:rPr>
-              <a:t>&lt;number&gt;</a:t>
-            </a:fld>
-            <a:endParaRPr b="0" lang="en-US" sz="1400" spc="-1" strike="noStrike">
-              <a:solidFill>
-                <a:srgbClr val="000000"/>
-              </a:solidFill>
-              <a:uFill>
-                <a:solidFill>
-                  <a:srgbClr val="ffffff"/>
-                </a:solidFill>
-              </a:uFill>
-              <a:latin typeface="Times New Roman"/>
-            </a:endParaRPr>
-          </a:p>
-        </p:txBody>
-      </p:sp>
-      <p:sp>
-        <p:nvSpPr>
-          <p:cNvPr id="4" name="PlaceHolder 5"/>
           <p:cNvSpPr>
             <a:spLocks noGrp="1"/>
           </p:cNvSpPr>
@@ -3205,29 +3075,29 @@
               <a:buChar char=""/>
             </a:pPr>
             <a:r>
-              <a:rPr b="0" lang="ru-RU" sz="2800" spc="-1" strike="noStrike">
-                <a:solidFill>
-                  <a:srgbClr val="ffffff"/>
+              <a:rPr b="0" lang="en-US" sz="3200" spc="-1" strike="noStrike">
+                <a:solidFill>
+                  <a:srgbClr val="000000"/>
                 </a:solidFill>
                 <a:uFill>
                   <a:solidFill>
                     <a:srgbClr val="ffffff"/>
                   </a:solidFill>
                 </a:uFill>
-                <a:latin typeface="Book Antiqua"/>
+                <a:latin typeface="Arial"/>
               </a:rPr>
               <a:t>Click to edit the outline text format</a:t>
             </a:r>
-            <a:endParaRPr b="0" lang="ru-RU" sz="2800" spc="-1" strike="noStrike">
-              <a:solidFill>
-                <a:srgbClr val="ffffff"/>
-              </a:solidFill>
-              <a:uFill>
-                <a:solidFill>
-                  <a:srgbClr val="ffffff"/>
-                </a:solidFill>
-              </a:uFill>
-              <a:latin typeface="Book Antiqua"/>
+            <a:endParaRPr b="0" lang="en-US" sz="3200" spc="-1" strike="noStrike">
+              <a:solidFill>
+                <a:srgbClr val="000000"/>
+              </a:solidFill>
+              <a:uFill>
+                <a:solidFill>
+                  <a:srgbClr val="ffffff"/>
+                </a:solidFill>
+              </a:uFill>
+              <a:latin typeface="Arial"/>
             </a:endParaRPr>
           </a:p>
           <a:p>
@@ -3240,29 +3110,29 @@
               <a:buChar char=""/>
             </a:pPr>
             <a:r>
-              <a:rPr b="0" lang="ru-RU" sz="2200" spc="-1" strike="noStrike">
-                <a:solidFill>
-                  <a:srgbClr val="ffffff"/>
+              <a:rPr b="0" lang="en-US" sz="2800" spc="-1" strike="noStrike">
+                <a:solidFill>
+                  <a:srgbClr val="000000"/>
                 </a:solidFill>
                 <a:uFill>
                   <a:solidFill>
                     <a:srgbClr val="ffffff"/>
                   </a:solidFill>
                 </a:uFill>
-                <a:latin typeface="Book Antiqua"/>
+                <a:latin typeface="Arial"/>
               </a:rPr>
               <a:t>Second Outline Level</a:t>
             </a:r>
-            <a:endParaRPr b="0" lang="ru-RU" sz="2200" spc="-1" strike="noStrike">
-              <a:solidFill>
-                <a:srgbClr val="ffffff"/>
-              </a:solidFill>
-              <a:uFill>
-                <a:solidFill>
-                  <a:srgbClr val="ffffff"/>
-                </a:solidFill>
-              </a:uFill>
-              <a:latin typeface="Book Antiqua"/>
+            <a:endParaRPr b="0" lang="en-US" sz="2800" spc="-1" strike="noStrike">
+              <a:solidFill>
+                <a:srgbClr val="000000"/>
+              </a:solidFill>
+              <a:uFill>
+                <a:solidFill>
+                  <a:srgbClr val="ffffff"/>
+                </a:solidFill>
+              </a:uFill>
+              <a:latin typeface="Arial"/>
             </a:endParaRPr>
           </a:p>
           <a:p>
@@ -3275,29 +3145,29 @@
               <a:buChar char=""/>
             </a:pPr>
             <a:r>
-              <a:rPr b="0" lang="ru-RU" sz="2000" spc="-1" strike="noStrike">
-                <a:solidFill>
-                  <a:srgbClr val="ffffff"/>
+              <a:rPr b="0" lang="en-US" sz="2400" spc="-1" strike="noStrike">
+                <a:solidFill>
+                  <a:srgbClr val="000000"/>
                 </a:solidFill>
                 <a:uFill>
                   <a:solidFill>
                     <a:srgbClr val="ffffff"/>
                   </a:solidFill>
                 </a:uFill>
-                <a:latin typeface="Book Antiqua"/>
+                <a:latin typeface="Arial"/>
               </a:rPr>
               <a:t>Third Outline Level</a:t>
             </a:r>
-            <a:endParaRPr b="0" lang="ru-RU" sz="2000" spc="-1" strike="noStrike">
-              <a:solidFill>
-                <a:srgbClr val="ffffff"/>
-              </a:solidFill>
-              <a:uFill>
-                <a:solidFill>
-                  <a:srgbClr val="ffffff"/>
-                </a:solidFill>
-              </a:uFill>
-              <a:latin typeface="Book Antiqua"/>
+            <a:endParaRPr b="0" lang="en-US" sz="2400" spc="-1" strike="noStrike">
+              <a:solidFill>
+                <a:srgbClr val="000000"/>
+              </a:solidFill>
+              <a:uFill>
+                <a:solidFill>
+                  <a:srgbClr val="ffffff"/>
+                </a:solidFill>
+              </a:uFill>
+              <a:latin typeface="Arial"/>
             </a:endParaRPr>
           </a:p>
           <a:p>
@@ -3310,29 +3180,29 @@
               <a:buChar char=""/>
             </a:pPr>
             <a:r>
-              <a:rPr b="0" lang="ru-RU" sz="2000" spc="-1" strike="noStrike">
-                <a:solidFill>
-                  <a:srgbClr val="ffffff"/>
+              <a:rPr b="0" lang="en-US" sz="2000" spc="-1" strike="noStrike">
+                <a:solidFill>
+                  <a:srgbClr val="000000"/>
                 </a:solidFill>
                 <a:uFill>
                   <a:solidFill>
                     <a:srgbClr val="ffffff"/>
                   </a:solidFill>
                 </a:uFill>
-                <a:latin typeface="Book Antiqua"/>
+                <a:latin typeface="Arial"/>
               </a:rPr>
               <a:t>Fourth Outline Level</a:t>
             </a:r>
-            <a:endParaRPr b="0" lang="ru-RU" sz="2000" spc="-1" strike="noStrike">
-              <a:solidFill>
-                <a:srgbClr val="ffffff"/>
-              </a:solidFill>
-              <a:uFill>
-                <a:solidFill>
-                  <a:srgbClr val="ffffff"/>
-                </a:solidFill>
-              </a:uFill>
-              <a:latin typeface="Book Antiqua"/>
+            <a:endParaRPr b="0" lang="en-US" sz="2000" spc="-1" strike="noStrike">
+              <a:solidFill>
+                <a:srgbClr val="000000"/>
+              </a:solidFill>
+              <a:uFill>
+                <a:solidFill>
+                  <a:srgbClr val="ffffff"/>
+                </a:solidFill>
+              </a:uFill>
+              <a:latin typeface="Arial"/>
             </a:endParaRPr>
           </a:p>
           <a:p>
@@ -3345,29 +3215,29 @@
               <a:buChar char=""/>
             </a:pPr>
             <a:r>
-              <a:rPr b="0" lang="ru-RU" sz="2000" spc="-1" strike="noStrike">
-                <a:solidFill>
-                  <a:srgbClr val="ffffff"/>
+              <a:rPr b="0" lang="en-US" sz="2000" spc="-1" strike="noStrike">
+                <a:solidFill>
+                  <a:srgbClr val="000000"/>
                 </a:solidFill>
                 <a:uFill>
                   <a:solidFill>
                     <a:srgbClr val="ffffff"/>
                   </a:solidFill>
                 </a:uFill>
-                <a:latin typeface="Book Antiqua"/>
+                <a:latin typeface="Arial"/>
               </a:rPr>
               <a:t>Fifth Outline Level</a:t>
             </a:r>
-            <a:endParaRPr b="0" lang="ru-RU" sz="2000" spc="-1" strike="noStrike">
-              <a:solidFill>
-                <a:srgbClr val="ffffff"/>
-              </a:solidFill>
-              <a:uFill>
-                <a:solidFill>
-                  <a:srgbClr val="ffffff"/>
-                </a:solidFill>
-              </a:uFill>
-              <a:latin typeface="Book Antiqua"/>
+            <a:endParaRPr b="0" lang="en-US" sz="2000" spc="-1" strike="noStrike">
+              <a:solidFill>
+                <a:srgbClr val="000000"/>
+              </a:solidFill>
+              <a:uFill>
+                <a:solidFill>
+                  <a:srgbClr val="ffffff"/>
+                </a:solidFill>
+              </a:uFill>
+              <a:latin typeface="Arial"/>
             </a:endParaRPr>
           </a:p>
           <a:p>
@@ -3380,29 +3250,29 @@
               <a:buChar char=""/>
             </a:pPr>
             <a:r>
-              <a:rPr b="0" lang="ru-RU" sz="2000" spc="-1" strike="noStrike">
-                <a:solidFill>
-                  <a:srgbClr val="ffffff"/>
+              <a:rPr b="0" lang="en-US" sz="2000" spc="-1" strike="noStrike">
+                <a:solidFill>
+                  <a:srgbClr val="000000"/>
                 </a:solidFill>
                 <a:uFill>
                   <a:solidFill>
                     <a:srgbClr val="ffffff"/>
                   </a:solidFill>
                 </a:uFill>
-                <a:latin typeface="Book Antiqua"/>
+                <a:latin typeface="Arial"/>
               </a:rPr>
               <a:t>Sixth Outline Level</a:t>
             </a:r>
-            <a:endParaRPr b="0" lang="ru-RU" sz="2000" spc="-1" strike="noStrike">
-              <a:solidFill>
-                <a:srgbClr val="ffffff"/>
-              </a:solidFill>
-              <a:uFill>
-                <a:solidFill>
-                  <a:srgbClr val="ffffff"/>
-                </a:solidFill>
-              </a:uFill>
-              <a:latin typeface="Book Antiqua"/>
+            <a:endParaRPr b="0" lang="en-US" sz="2000" spc="-1" strike="noStrike">
+              <a:solidFill>
+                <a:srgbClr val="000000"/>
+              </a:solidFill>
+              <a:uFill>
+                <a:solidFill>
+                  <a:srgbClr val="ffffff"/>
+                </a:solidFill>
+              </a:uFill>
+              <a:latin typeface="Arial"/>
             </a:endParaRPr>
           </a:p>
           <a:p>
@@ -3415,29 +3285,29 @@
               <a:buChar char=""/>
             </a:pPr>
             <a:r>
-              <a:rPr b="0" lang="ru-RU" sz="2000" spc="-1" strike="noStrike">
-                <a:solidFill>
-                  <a:srgbClr val="ffffff"/>
+              <a:rPr b="0" lang="en-US" sz="2000" spc="-1" strike="noStrike">
+                <a:solidFill>
+                  <a:srgbClr val="000000"/>
                 </a:solidFill>
                 <a:uFill>
                   <a:solidFill>
                     <a:srgbClr val="ffffff"/>
                   </a:solidFill>
                 </a:uFill>
-                <a:latin typeface="Book Antiqua"/>
+                <a:latin typeface="Arial"/>
               </a:rPr>
               <a:t>Seventh Outline Level</a:t>
             </a:r>
-            <a:endParaRPr b="0" lang="ru-RU" sz="2000" spc="-1" strike="noStrike">
-              <a:solidFill>
-                <a:srgbClr val="ffffff"/>
-              </a:solidFill>
-              <a:uFill>
-                <a:solidFill>
-                  <a:srgbClr val="ffffff"/>
-                </a:solidFill>
-              </a:uFill>
-              <a:latin typeface="Book Antiqua"/>
+            <a:endParaRPr b="0" lang="en-US" sz="2000" spc="-1" strike="noStrike">
+              <a:solidFill>
+                <a:srgbClr val="000000"/>
+              </a:solidFill>
+              <a:uFill>
+                <a:solidFill>
+                  <a:srgbClr val="ffffff"/>
+                </a:solidFill>
+              </a:uFill>
+              <a:latin typeface="Arial"/>
             </a:endParaRPr>
           </a:p>
         </p:txBody>
@@ -3491,7 +3361,7 @@
       </p:grpSpPr>
       <p:sp>
         <p:nvSpPr>
-          <p:cNvPr id="39" name="PlaceHolder 1"/>
+          <p:cNvPr id="36" name="PlaceHolder 1"/>
           <p:cNvSpPr>
             <a:spLocks noGrp="1"/>
           </p:cNvSpPr>
@@ -3501,52 +3371,48 @@
         </p:nvSpPr>
         <p:spPr>
           <a:xfrm>
-            <a:off x="457200" y="274680"/>
-            <a:ext cx="8229240" cy="1142640"/>
-          </a:xfrm>
-          <a:prstGeom prst="rect">
-            <a:avLst/>
-          </a:prstGeom>
-        </p:spPr>
-        <p:txBody>
-          <a:bodyPr lIns="90000" rIns="90000" tIns="45000" bIns="45000" anchor="ctr"/>
-          <a:p>
-            <a:pPr algn="ctr">
-              <a:lnSpc>
-                <a:spcPct val="100000"/>
-              </a:lnSpc>
-            </a:pPr>
+            <a:off x="457200" y="273600"/>
+            <a:ext cx="8229240" cy="1144800"/>
+          </a:xfrm>
+          <a:prstGeom prst="rect">
+            <a:avLst/>
+          </a:prstGeom>
+        </p:spPr>
+        <p:txBody>
+          <a:bodyPr lIns="0" rIns="0" tIns="0" bIns="0" anchor="ctr"/>
+          <a:p>
+            <a:pPr algn="ctr"/>
             <a:r>
-              <a:rPr b="1" lang="ru-RU" sz="4100" spc="-1" strike="noStrike">
-                <a:solidFill>
-                  <a:srgbClr val="e9d596"/>
+              <a:rPr b="0" lang="en-US" sz="4400" spc="-1" strike="noStrike">
+                <a:solidFill>
+                  <a:srgbClr val="000000"/>
                 </a:solidFill>
                 <a:uFill>
                   <a:solidFill>
                     <a:srgbClr val="ffffff"/>
                   </a:solidFill>
                 </a:uFill>
-                <a:latin typeface="Lucida Sans"/>
+                <a:latin typeface="Arial"/>
               </a:rPr>
-              <a:t>Образец заголовка</a:t>
+              <a:t>Click to edit the title text format</a:t>
             </a:r>
-            <a:endParaRPr b="0" lang="ru-RU" sz="1800" spc="-1" strike="noStrike">
-              <a:solidFill>
-                <a:srgbClr val="ffffff"/>
-              </a:solidFill>
-              <a:uFill>
-                <a:solidFill>
-                  <a:srgbClr val="ffffff"/>
-                </a:solidFill>
-              </a:uFill>
-              <a:latin typeface="Book Antiqua"/>
-            </a:endParaRPr>
-          </a:p>
-        </p:txBody>
-      </p:sp>
-      <p:sp>
-        <p:nvSpPr>
-          <p:cNvPr id="40" name="PlaceHolder 2"/>
+            <a:endParaRPr b="0" lang="en-US" sz="4400" spc="-1" strike="noStrike">
+              <a:solidFill>
+                <a:srgbClr val="000000"/>
+              </a:solidFill>
+              <a:uFill>
+                <a:solidFill>
+                  <a:srgbClr val="ffffff"/>
+                </a:solidFill>
+              </a:uFill>
+              <a:latin typeface="Arial"/>
+            </a:endParaRPr>
+          </a:p>
+        </p:txBody>
+      </p:sp>
+      <p:sp>
+        <p:nvSpPr>
+          <p:cNvPr id="37" name="PlaceHolder 2"/>
           <p:cNvSpPr>
             <a:spLocks noGrp="1"/>
           </p:cNvSpPr>
@@ -3556,15 +3422,15 @@
         </p:nvSpPr>
         <p:spPr>
           <a:xfrm>
-            <a:off x="457200" y="1600200"/>
-            <a:ext cx="8229240" cy="4708800"/>
-          </a:xfrm>
-          <a:prstGeom prst="rect">
-            <a:avLst/>
-          </a:prstGeom>
-        </p:spPr>
-        <p:txBody>
-          <a:bodyPr lIns="90000" rIns="90000" tIns="45000" bIns="45000"/>
+            <a:off x="457200" y="1604520"/>
+            <a:ext cx="8229240" cy="3977280"/>
+          </a:xfrm>
+          <a:prstGeom prst="rect">
+            <a:avLst/>
+          </a:prstGeom>
+        </p:spPr>
+        <p:txBody>
+          <a:bodyPr lIns="0" rIns="0" tIns="0" bIns="0"/>
           <a:p>
             <a:pPr marL="432000" indent="-324000">
               <a:buClr>
@@ -3575,29 +3441,29 @@
               <a:buChar char=""/>
             </a:pPr>
             <a:r>
-              <a:rPr b="0" lang="ru-RU" sz="2800" spc="-1" strike="noStrike">
-                <a:solidFill>
-                  <a:srgbClr val="ffffff"/>
+              <a:rPr b="0" lang="en-US" sz="3200" spc="-1" strike="noStrike">
+                <a:solidFill>
+                  <a:srgbClr val="000000"/>
                 </a:solidFill>
                 <a:uFill>
                   <a:solidFill>
                     <a:srgbClr val="ffffff"/>
                   </a:solidFill>
                 </a:uFill>
-                <a:latin typeface="Book Antiqua"/>
+                <a:latin typeface="Arial"/>
               </a:rPr>
               <a:t>Click to edit the outline text format</a:t>
             </a:r>
-            <a:endParaRPr b="0" lang="ru-RU" sz="2800" spc="-1" strike="noStrike">
-              <a:solidFill>
-                <a:srgbClr val="ffffff"/>
-              </a:solidFill>
-              <a:uFill>
-                <a:solidFill>
-                  <a:srgbClr val="ffffff"/>
-                </a:solidFill>
-              </a:uFill>
-              <a:latin typeface="Book Antiqua"/>
+            <a:endParaRPr b="0" lang="en-US" sz="3200" spc="-1" strike="noStrike">
+              <a:solidFill>
+                <a:srgbClr val="000000"/>
+              </a:solidFill>
+              <a:uFill>
+                <a:solidFill>
+                  <a:srgbClr val="ffffff"/>
+                </a:solidFill>
+              </a:uFill>
+              <a:latin typeface="Arial"/>
             </a:endParaRPr>
           </a:p>
           <a:p>
@@ -3610,29 +3476,29 @@
               <a:buChar char=""/>
             </a:pPr>
             <a:r>
-              <a:rPr b="0" lang="ru-RU" sz="2800" spc="-1" strike="noStrike">
-                <a:solidFill>
-                  <a:srgbClr val="ffffff"/>
+              <a:rPr b="0" lang="en-US" sz="2800" spc="-1" strike="noStrike">
+                <a:solidFill>
+                  <a:srgbClr val="000000"/>
                 </a:solidFill>
                 <a:uFill>
                   <a:solidFill>
                     <a:srgbClr val="ffffff"/>
                   </a:solidFill>
                 </a:uFill>
-                <a:latin typeface="Book Antiqua"/>
+                <a:latin typeface="Arial"/>
               </a:rPr>
               <a:t>Second Outline Level</a:t>
             </a:r>
-            <a:endParaRPr b="0" lang="ru-RU" sz="2800" spc="-1" strike="noStrike">
-              <a:solidFill>
-                <a:srgbClr val="ffffff"/>
-              </a:solidFill>
-              <a:uFill>
-                <a:solidFill>
-                  <a:srgbClr val="ffffff"/>
-                </a:solidFill>
-              </a:uFill>
-              <a:latin typeface="Book Antiqua"/>
+            <a:endParaRPr b="0" lang="en-US" sz="2800" spc="-1" strike="noStrike">
+              <a:solidFill>
+                <a:srgbClr val="000000"/>
+              </a:solidFill>
+              <a:uFill>
+                <a:solidFill>
+                  <a:srgbClr val="ffffff"/>
+                </a:solidFill>
+              </a:uFill>
+              <a:latin typeface="Arial"/>
             </a:endParaRPr>
           </a:p>
           <a:p>
@@ -3645,29 +3511,29 @@
               <a:buChar char=""/>
             </a:pPr>
             <a:r>
-              <a:rPr b="0" lang="ru-RU" sz="2800" spc="-1" strike="noStrike">
-                <a:solidFill>
-                  <a:srgbClr val="ffffff"/>
+              <a:rPr b="0" lang="en-US" sz="2400" spc="-1" strike="noStrike">
+                <a:solidFill>
+                  <a:srgbClr val="000000"/>
                 </a:solidFill>
                 <a:uFill>
                   <a:solidFill>
                     <a:srgbClr val="ffffff"/>
                   </a:solidFill>
                 </a:uFill>
-                <a:latin typeface="Book Antiqua"/>
+                <a:latin typeface="Arial"/>
               </a:rPr>
               <a:t>Third Outline Level</a:t>
             </a:r>
-            <a:endParaRPr b="0" lang="ru-RU" sz="2800" spc="-1" strike="noStrike">
-              <a:solidFill>
-                <a:srgbClr val="ffffff"/>
-              </a:solidFill>
-              <a:uFill>
-                <a:solidFill>
-                  <a:srgbClr val="ffffff"/>
-                </a:solidFill>
-              </a:uFill>
-              <a:latin typeface="Book Antiqua"/>
+            <a:endParaRPr b="0" lang="en-US" sz="2400" spc="-1" strike="noStrike">
+              <a:solidFill>
+                <a:srgbClr val="000000"/>
+              </a:solidFill>
+              <a:uFill>
+                <a:solidFill>
+                  <a:srgbClr val="ffffff"/>
+                </a:solidFill>
+              </a:uFill>
+              <a:latin typeface="Arial"/>
             </a:endParaRPr>
           </a:p>
           <a:p>
@@ -3680,29 +3546,29 @@
               <a:buChar char=""/>
             </a:pPr>
             <a:r>
-              <a:rPr b="0" lang="ru-RU" sz="2800" spc="-1" strike="noStrike">
-                <a:solidFill>
-                  <a:srgbClr val="ffffff"/>
+              <a:rPr b="0" lang="en-US" sz="2000" spc="-1" strike="noStrike">
+                <a:solidFill>
+                  <a:srgbClr val="000000"/>
                 </a:solidFill>
                 <a:uFill>
                   <a:solidFill>
                     <a:srgbClr val="ffffff"/>
                   </a:solidFill>
                 </a:uFill>
-                <a:latin typeface="Book Antiqua"/>
+                <a:latin typeface="Arial"/>
               </a:rPr>
               <a:t>Fourth Outline Level</a:t>
             </a:r>
-            <a:endParaRPr b="0" lang="ru-RU" sz="2800" spc="-1" strike="noStrike">
-              <a:solidFill>
-                <a:srgbClr val="ffffff"/>
-              </a:solidFill>
-              <a:uFill>
-                <a:solidFill>
-                  <a:srgbClr val="ffffff"/>
-                </a:solidFill>
-              </a:uFill>
-              <a:latin typeface="Book Antiqua"/>
+            <a:endParaRPr b="0" lang="en-US" sz="2000" spc="-1" strike="noStrike">
+              <a:solidFill>
+                <a:srgbClr val="000000"/>
+              </a:solidFill>
+              <a:uFill>
+                <a:solidFill>
+                  <a:srgbClr val="ffffff"/>
+                </a:solidFill>
+              </a:uFill>
+              <a:latin typeface="Arial"/>
             </a:endParaRPr>
           </a:p>
           <a:p>
@@ -3715,29 +3581,29 @@
               <a:buChar char=""/>
             </a:pPr>
             <a:r>
-              <a:rPr b="0" lang="ru-RU" sz="2800" spc="-1" strike="noStrike">
-                <a:solidFill>
-                  <a:srgbClr val="ffffff"/>
+              <a:rPr b="0" lang="en-US" sz="2000" spc="-1" strike="noStrike">
+                <a:solidFill>
+                  <a:srgbClr val="000000"/>
                 </a:solidFill>
                 <a:uFill>
                   <a:solidFill>
                     <a:srgbClr val="ffffff"/>
                   </a:solidFill>
                 </a:uFill>
-                <a:latin typeface="Book Antiqua"/>
+                <a:latin typeface="Arial"/>
               </a:rPr>
               <a:t>Fifth Outline Level</a:t>
             </a:r>
-            <a:endParaRPr b="0" lang="ru-RU" sz="2800" spc="-1" strike="noStrike">
-              <a:solidFill>
-                <a:srgbClr val="ffffff"/>
-              </a:solidFill>
-              <a:uFill>
-                <a:solidFill>
-                  <a:srgbClr val="ffffff"/>
-                </a:solidFill>
-              </a:uFill>
-              <a:latin typeface="Book Antiqua"/>
+            <a:endParaRPr b="0" lang="en-US" sz="2000" spc="-1" strike="noStrike">
+              <a:solidFill>
+                <a:srgbClr val="000000"/>
+              </a:solidFill>
+              <a:uFill>
+                <a:solidFill>
+                  <a:srgbClr val="ffffff"/>
+                </a:solidFill>
+              </a:uFill>
+              <a:latin typeface="Arial"/>
             </a:endParaRPr>
           </a:p>
           <a:p>
@@ -3750,363 +3616,64 @@
               <a:buChar char=""/>
             </a:pPr>
             <a:r>
-              <a:rPr b="0" lang="ru-RU" sz="2800" spc="-1" strike="noStrike">
-                <a:solidFill>
-                  <a:srgbClr val="ffffff"/>
+              <a:rPr b="0" lang="en-US" sz="2000" spc="-1" strike="noStrike">
+                <a:solidFill>
+                  <a:srgbClr val="000000"/>
                 </a:solidFill>
                 <a:uFill>
                   <a:solidFill>
                     <a:srgbClr val="ffffff"/>
                   </a:solidFill>
                 </a:uFill>
-                <a:latin typeface="Book Antiqua"/>
+                <a:latin typeface="Arial"/>
               </a:rPr>
               <a:t>Sixth Outline Level</a:t>
             </a:r>
-            <a:endParaRPr b="0" lang="ru-RU" sz="2800" spc="-1" strike="noStrike">
-              <a:solidFill>
-                <a:srgbClr val="ffffff"/>
-              </a:solidFill>
-              <a:uFill>
-                <a:solidFill>
-                  <a:srgbClr val="ffffff"/>
-                </a:solidFill>
-              </a:uFill>
-              <a:latin typeface="Book Antiqua"/>
-            </a:endParaRPr>
-          </a:p>
-          <a:p>
-            <a:pPr marL="548640" indent="-411120">
-              <a:lnSpc>
-                <a:spcPct val="100000"/>
-              </a:lnSpc>
+            <a:endParaRPr b="0" lang="en-US" sz="2000" spc="-1" strike="noStrike">
+              <a:solidFill>
+                <a:srgbClr val="000000"/>
+              </a:solidFill>
+              <a:uFill>
+                <a:solidFill>
+                  <a:srgbClr val="ffffff"/>
+                </a:solidFill>
+              </a:uFill>
+              <a:latin typeface="Arial"/>
+            </a:endParaRPr>
+          </a:p>
+          <a:p>
+            <a:pPr lvl="6" marL="3024000" indent="-216000">
               <a:buClr>
-                <a:srgbClr val="f9f9f9"/>
+                <a:srgbClr val="000000"/>
               </a:buClr>
-              <a:buSzPct val="65000"/>
-              <a:buFont typeface="Wingdings 2" charset="2"/>
-              <a:buChar char=""/>
+              <a:buSzPct val="45000"/>
+              <a:buFont typeface="Wingdings" charset="2"/>
+              <a:buChar char=""/>
             </a:pPr>
             <a:r>
-              <a:rPr b="0" lang="ru-RU" sz="2800" spc="-1" strike="noStrike">
-                <a:solidFill>
-                  <a:srgbClr val="ffffff"/>
+              <a:rPr b="0" lang="en-US" sz="2000" spc="-1" strike="noStrike">
+                <a:solidFill>
+                  <a:srgbClr val="000000"/>
                 </a:solidFill>
                 <a:uFill>
                   <a:solidFill>
                     <a:srgbClr val="ffffff"/>
                   </a:solidFill>
                 </a:uFill>
-                <a:latin typeface="Book Antiqua"/>
+                <a:latin typeface="Arial"/>
               </a:rPr>
-              <a:t>Seventh Outline LevelОбразец текста</a:t>
+              <a:t>Seventh Outline Level</a:t>
             </a:r>
-            <a:endParaRPr b="0" lang="ru-RU" sz="2800" spc="-1" strike="noStrike">
-              <a:solidFill>
-                <a:srgbClr val="ffffff"/>
-              </a:solidFill>
-              <a:uFill>
-                <a:solidFill>
-                  <a:srgbClr val="ffffff"/>
-                </a:solidFill>
-              </a:uFill>
-              <a:latin typeface="Book Antiqua"/>
-            </a:endParaRPr>
-          </a:p>
-          <a:p>
-            <a:pPr lvl="1" marL="868680" indent="-282960">
-              <a:lnSpc>
-                <a:spcPct val="100000"/>
-              </a:lnSpc>
-              <a:buClr>
-                <a:srgbClr val="ffffff"/>
-              </a:buClr>
-              <a:buSzPct val="80000"/>
-              <a:buFont typeface="Wingdings 2" charset="2"/>
-              <a:buChar char=""/>
-            </a:pPr>
-            <a:r>
-              <a:rPr b="0" lang="ru-RU" sz="2400" spc="-1" strike="noStrike">
-                <a:solidFill>
-                  <a:srgbClr val="ffffff"/>
-                </a:solidFill>
-                <a:uFill>
-                  <a:solidFill>
-                    <a:srgbClr val="ffffff"/>
-                  </a:solidFill>
-                </a:uFill>
-                <a:latin typeface="Book Antiqua"/>
-              </a:rPr>
-              <a:t>Второй уровень</a:t>
-            </a:r>
-            <a:endParaRPr b="0" lang="ru-RU" sz="2800" spc="-1" strike="noStrike">
-              <a:solidFill>
-                <a:srgbClr val="ffffff"/>
-              </a:solidFill>
-              <a:uFill>
-                <a:solidFill>
-                  <a:srgbClr val="ffffff"/>
-                </a:solidFill>
-              </a:uFill>
-              <a:latin typeface="Book Antiqua"/>
-            </a:endParaRPr>
-          </a:p>
-          <a:p>
-            <a:pPr lvl="2" marL="1134000" indent="-228240">
-              <a:lnSpc>
-                <a:spcPct val="100000"/>
-              </a:lnSpc>
-              <a:buClr>
-                <a:srgbClr val="ffffff"/>
-              </a:buClr>
-              <a:buSzPct val="95000"/>
-              <a:buFont typeface="Wingdings" charset="2"/>
-              <a:buChar char=""/>
-            </a:pPr>
-            <a:r>
-              <a:rPr b="0" lang="ru-RU" sz="2200" spc="-1" strike="noStrike">
-                <a:solidFill>
-                  <a:srgbClr val="ffffff"/>
-                </a:solidFill>
-                <a:uFill>
-                  <a:solidFill>
-                    <a:srgbClr val="ffffff"/>
-                  </a:solidFill>
-                </a:uFill>
-                <a:latin typeface="Book Antiqua"/>
-              </a:rPr>
-              <a:t>Третий уровень</a:t>
-            </a:r>
-            <a:endParaRPr b="0" lang="ru-RU" sz="2800" spc="-1" strike="noStrike">
-              <a:solidFill>
-                <a:srgbClr val="ffffff"/>
-              </a:solidFill>
-              <a:uFill>
-                <a:solidFill>
-                  <a:srgbClr val="ffffff"/>
-                </a:solidFill>
-              </a:uFill>
-              <a:latin typeface="Book Antiqua"/>
-            </a:endParaRPr>
-          </a:p>
-          <a:p>
-            <a:pPr lvl="3" marL="1353240" indent="-182520">
-              <a:lnSpc>
-                <a:spcPct val="100000"/>
-              </a:lnSpc>
-              <a:buClr>
-                <a:srgbClr val="ffffff"/>
-              </a:buClr>
-              <a:buFont typeface="Wingdings 3" charset="2"/>
-              <a:buChar char=""/>
-            </a:pPr>
-            <a:r>
-              <a:rPr b="0" lang="ru-RU" sz="2000" spc="-1" strike="noStrike">
-                <a:solidFill>
-                  <a:srgbClr val="ffffff"/>
-                </a:solidFill>
-                <a:uFill>
-                  <a:solidFill>
-                    <a:srgbClr val="ffffff"/>
-                  </a:solidFill>
-                </a:uFill>
-                <a:latin typeface="Book Antiqua"/>
-              </a:rPr>
-              <a:t>Четвертый уровень</a:t>
-            </a:r>
-            <a:endParaRPr b="0" lang="ru-RU" sz="2800" spc="-1" strike="noStrike">
-              <a:solidFill>
-                <a:srgbClr val="ffffff"/>
-              </a:solidFill>
-              <a:uFill>
-                <a:solidFill>
-                  <a:srgbClr val="ffffff"/>
-                </a:solidFill>
-              </a:uFill>
-              <a:latin typeface="Book Antiqua"/>
-            </a:endParaRPr>
-          </a:p>
-          <a:p>
-            <a:pPr lvl="4" marL="1545480" indent="-182520">
-              <a:lnSpc>
-                <a:spcPct val="100000"/>
-              </a:lnSpc>
-              <a:buClr>
-                <a:srgbClr val="ffffff"/>
-              </a:buClr>
-              <a:buFont typeface="Wingdings 2" charset="2"/>
-              <a:buChar char=""/>
-            </a:pPr>
-            <a:r>
-              <a:rPr b="0" lang="ru-RU" sz="2000" spc="-1" strike="noStrike">
-                <a:solidFill>
-                  <a:srgbClr val="ffffff"/>
-                </a:solidFill>
-                <a:uFill>
-                  <a:solidFill>
-                    <a:srgbClr val="ffffff"/>
-                  </a:solidFill>
-                </a:uFill>
-                <a:latin typeface="Book Antiqua"/>
-              </a:rPr>
-              <a:t>Пятый уровень</a:t>
-            </a:r>
-            <a:endParaRPr b="0" lang="ru-RU" sz="2800" spc="-1" strike="noStrike">
-              <a:solidFill>
-                <a:srgbClr val="ffffff"/>
-              </a:solidFill>
-              <a:uFill>
-                <a:solidFill>
-                  <a:srgbClr val="ffffff"/>
-                </a:solidFill>
-              </a:uFill>
-              <a:latin typeface="Book Antiqua"/>
-            </a:endParaRPr>
-          </a:p>
-        </p:txBody>
-      </p:sp>
-      <p:sp>
-        <p:nvSpPr>
-          <p:cNvPr id="41" name="PlaceHolder 3"/>
-          <p:cNvSpPr>
-            <a:spLocks noGrp="1"/>
-          </p:cNvSpPr>
-          <p:nvPr>
-            <p:ph type="dt"/>
-          </p:nvPr>
-        </p:nvSpPr>
-        <p:spPr>
-          <a:xfrm>
-            <a:off x="457200" y="6416640"/>
-            <a:ext cx="2133360" cy="364680"/>
-          </a:xfrm>
-          <a:prstGeom prst="rect">
-            <a:avLst/>
-          </a:prstGeom>
-        </p:spPr>
-        <p:txBody>
-          <a:bodyPr lIns="90000" rIns="90000" tIns="45000" bIns="45000" anchor="b"/>
-          <a:p>
-            <a:pPr>
-              <a:lnSpc>
-                <a:spcPct val="100000"/>
-              </a:lnSpc>
-            </a:pPr>
-            <a:r>
-              <a:rPr b="0" lang="en-US" sz="1200" spc="-1" strike="noStrike">
-                <a:solidFill>
-                  <a:srgbClr val="bcbcbc"/>
-                </a:solidFill>
-                <a:uFill>
-                  <a:solidFill>
-                    <a:srgbClr val="ffffff"/>
-                  </a:solidFill>
-                </a:uFill>
-                <a:latin typeface="Book Antiqua"/>
-              </a:rPr>
-              <a:t>5/24/19</a:t>
-            </a:r>
-            <a:endParaRPr b="0" lang="en-US" sz="1400" spc="-1" strike="noStrike">
-              <a:solidFill>
-                <a:srgbClr val="000000"/>
-              </a:solidFill>
-              <a:uFill>
-                <a:solidFill>
-                  <a:srgbClr val="ffffff"/>
-                </a:solidFill>
-              </a:uFill>
-              <a:latin typeface="Times New Roman"/>
-            </a:endParaRPr>
-          </a:p>
-        </p:txBody>
-      </p:sp>
-      <p:sp>
-        <p:nvSpPr>
-          <p:cNvPr id="42" name="PlaceHolder 4"/>
-          <p:cNvSpPr>
-            <a:spLocks noGrp="1"/>
-          </p:cNvSpPr>
-          <p:nvPr>
-            <p:ph type="ftr"/>
-          </p:nvPr>
-        </p:nvSpPr>
-        <p:spPr>
-          <a:xfrm>
-            <a:off x="3124080" y="6416640"/>
-            <a:ext cx="2895120" cy="364680"/>
-          </a:xfrm>
-          <a:prstGeom prst="rect">
-            <a:avLst/>
-          </a:prstGeom>
-        </p:spPr>
-        <p:txBody>
-          <a:bodyPr lIns="90000" rIns="90000" tIns="45000" bIns="45000" anchor="b"/>
-          <a:p>
-            <a:endParaRPr b="0" lang="en-US" sz="2400" spc="-1" strike="noStrike">
-              <a:solidFill>
-                <a:srgbClr val="000000"/>
-              </a:solidFill>
-              <a:uFill>
-                <a:solidFill>
-                  <a:srgbClr val="ffffff"/>
-                </a:solidFill>
-              </a:uFill>
-              <a:latin typeface="Times New Roman"/>
-            </a:endParaRPr>
-          </a:p>
-        </p:txBody>
-      </p:sp>
-      <p:sp>
-        <p:nvSpPr>
-          <p:cNvPr id="43" name="PlaceHolder 5"/>
-          <p:cNvSpPr>
-            <a:spLocks noGrp="1"/>
-          </p:cNvSpPr>
-          <p:nvPr>
-            <p:ph type="sldNum"/>
-          </p:nvPr>
-        </p:nvSpPr>
-        <p:spPr>
-          <a:xfrm>
-            <a:off x="7924680" y="6416640"/>
-            <a:ext cx="761760" cy="364680"/>
-          </a:xfrm>
-          <a:prstGeom prst="rect">
-            <a:avLst/>
-          </a:prstGeom>
-        </p:spPr>
-        <p:txBody>
-          <a:bodyPr lIns="0" rIns="0" tIns="45000" bIns="45000" anchor="b"/>
-          <a:p>
-            <a:pPr algn="r">
-              <a:lnSpc>
-                <a:spcPct val="100000"/>
-              </a:lnSpc>
-            </a:pPr>
-            <a:fld id="{C7C3BC12-C6C4-4C34-BA9B-97D42E6E3611}" type="slidenum">
-              <a:rPr b="0" lang="en-US" sz="1200" spc="-1" strike="noStrike">
-                <a:solidFill>
-                  <a:srgbClr val="bcbcbc"/>
-                </a:solidFill>
-                <a:uFill>
-                  <a:solidFill>
-                    <a:srgbClr val="ffffff"/>
-                  </a:solidFill>
-                </a:uFill>
-                <a:latin typeface="Book Antiqua"/>
-              </a:rPr>
-              <a:t>1</a:t>
-            </a:fld>
-            <a:endParaRPr b="0" lang="en-US" sz="1400" spc="-1" strike="noStrike">
-              <a:solidFill>
-                <a:srgbClr val="000000"/>
-              </a:solidFill>
-              <a:uFill>
-                <a:solidFill>
-                  <a:srgbClr val="ffffff"/>
-                </a:solidFill>
-              </a:uFill>
-              <a:latin typeface="Times New Roman"/>
+            <a:endParaRPr b="0" lang="en-US" sz="2000" spc="-1" strike="noStrike">
+              <a:solidFill>
+                <a:srgbClr val="000000"/>
+              </a:solidFill>
+              <a:uFill>
+                <a:solidFill>
+                  <a:srgbClr val="ffffff"/>
+                </a:solidFill>
+              </a:uFill>
+              <a:latin typeface="Arial"/>
             </a:endParaRPr>
           </a:p>
         </p:txBody>
@@ -4150,14 +3717,14 @@
       </p:grpSpPr>
       <p:sp>
         <p:nvSpPr>
-          <p:cNvPr id="78" name="TextShape 1"/>
-          <p:cNvSpPr txBox="1"/>
+          <p:cNvPr id="72" name="CustomShape 1"/>
+          <p:cNvSpPr/>
           <p:nvPr/>
         </p:nvSpPr>
         <p:spPr>
           <a:xfrm>
             <a:off x="731520" y="2797200"/>
-            <a:ext cx="7429320" cy="1226160"/>
+            <a:ext cx="7427160" cy="1224000"/>
           </a:xfrm>
           <a:prstGeom prst="rect">
             <a:avLst/>
@@ -4167,10 +3734,20 @@
             <a:noFill/>
           </a:ln>
         </p:spPr>
+        <p:style>
+          <a:lnRef idx="0"/>
+          <a:fillRef idx="0"/>
+          <a:effectRef idx="0"/>
+          <a:fontRef idx="minor"/>
+        </p:style>
         <p:txBody>
           <a:bodyPr lIns="90000" rIns="90000" tIns="45000" bIns="45000"/>
           <a:p>
-            <a:pPr algn="ctr"/>
+            <a:pPr algn="ctr">
+              <a:lnSpc>
+                <a:spcPct val="100000"/>
+              </a:lnSpc>
+            </a:pPr>
             <a:r>
               <a:rPr b="0" lang="en-US" sz="2800" spc="-1" strike="noStrike">
                 <a:solidFill>
@@ -4182,11 +3759,12 @@
                   </a:solidFill>
                 </a:uFill>
                 <a:latin typeface="Book Antiqua"/>
+                <a:ea typeface="DejaVu Sans"/>
               </a:rPr>
               <a:t>Программа </a:t>
             </a:r>
             <a:r>
-              <a:rPr b="0" lang="ru-RU" sz="2800" spc="-1" strike="noStrike">
+              <a:rPr b="0" lang="en-US" sz="2800" spc="-1" strike="noStrike">
                 <a:solidFill>
                   <a:srgbClr val="ffffff"/>
                 </a:solidFill>
@@ -4200,30 +3778,30 @@
               </a:rPr>
               <a:t>решения ДУ модифицированным методом Эйлера</a:t>
             </a:r>
-            <a:endParaRPr b="0" lang="en-US" sz="3200" spc="-1" strike="noStrike">
-              <a:solidFill>
-                <a:srgbClr val="000000"/>
-              </a:solidFill>
-              <a:uFill>
-                <a:solidFill>
-                  <a:srgbClr val="ffffff"/>
-                </a:solidFill>
-              </a:uFill>
-              <a:latin typeface="Arial"/>
-            </a:endParaRPr>
-          </a:p>
-        </p:txBody>
-      </p:sp>
-      <p:sp>
-        <p:nvSpPr>
-          <p:cNvPr id="79" name="CustomShape 2"/>
+            <a:endParaRPr b="0" lang="en-US" sz="1800" spc="-1" strike="noStrike">
+              <a:solidFill>
+                <a:srgbClr val="000000"/>
+              </a:solidFill>
+              <a:uFill>
+                <a:solidFill>
+                  <a:srgbClr val="ffffff"/>
+                </a:solidFill>
+              </a:uFill>
+              <a:latin typeface="Arial"/>
+            </a:endParaRPr>
+          </a:p>
+        </p:txBody>
+      </p:sp>
+      <p:sp>
+        <p:nvSpPr>
+          <p:cNvPr id="73" name="CustomShape 2"/>
           <p:cNvSpPr/>
           <p:nvPr/>
         </p:nvSpPr>
         <p:spPr>
           <a:xfrm>
             <a:off x="457200" y="182880"/>
-            <a:ext cx="8229600" cy="364680"/>
+            <a:ext cx="8227440" cy="362520"/>
           </a:xfrm>
           <a:prstGeom prst="rect">
             <a:avLst/>
@@ -4258,6 +3836,7 @@
                   </a:solidFill>
                 </a:uFill>
                 <a:latin typeface="Book Antiqua"/>
+                <a:ea typeface="DejaVu Sans"/>
               </a:rPr>
               <a:t>Белорусский национальный технический университет</a:t>
             </a:r>
@@ -4277,14 +3856,14 @@
       </p:sp>
       <p:sp>
         <p:nvSpPr>
-          <p:cNvPr id="80" name="CustomShape 3"/>
+          <p:cNvPr id="74" name="CustomShape 3"/>
           <p:cNvSpPr/>
           <p:nvPr/>
         </p:nvSpPr>
         <p:spPr>
           <a:xfrm>
             <a:off x="182880" y="640080"/>
-            <a:ext cx="8869680" cy="364680"/>
+            <a:ext cx="8867520" cy="362520"/>
           </a:xfrm>
           <a:prstGeom prst="rect">
             <a:avLst/>
@@ -4309,7 +3888,7 @@
               </a:lnSpc>
             </a:pPr>
             <a:r>
-              <a:rPr b="0" lang="ru-RU" sz="1800" spc="-1" strike="noStrike">
+              <a:rPr b="0" lang="en-US" sz="1800" spc="-1" strike="noStrike">
                 <a:solidFill>
                   <a:srgbClr val="ffffff"/>
                 </a:solidFill>
@@ -4323,31 +3902,30 @@
               </a:rPr>
               <a:t>Факультет информационных технологий и робототехники (ФИТР)</a:t>
             </a:r>
-            <a:endParaRPr b="0" lang="ru-RU" sz="1100" spc="-1" strike="noStrike">
-              <a:solidFill>
-                <a:srgbClr val="000000"/>
-              </a:solidFill>
-              <a:uFill>
-                <a:solidFill>
-                  <a:srgbClr val="ffffff"/>
-                </a:solidFill>
-              </a:uFill>
-              <a:latin typeface="Calibri"/>
-              <a:ea typeface="Calibri"/>
-            </a:endParaRPr>
-          </a:p>
-        </p:txBody>
-      </p:sp>
-      <p:sp>
-        <p:nvSpPr>
-          <p:cNvPr id="81" name="CustomShape 4"/>
+            <a:endParaRPr b="0" lang="en-US" sz="1800" spc="-1" strike="noStrike">
+              <a:solidFill>
+                <a:srgbClr val="000000"/>
+              </a:solidFill>
+              <a:uFill>
+                <a:solidFill>
+                  <a:srgbClr val="ffffff"/>
+                </a:solidFill>
+              </a:uFill>
+              <a:latin typeface="Arial"/>
+            </a:endParaRPr>
+          </a:p>
+        </p:txBody>
+      </p:sp>
+      <p:sp>
+        <p:nvSpPr>
+          <p:cNvPr id="75" name="CustomShape 4"/>
           <p:cNvSpPr/>
           <p:nvPr/>
         </p:nvSpPr>
         <p:spPr>
           <a:xfrm>
             <a:off x="274320" y="1249560"/>
-            <a:ext cx="8595360" cy="762120"/>
+            <a:ext cx="8593200" cy="759960"/>
           </a:xfrm>
           <a:prstGeom prst="rect">
             <a:avLst/>
@@ -4372,7 +3950,7 @@
               </a:lnSpc>
             </a:pPr>
             <a:r>
-              <a:rPr b="0" lang="ru-RU" sz="1800" spc="-1" strike="noStrike">
+              <a:rPr b="0" lang="en-US" sz="1800" spc="-1" strike="noStrike">
                 <a:solidFill>
                   <a:srgbClr val="ffffff"/>
                 </a:solidFill>
@@ -4382,20 +3960,20 @@
                   </a:solidFill>
                 </a:uFill>
                 <a:latin typeface="Book Antiqua"/>
+                <a:ea typeface="DejaVu Sans"/>
               </a:rPr>
               <a:t>Кафедра программного обеспечения вычислительной техники</a:t>
             </a:r>
-            <a:endParaRPr b="0" lang="ru-RU" sz="1100" spc="-1" strike="noStrike">
-              <a:solidFill>
-                <a:srgbClr val="000000"/>
-              </a:solidFill>
-              <a:uFill>
-                <a:solidFill>
-                  <a:srgbClr val="ffffff"/>
-                </a:solidFill>
-              </a:uFill>
-              <a:latin typeface="Calibri"/>
-              <a:ea typeface="Calibri"/>
+            <a:endParaRPr b="0" lang="en-US" sz="1800" spc="-1" strike="noStrike">
+              <a:solidFill>
+                <a:srgbClr val="000000"/>
+              </a:solidFill>
+              <a:uFill>
+                <a:solidFill>
+                  <a:srgbClr val="ffffff"/>
+                </a:solidFill>
+              </a:uFill>
+              <a:latin typeface="Arial"/>
             </a:endParaRPr>
           </a:p>
           <a:p>
@@ -4405,7 +3983,7 @@
               </a:lnSpc>
             </a:pPr>
             <a:r>
-              <a:rPr b="0" lang="ru-RU" sz="1800" spc="-1" strike="noStrike">
+              <a:rPr b="0" lang="en-US" sz="1800" spc="-1" strike="noStrike">
                 <a:solidFill>
                   <a:srgbClr val="ffffff"/>
                 </a:solidFill>
@@ -4415,34 +3993,34 @@
                   </a:solidFill>
                 </a:uFill>
                 <a:latin typeface="Book Antiqua"/>
+                <a:ea typeface="DejaVu Sans"/>
               </a:rPr>
               <a:t>и автоматизированных систем</a:t>
             </a:r>
-            <a:endParaRPr b="0" lang="ru-RU" sz="1100" spc="-1" strike="noStrike">
-              <a:solidFill>
-                <a:srgbClr val="000000"/>
-              </a:solidFill>
-              <a:uFill>
-                <a:solidFill>
-                  <a:srgbClr val="ffffff"/>
-                </a:solidFill>
-              </a:uFill>
-              <a:latin typeface="Calibri"/>
-              <a:ea typeface="Calibri"/>
-            </a:endParaRPr>
-          </a:p>
-        </p:txBody>
-      </p:sp>
-      <p:sp>
-        <p:nvSpPr>
-          <p:cNvPr id="82" name="CustomShape 5"/>
+            <a:endParaRPr b="0" lang="en-US" sz="1800" spc="-1" strike="noStrike">
+              <a:solidFill>
+                <a:srgbClr val="000000"/>
+              </a:solidFill>
+              <a:uFill>
+                <a:solidFill>
+                  <a:srgbClr val="ffffff"/>
+                </a:solidFill>
+              </a:uFill>
+              <a:latin typeface="Arial"/>
+            </a:endParaRPr>
+          </a:p>
+        </p:txBody>
+      </p:sp>
+      <p:sp>
+        <p:nvSpPr>
+          <p:cNvPr id="76" name="CustomShape 5"/>
           <p:cNvSpPr/>
           <p:nvPr/>
         </p:nvSpPr>
         <p:spPr>
           <a:xfrm>
             <a:off x="4186440" y="4754880"/>
-            <a:ext cx="4774680" cy="364680"/>
+            <a:ext cx="4772520" cy="362520"/>
           </a:xfrm>
           <a:prstGeom prst="rect">
             <a:avLst/>
@@ -4477,8 +4055,9 @@
                   </a:solidFill>
                 </a:uFill>
                 <a:latin typeface="Book Antiqua"/>
+                <a:ea typeface="DejaVu Sans"/>
               </a:rPr>
-              <a:t>Разработал:Друзик А.Н., гр. 30701117</a:t>
+              <a:t>Разработал: Друзик А.Н., гр. 30701117</a:t>
             </a:r>
             <a:endParaRPr b="0" lang="en-US" sz="1800" spc="-1" strike="noStrike">
               <a:solidFill>
@@ -4496,14 +4075,14 @@
       </p:sp>
       <p:sp>
         <p:nvSpPr>
-          <p:cNvPr id="83" name="CustomShape 6"/>
+          <p:cNvPr id="77" name="CustomShape 6"/>
           <p:cNvSpPr/>
           <p:nvPr/>
         </p:nvSpPr>
         <p:spPr>
           <a:xfrm>
             <a:off x="4206240" y="5213160"/>
-            <a:ext cx="4577400" cy="364680"/>
+            <a:ext cx="4575240" cy="362520"/>
           </a:xfrm>
           <a:prstGeom prst="rect">
             <a:avLst/>
@@ -4538,6 +4117,7 @@
                   </a:solidFill>
                 </a:uFill>
                 <a:latin typeface="Book Antiqua"/>
+                <a:ea typeface="DejaVu Sans"/>
               </a:rPr>
               <a:t>Руководитель: доц. Гурский Н.Н.</a:t>
             </a:r>
@@ -4557,14 +4137,14 @@
       </p:sp>
       <p:sp>
         <p:nvSpPr>
-          <p:cNvPr id="84" name="CustomShape 7"/>
+          <p:cNvPr id="78" name="CustomShape 7"/>
           <p:cNvSpPr/>
           <p:nvPr/>
         </p:nvSpPr>
         <p:spPr>
           <a:xfrm>
             <a:off x="3641040" y="6126480"/>
-            <a:ext cx="1662480" cy="364680"/>
+            <a:ext cx="1660320" cy="362520"/>
           </a:xfrm>
           <a:prstGeom prst="rect">
             <a:avLst/>
@@ -4599,6 +4179,7 @@
                   </a:solidFill>
                 </a:uFill>
                 <a:latin typeface="Book Antiqua"/>
+                <a:ea typeface="DejaVu Sans"/>
               </a:rPr>
               <a:t>Минск, 2019</a:t>
             </a:r>
@@ -4667,14 +4248,14 @@
       </p:grpSpPr>
       <p:sp>
         <p:nvSpPr>
-          <p:cNvPr id="85" name="TextShape 1"/>
-          <p:cNvSpPr txBox="1"/>
+          <p:cNvPr id="79" name="CustomShape 1"/>
+          <p:cNvSpPr/>
           <p:nvPr/>
         </p:nvSpPr>
         <p:spPr>
           <a:xfrm>
             <a:off x="500040" y="500040"/>
-            <a:ext cx="8229240" cy="1142640"/>
+            <a:ext cx="8227080" cy="1140480"/>
           </a:xfrm>
           <a:prstGeom prst="rect">
             <a:avLst/>
@@ -4684,6 +4265,12 @@
             <a:noFill/>
           </a:ln>
         </p:spPr>
+        <p:style>
+          <a:lnRef idx="0"/>
+          <a:fillRef idx="0"/>
+          <a:effectRef idx="0"/>
+          <a:fontRef idx="minor"/>
+        </p:style>
         <p:txBody>
           <a:bodyPr lIns="90000" rIns="90000" tIns="45000" bIns="45000" anchor="ctr"/>
           <a:p>
@@ -4693,7 +4280,7 @@
               </a:lnSpc>
             </a:pPr>
             <a:r>
-              <a:rPr b="1" lang="ru-RU" sz="4400" spc="-1" strike="noStrike">
+              <a:rPr b="1" lang="en-US" sz="4400" spc="-1" strike="noStrike">
                 <a:solidFill>
                   <a:srgbClr val="e9d596"/>
                 </a:solidFill>
@@ -4703,33 +4290,34 @@
                   </a:solidFill>
                 </a:uFill>
                 <a:latin typeface="Lucida Sans"/>
+                <a:ea typeface="DejaVu Sans"/>
               </a:rPr>
-              <a:t>Определение временного ряда</a:t>
+              <a:t>Метод Эйлера</a:t>
             </a:r>
-            <a:endParaRPr b="0" lang="ru-RU" sz="1800" spc="-1" strike="noStrike">
-              <a:solidFill>
-                <a:srgbClr val="ffffff"/>
-              </a:solidFill>
-              <a:uFill>
-                <a:solidFill>
-                  <a:srgbClr val="ffffff"/>
-                </a:solidFill>
-              </a:uFill>
-              <a:latin typeface="Book Antiqua"/>
-            </a:endParaRPr>
-          </a:p>
-        </p:txBody>
-      </p:sp>
-      <p:sp>
-        <p:nvSpPr>
-          <p:cNvPr id="86" name="TextShape 2"/>
-          <p:cNvSpPr txBox="1"/>
+            <a:endParaRPr b="0" lang="en-US" sz="1800" spc="-1" strike="noStrike">
+              <a:solidFill>
+                <a:srgbClr val="000000"/>
+              </a:solidFill>
+              <a:uFill>
+                <a:solidFill>
+                  <a:srgbClr val="ffffff"/>
+                </a:solidFill>
+              </a:uFill>
+              <a:latin typeface="Arial"/>
+            </a:endParaRPr>
+          </a:p>
+        </p:txBody>
+      </p:sp>
+      <p:sp>
+        <p:nvSpPr>
+          <p:cNvPr id="80" name="CustomShape 2"/>
+          <p:cNvSpPr/>
           <p:nvPr/>
         </p:nvSpPr>
         <p:spPr>
           <a:xfrm>
             <a:off x="457200" y="1714680"/>
-            <a:ext cx="8229240" cy="4609800"/>
+            <a:ext cx="8227080" cy="4607640"/>
           </a:xfrm>
           <a:prstGeom prst="rect">
             <a:avLst/>
@@ -4739,22 +4327,22 @@
             <a:noFill/>
           </a:ln>
         </p:spPr>
+        <p:style>
+          <a:lnRef idx="0"/>
+          <a:fillRef idx="0"/>
+          <a:effectRef idx="0"/>
+          <a:fontRef idx="minor"/>
+        </p:style>
         <p:txBody>
           <a:bodyPr lIns="90000" rIns="90000" tIns="45000" bIns="45000"/>
           <a:p>
-            <a:pPr marL="548640" indent="-411120" algn="just">
+            <a:pPr algn="just">
               <a:lnSpc>
                 <a:spcPct val="150000"/>
               </a:lnSpc>
-              <a:buClr>
-                <a:srgbClr val="f9f9f9"/>
-              </a:buClr>
-              <a:buSzPct val="65000"/>
-              <a:buFont typeface="Wingdings 2" charset="2"/>
-              <a:buChar char=""/>
             </a:pPr>
             <a:r>
-              <a:rPr b="0" lang="ru-RU" sz="1600" spc="-1" strike="noStrike">
+              <a:rPr b="0" lang="en-US" sz="1600" spc="-1" strike="noStrike">
                 <a:solidFill>
                   <a:srgbClr val="ffffff"/>
                 </a:solidFill>
@@ -4764,53 +4352,12 @@
                   </a:solidFill>
                 </a:uFill>
                 <a:latin typeface="Book Antiqua"/>
+                <a:ea typeface="DejaVu Sans"/>
               </a:rPr>
-              <a:t>Временной ряд — это упорядоченная (по времени) последовательность значений некоторой произвольной переменной величины. Каждое отдельное значение данной переменной называется отсчётом временного ряда. Тем самым, временной ряд существенным образом отличается от простой выборки данных.</a:t>
+              <a:t> </a:t>
             </a:r>
-            <a:endParaRPr b="0" lang="ru-RU" sz="2800" spc="-1" strike="noStrike">
-              <a:solidFill>
-                <a:srgbClr val="ffffff"/>
-              </a:solidFill>
-              <a:uFill>
-                <a:solidFill>
-                  <a:srgbClr val="ffffff"/>
-                </a:solidFill>
-              </a:uFill>
-              <a:latin typeface="Book Antiqua"/>
-            </a:endParaRPr>
-          </a:p>
-          <a:p>
-            <a:pPr algn="just">
-              <a:lnSpc>
-                <a:spcPct val="150000"/>
-              </a:lnSpc>
-            </a:pPr>
-            <a:endParaRPr b="0" lang="ru-RU" sz="2800" spc="-1" strike="noStrike">
-              <a:solidFill>
-                <a:srgbClr val="ffffff"/>
-              </a:solidFill>
-              <a:uFill>
-                <a:solidFill>
-                  <a:srgbClr val="ffffff"/>
-                </a:solidFill>
-              </a:uFill>
-              <a:latin typeface="Book Antiqua"/>
-            </a:endParaRPr>
-          </a:p>
-          <a:p>
-            <a:pPr marL="548640" indent="-411120" algn="just">
-              <a:lnSpc>
-                <a:spcPct val="150000"/>
-              </a:lnSpc>
-              <a:buClr>
-                <a:srgbClr val="f9f9f9"/>
-              </a:buClr>
-              <a:buSzPct val="65000"/>
-              <a:buFont typeface="Wingdings 2" charset="2"/>
-              <a:buChar char=""/>
-            </a:pPr>
             <a:r>
-              <a:rPr b="0" lang="ru-RU" sz="1600" spc="-1" strike="noStrike">
+              <a:rPr b="0" lang="en-US" sz="1600" spc="-1" strike="noStrike">
                 <a:solidFill>
                   <a:srgbClr val="ffffff"/>
                 </a:solidFill>
@@ -4820,19 +4367,86 @@
                   </a:solidFill>
                 </a:uFill>
                 <a:latin typeface="Book Antiqua"/>
+                <a:ea typeface="DejaVu Sans"/>
               </a:rPr>
-              <a:t>Анализ временных рядов — совокупность математико-статистических методов анализа, предназначенных для выявления структуры временных рядов и для их прогноза. Сюда относятся, в частности, методы регрессионного анализа. Выявление структуры временного ряда необходимо для того, чтобы построить математическую модель того явления, которое является источником анализируемого временного ряда. Прогноз будущих значений временного ряда используется при принятии решений, например, в экономике.</a:t>
+              <a:t>Метод Эйлера — простейший численный метод решения систем обыкновенных дифференциальных уравнений. Впервые описан Леонардом Эйлером в 1768 году в работе «Интегральное исчисление». Метод Эйлера является явным, одношаговым методом первого порядка точности. Он основан на аппроксимации интегральной кривой кусочно-линейной функцией, так называемой ломаной Эйлера.</a:t>
             </a:r>
-            <a:endParaRPr b="0" lang="ru-RU" sz="2800" spc="-1" strike="noStrike">
-              <a:solidFill>
-                <a:srgbClr val="ffffff"/>
-              </a:solidFill>
-              <a:uFill>
-                <a:solidFill>
-                  <a:srgbClr val="ffffff"/>
-                </a:solidFill>
-              </a:uFill>
-              <a:latin typeface="Book Antiqua"/>
+            <a:endParaRPr b="0" lang="en-US" sz="1800" spc="-1" strike="noStrike">
+              <a:solidFill>
+                <a:srgbClr val="000000"/>
+              </a:solidFill>
+              <a:uFill>
+                <a:solidFill>
+                  <a:srgbClr val="ffffff"/>
+                </a:solidFill>
+              </a:uFill>
+              <a:latin typeface="Arial"/>
+            </a:endParaRPr>
+          </a:p>
+          <a:p>
+            <a:pPr algn="just">
+              <a:lnSpc>
+                <a:spcPct val="150000"/>
+              </a:lnSpc>
+            </a:pPr>
+            <a:endParaRPr b="0" lang="en-US" sz="1800" spc="-1" strike="noStrike">
+              <a:solidFill>
+                <a:srgbClr val="000000"/>
+              </a:solidFill>
+              <a:uFill>
+                <a:solidFill>
+                  <a:srgbClr val="ffffff"/>
+                </a:solidFill>
+              </a:uFill>
+              <a:latin typeface="Arial"/>
+            </a:endParaRPr>
+          </a:p>
+          <a:p>
+            <a:pPr algn="just">
+              <a:lnSpc>
+                <a:spcPct val="150000"/>
+              </a:lnSpc>
+            </a:pPr>
+            <a:r>
+              <a:rPr b="0" lang="en-US" sz="1600" spc="-1" strike="noStrike">
+                <a:solidFill>
+                  <a:srgbClr val="ffffff"/>
+                </a:solidFill>
+                <a:uFill>
+                  <a:solidFill>
+                    <a:srgbClr val="ffffff"/>
+                  </a:solidFill>
+                </a:uFill>
+                <a:latin typeface="Book Antiqua"/>
+                <a:ea typeface="DejaVu Sans"/>
+              </a:rPr>
+              <a:t> </a:t>
+            </a:r>
+            <a:r>
+              <a:rPr b="0" lang="en-US" sz="1400" spc="-1" strike="noStrike">
+                <a:solidFill>
+                  <a:srgbClr val="ffffff"/>
+                </a:solidFill>
+                <a:uFill>
+                  <a:solidFill>
+                    <a:srgbClr val="ffffff"/>
+                  </a:solidFill>
+                </a:uFill>
+                <a:latin typeface="Book Antiqua"/>
+                <a:ea typeface="DejaVu Sans"/>
+              </a:rPr>
+              <a:t>Метод Эйлера являлся исторически первым методом численного решения задачи Коши. О. Коши использовал этот метод для доказательства существования решения задачи Коши. Ввиду невысокой точности и вычислительной неустойчивости для практического нахождения решений задачи Коши метод Эйлера применяется редко. Однако в виду своей простоты метод Эйлера находит своё применение в теоретических исследованиях дифференциальных уравнений, задач вариационного исчисления и ряда других математических проблем..</a:t>
+            </a:r>
+            <a:endParaRPr b="0" lang="en-US" sz="1800" spc="-1" strike="noStrike">
+              <a:solidFill>
+                <a:srgbClr val="000000"/>
+              </a:solidFill>
+              <a:uFill>
+                <a:solidFill>
+                  <a:srgbClr val="ffffff"/>
+                </a:solidFill>
+              </a:uFill>
+              <a:latin typeface="Arial"/>
             </a:endParaRPr>
           </a:p>
           <a:p>
@@ -4841,16 +4455,16 @@
                 <a:spcPct val="100000"/>
               </a:lnSpc>
             </a:pPr>
-            <a:endParaRPr b="0" lang="ru-RU" sz="2800" spc="-1" strike="noStrike">
-              <a:solidFill>
-                <a:srgbClr val="ffffff"/>
-              </a:solidFill>
-              <a:uFill>
-                <a:solidFill>
-                  <a:srgbClr val="ffffff"/>
-                </a:solidFill>
-              </a:uFill>
-              <a:latin typeface="Book Antiqua"/>
+            <a:endParaRPr b="0" lang="en-US" sz="1800" spc="-1" strike="noStrike">
+              <a:solidFill>
+                <a:srgbClr val="000000"/>
+              </a:solidFill>
+              <a:uFill>
+                <a:solidFill>
+                  <a:srgbClr val="ffffff"/>
+                </a:solidFill>
+              </a:uFill>
+              <a:latin typeface="Arial"/>
             </a:endParaRPr>
           </a:p>
         </p:txBody>
@@ -4906,14 +4520,14 @@
       </p:grpSpPr>
       <p:sp>
         <p:nvSpPr>
-          <p:cNvPr id="87" name="TextShape 1"/>
-          <p:cNvSpPr txBox="1"/>
+          <p:cNvPr id="81" name="CustomShape 1"/>
+          <p:cNvSpPr/>
           <p:nvPr/>
         </p:nvSpPr>
         <p:spPr>
           <a:xfrm>
             <a:off x="457200" y="274680"/>
-            <a:ext cx="8229240" cy="1142640"/>
+            <a:ext cx="8227080" cy="1140480"/>
           </a:xfrm>
           <a:prstGeom prst="rect">
             <a:avLst/>
@@ -4923,6 +4537,12 @@
             <a:noFill/>
           </a:ln>
         </p:spPr>
+        <p:style>
+          <a:lnRef idx="0"/>
+          <a:fillRef idx="0"/>
+          <a:effectRef idx="0"/>
+          <a:fontRef idx="minor"/>
+        </p:style>
         <p:txBody>
           <a:bodyPr lIns="90000" rIns="90000" tIns="45000" bIns="45000" anchor="ctr"/>
           <a:p>
@@ -4932,7 +4552,7 @@
               </a:lnSpc>
             </a:pPr>
             <a:r>
-              <a:rPr b="1" lang="ru-RU" sz="3600" spc="-1" strike="noStrike">
+              <a:rPr b="1" lang="en-US" sz="3600" spc="-1" strike="noStrike">
                 <a:solidFill>
                   <a:srgbClr val="e9d596"/>
                 </a:solidFill>
@@ -4942,33 +4562,34 @@
                   </a:solidFill>
                 </a:uFill>
                 <a:latin typeface="Lucida Sans"/>
+                <a:ea typeface="DejaVu Sans"/>
               </a:rPr>
-              <a:t>Программа разложения временного процесса в тригонометрический ряд</a:t>
+              <a:t>Усовершенствованный метод Эйлера.</a:t>
             </a:r>
-            <a:endParaRPr b="0" lang="ru-RU" sz="1800" spc="-1" strike="noStrike">
-              <a:solidFill>
-                <a:srgbClr val="ffffff"/>
-              </a:solidFill>
-              <a:uFill>
-                <a:solidFill>
-                  <a:srgbClr val="ffffff"/>
-                </a:solidFill>
-              </a:uFill>
-              <a:latin typeface="Book Antiqua"/>
-            </a:endParaRPr>
-          </a:p>
-        </p:txBody>
-      </p:sp>
-      <p:sp>
-        <p:nvSpPr>
-          <p:cNvPr id="88" name="TextShape 2"/>
-          <p:cNvSpPr txBox="1"/>
+            <a:endParaRPr b="0" lang="en-US" sz="1800" spc="-1" strike="noStrike">
+              <a:solidFill>
+                <a:srgbClr val="000000"/>
+              </a:solidFill>
+              <a:uFill>
+                <a:solidFill>
+                  <a:srgbClr val="ffffff"/>
+                </a:solidFill>
+              </a:uFill>
+              <a:latin typeface="Arial"/>
+            </a:endParaRPr>
+          </a:p>
+        </p:txBody>
+      </p:sp>
+      <p:sp>
+        <p:nvSpPr>
+          <p:cNvPr id="82" name="CustomShape 2"/>
+          <p:cNvSpPr/>
           <p:nvPr/>
         </p:nvSpPr>
         <p:spPr>
           <a:xfrm>
             <a:off x="428760" y="1928880"/>
-            <a:ext cx="8400600" cy="4389120"/>
+            <a:ext cx="8398440" cy="4386960"/>
           </a:xfrm>
           <a:prstGeom prst="rect">
             <a:avLst/>
@@ -4978,6 +4599,12 @@
             <a:noFill/>
           </a:ln>
         </p:spPr>
+        <p:style>
+          <a:lnRef idx="0"/>
+          <a:fillRef idx="0"/>
+          <a:effectRef idx="0"/>
+          <a:fontRef idx="minor"/>
+        </p:style>
         <p:txBody>
           <a:bodyPr lIns="90000" rIns="90000" tIns="45000" bIns="45000"/>
           <a:p>
@@ -4987,7 +4614,7 @@
               </a:lnSpc>
             </a:pPr>
             <a:r>
-              <a:rPr b="0" lang="ru-RU" sz="1800" spc="-1" strike="noStrike">
+              <a:rPr b="0" lang="en-US" sz="1400" spc="-1" strike="noStrike">
                 <a:solidFill>
                   <a:srgbClr val="ffffff"/>
                 </a:solidFill>
@@ -4997,19 +4624,35 @@
                   </a:solidFill>
                 </a:uFill>
                 <a:latin typeface="Book Antiqua"/>
+                <a:ea typeface="DejaVu Sans"/>
               </a:rPr>
-              <a:t>Данная программа позволяет получить численные значения, описываемые следующей функциональной зависимостью </a:t>
+              <a:t>    </a:t>
             </a:r>
-            <a:endParaRPr b="0" lang="ru-RU" sz="2800" spc="-1" strike="noStrike">
-              <a:solidFill>
-                <a:srgbClr val="ffffff"/>
-              </a:solidFill>
-              <a:uFill>
-                <a:solidFill>
-                  <a:srgbClr val="ffffff"/>
-                </a:solidFill>
-              </a:uFill>
-              <a:latin typeface="Book Antiqua"/>
+            <a:r>
+              <a:rPr b="0" lang="en-US" sz="1400" spc="-1" strike="noStrike">
+                <a:solidFill>
+                  <a:srgbClr val="ffffff"/>
+                </a:solidFill>
+                <a:uFill>
+                  <a:solidFill>
+                    <a:srgbClr val="ffffff"/>
+                  </a:solidFill>
+                </a:uFill>
+                <a:latin typeface="Book Antiqua"/>
+                <a:ea typeface="DejaVu Sans"/>
+              </a:rPr>
+              <a:t>Повысить точность и устойчивость вычисления решения можно с помощью неявного метода Эйлера следующего вида. Прогноз:</a:t>
+            </a:r>
+            <a:endParaRPr b="0" lang="en-US" sz="1800" spc="-1" strike="noStrike">
+              <a:solidFill>
+                <a:srgbClr val="000000"/>
+              </a:solidFill>
+              <a:uFill>
+                <a:solidFill>
+                  <a:srgbClr val="ffffff"/>
+                </a:solidFill>
+              </a:uFill>
+              <a:latin typeface="Arial"/>
             </a:endParaRPr>
           </a:p>
           <a:p>
@@ -5018,16 +4661,16 @@
                 <a:spcPct val="150000"/>
               </a:lnSpc>
             </a:pPr>
-            <a:endParaRPr b="0" lang="ru-RU" sz="2800" spc="-1" strike="noStrike">
-              <a:solidFill>
-                <a:srgbClr val="ffffff"/>
-              </a:solidFill>
-              <a:uFill>
-                <a:solidFill>
-                  <a:srgbClr val="ffffff"/>
-                </a:solidFill>
-              </a:uFill>
-              <a:latin typeface="Book Antiqua"/>
+            <a:endParaRPr b="0" lang="en-US" sz="1800" spc="-1" strike="noStrike">
+              <a:solidFill>
+                <a:srgbClr val="000000"/>
+              </a:solidFill>
+              <a:uFill>
+                <a:solidFill>
+                  <a:srgbClr val="ffffff"/>
+                </a:solidFill>
+              </a:uFill>
+              <a:latin typeface="Arial"/>
             </a:endParaRPr>
           </a:p>
           <a:p>
@@ -5036,16 +4679,34 @@
                 <a:spcPct val="150000"/>
               </a:lnSpc>
             </a:pPr>
-            <a:endParaRPr b="0" lang="ru-RU" sz="2800" spc="-1" strike="noStrike">
-              <a:solidFill>
-                <a:srgbClr val="ffffff"/>
-              </a:solidFill>
-              <a:uFill>
-                <a:solidFill>
-                  <a:srgbClr val="ffffff"/>
-                </a:solidFill>
-              </a:uFill>
-              <a:latin typeface="Book Antiqua"/>
+            <a:endParaRPr b="0" lang="en-US" sz="1800" spc="-1" strike="noStrike">
+              <a:solidFill>
+                <a:srgbClr val="000000"/>
+              </a:solidFill>
+              <a:uFill>
+                <a:solidFill>
+                  <a:srgbClr val="ffffff"/>
+                </a:solidFill>
+              </a:uFill>
+              <a:latin typeface="Arial"/>
+            </a:endParaRPr>
+          </a:p>
+          <a:p>
+            <a:pPr>
+              <a:lnSpc>
+                <a:spcPct val="150000"/>
+              </a:lnSpc>
+            </a:pPr>
+            <a:endParaRPr b="0" lang="en-US" sz="1800" spc="-1" strike="noStrike">
+              <a:solidFill>
+                <a:srgbClr val="000000"/>
+              </a:solidFill>
+              <a:uFill>
+                <a:solidFill>
+                  <a:srgbClr val="ffffff"/>
+                </a:solidFill>
+              </a:uFill>
+              <a:latin typeface="Arial"/>
             </a:endParaRPr>
           </a:p>
           <a:p>
@@ -5055,7 +4716,7 @@
               </a:lnSpc>
             </a:pPr>
             <a:r>
-              <a:rPr b="0" lang="ru-RU" sz="1800" spc="-1" strike="noStrike">
+              <a:rPr b="0" lang="en-US" sz="1400" spc="-1" strike="noStrike">
                 <a:solidFill>
                   <a:srgbClr val="ffffff"/>
                 </a:solidFill>
@@ -5065,19 +4726,20 @@
                   </a:solidFill>
                 </a:uFill>
                 <a:latin typeface="Book Antiqua"/>
+                <a:ea typeface="DejaVu Sans"/>
               </a:rPr>
-              <a:t>при заданных начальных данных</a:t>
+              <a:t>Коррекция:</a:t>
             </a:r>
-            <a:endParaRPr b="0" lang="ru-RU" sz="2800" spc="-1" strike="noStrike">
-              <a:solidFill>
-                <a:srgbClr val="ffffff"/>
-              </a:solidFill>
-              <a:uFill>
-                <a:solidFill>
-                  <a:srgbClr val="ffffff"/>
-                </a:solidFill>
-              </a:uFill>
-              <a:latin typeface="Book Antiqua"/>
+            <a:endParaRPr b="0" lang="en-US" sz="1800" spc="-1" strike="noStrike">
+              <a:solidFill>
+                <a:srgbClr val="000000"/>
+              </a:solidFill>
+              <a:uFill>
+                <a:solidFill>
+                  <a:srgbClr val="ffffff"/>
+                </a:solidFill>
+              </a:uFill>
+              <a:latin typeface="Arial"/>
             </a:endParaRPr>
           </a:p>
           <a:p>
@@ -5086,16 +4748,34 @@
                 <a:spcPct val="150000"/>
               </a:lnSpc>
             </a:pPr>
-            <a:endParaRPr b="0" lang="ru-RU" sz="2800" spc="-1" strike="noStrike">
-              <a:solidFill>
-                <a:srgbClr val="ffffff"/>
-              </a:solidFill>
-              <a:uFill>
-                <a:solidFill>
-                  <a:srgbClr val="ffffff"/>
-                </a:solidFill>
-              </a:uFill>
-              <a:latin typeface="Book Antiqua"/>
+            <a:endParaRPr b="0" lang="en-US" sz="1800" spc="-1" strike="noStrike">
+              <a:solidFill>
+                <a:srgbClr val="000000"/>
+              </a:solidFill>
+              <a:uFill>
+                <a:solidFill>
+                  <a:srgbClr val="ffffff"/>
+                </a:solidFill>
+              </a:uFill>
+              <a:latin typeface="Arial"/>
+            </a:endParaRPr>
+          </a:p>
+          <a:p>
+            <a:pPr>
+              <a:lnSpc>
+                <a:spcPct val="150000"/>
+              </a:lnSpc>
+            </a:pPr>
+            <a:endParaRPr b="0" lang="en-US" sz="1800" spc="-1" strike="noStrike">
+              <a:solidFill>
+                <a:srgbClr val="000000"/>
+              </a:solidFill>
+              <a:uFill>
+                <a:solidFill>
+                  <a:srgbClr val="ffffff"/>
+                </a:solidFill>
+              </a:uFill>
+              <a:latin typeface="Arial"/>
             </a:endParaRPr>
           </a:p>
           <a:p>
@@ -5105,7 +4785,7 @@
               </a:lnSpc>
             </a:pPr>
             <a:r>
-              <a:rPr b="0" lang="ru-RU" sz="1800" spc="-1" strike="noStrike">
+              <a:rPr b="0" lang="en-US" sz="1600" spc="-1" strike="noStrike">
                 <a:solidFill>
                   <a:srgbClr val="ffffff"/>
                 </a:solidFill>
@@ -5115,51 +4795,67 @@
                   </a:solidFill>
                 </a:uFill>
                 <a:latin typeface="Book Antiqua"/>
+                <a:ea typeface="DejaVu Sans"/>
               </a:rPr>
-              <a:t>Результаты отображаются в виде таблицы и графиков, совмещенных в одной системе координат.</a:t>
+              <a:t>    </a:t>
             </a:r>
-            <a:endParaRPr b="0" lang="ru-RU" sz="2800" spc="-1" strike="noStrike">
-              <a:solidFill>
-                <a:srgbClr val="ffffff"/>
-              </a:solidFill>
-              <a:uFill>
-                <a:solidFill>
-                  <a:srgbClr val="ffffff"/>
-                </a:solidFill>
-              </a:uFill>
-              <a:latin typeface="Book Antiqua"/>
-            </a:endParaRPr>
-          </a:p>
-          <a:p>
-            <a:pPr marL="548640" indent="-411120">
+            <a:r>
+              <a:rPr b="0" lang="en-US" sz="1600" spc="-1" strike="noStrike">
+                <a:solidFill>
+                  <a:srgbClr val="ffffff"/>
+                </a:solidFill>
+                <a:uFill>
+                  <a:solidFill>
+                    <a:srgbClr val="ffffff"/>
+                  </a:solidFill>
+                </a:uFill>
+                <a:latin typeface="Book Antiqua"/>
+                <a:ea typeface="DejaVu Sans"/>
+              </a:rPr>
+              <a:t>Модифицированный метод Эйлера с пересчетом имеет второй порядок точности, однако для его реализации необходимо как минимум дважды вычислять f(x,y). Метод Эйлера с пересчетом представляет собой разновидность методов Рунге-Кутты (предиктор-корректор).</a:t>
+            </a:r>
+            <a:endParaRPr b="0" lang="en-US" sz="1800" spc="-1" strike="noStrike">
+              <a:solidFill>
+                <a:srgbClr val="000000"/>
+              </a:solidFill>
+              <a:uFill>
+                <a:solidFill>
+                  <a:srgbClr val="ffffff"/>
+                </a:solidFill>
+              </a:uFill>
+              <a:latin typeface="Arial"/>
+            </a:endParaRPr>
+          </a:p>
+          <a:p>
+            <a:pPr marL="548640" indent="-408960">
               <a:lnSpc>
                 <a:spcPct val="150000"/>
               </a:lnSpc>
             </a:pPr>
-            <a:endParaRPr b="0" lang="ru-RU" sz="2800" spc="-1" strike="noStrike">
-              <a:solidFill>
-                <a:srgbClr val="ffffff"/>
-              </a:solidFill>
-              <a:uFill>
-                <a:solidFill>
-                  <a:srgbClr val="ffffff"/>
-                </a:solidFill>
-              </a:uFill>
-              <a:latin typeface="Book Antiqua"/>
-            </a:endParaRPr>
-          </a:p>
-        </p:txBody>
-      </p:sp>
-      <p:sp>
-        <p:nvSpPr>
-          <p:cNvPr id="89" name="CustomShape 3"/>
+            <a:endParaRPr b="0" lang="en-US" sz="1800" spc="-1" strike="noStrike">
+              <a:solidFill>
+                <a:srgbClr val="000000"/>
+              </a:solidFill>
+              <a:uFill>
+                <a:solidFill>
+                  <a:srgbClr val="ffffff"/>
+                </a:solidFill>
+              </a:uFill>
+              <a:latin typeface="Arial"/>
+            </a:endParaRPr>
+          </a:p>
+        </p:txBody>
+      </p:sp>
+      <p:sp>
+        <p:nvSpPr>
+          <p:cNvPr id="83" name="CustomShape 3"/>
           <p:cNvSpPr/>
           <p:nvPr/>
         </p:nvSpPr>
         <p:spPr>
           <a:xfrm>
             <a:off x="0" y="0"/>
-            <a:ext cx="9143640" cy="360"/>
+            <a:ext cx="9141480" cy="360"/>
           </a:xfrm>
           <a:prstGeom prst="rect">
             <a:avLst/>
@@ -5178,14 +4874,14 @@
       </p:sp>
       <p:sp>
         <p:nvSpPr>
-          <p:cNvPr id="90" name="CustomShape 4"/>
+          <p:cNvPr id="84" name="CustomShape 4"/>
           <p:cNvSpPr/>
           <p:nvPr/>
         </p:nvSpPr>
         <p:spPr>
           <a:xfrm>
             <a:off x="0" y="0"/>
-            <a:ext cx="9143640" cy="360"/>
+            <a:ext cx="9141480" cy="360"/>
           </a:xfrm>
           <a:prstGeom prst="rect">
             <a:avLst/>
@@ -5204,7 +4900,7 @@
       </p:sp>
       <p:pic>
         <p:nvPicPr>
-          <p:cNvPr id="91" name="" descr=""/>
+          <p:cNvPr id="85" name="" descr=""/>
           <p:cNvPicPr/>
           <p:nvPr/>
         </p:nvPicPr>
@@ -5214,8 +4910,8 @@
         </p:blipFill>
         <p:spPr>
           <a:xfrm>
-            <a:off x="2425680" y="3137040"/>
-            <a:ext cx="3390840" cy="635040"/>
+            <a:off x="3108960" y="2823480"/>
+            <a:ext cx="2893320" cy="559800"/>
           </a:xfrm>
           <a:prstGeom prst="rect">
             <a:avLst/>
@@ -5227,7 +4923,7 @@
       </p:pic>
       <p:pic>
         <p:nvPicPr>
-          <p:cNvPr id="92" name="" descr=""/>
+          <p:cNvPr id="86" name="" descr=""/>
           <p:cNvPicPr/>
           <p:nvPr/>
         </p:nvPicPr>
@@ -5237,8 +4933,8 @@
         </p:blipFill>
         <p:spPr>
           <a:xfrm>
-            <a:off x="1778040" y="4495680"/>
-            <a:ext cx="3301920" cy="457200"/>
+            <a:off x="2777760" y="4023360"/>
+            <a:ext cx="3531600" cy="521640"/>
           </a:xfrm>
           <a:prstGeom prst="rect">
             <a:avLst/>
@@ -5299,14 +4995,14 @@
       </p:grpSpPr>
       <p:sp>
         <p:nvSpPr>
-          <p:cNvPr id="93" name="TextShape 1"/>
-          <p:cNvSpPr txBox="1"/>
+          <p:cNvPr id="87" name="CustomShape 1"/>
+          <p:cNvSpPr/>
           <p:nvPr/>
         </p:nvSpPr>
         <p:spPr>
           <a:xfrm>
             <a:off x="642960" y="571680"/>
-            <a:ext cx="7829280" cy="632880"/>
+            <a:ext cx="7827120" cy="630720"/>
           </a:xfrm>
           <a:prstGeom prst="rect">
             <a:avLst/>
@@ -5316,6 +5012,12 @@
             <a:noFill/>
           </a:ln>
         </p:spPr>
+        <p:style>
+          <a:lnRef idx="0"/>
+          <a:fillRef idx="0"/>
+          <a:effectRef idx="0"/>
+          <a:fontRef idx="minor"/>
+        </p:style>
         <p:txBody>
           <a:bodyPr lIns="90000" rIns="90000" tIns="45000" bIns="45000" anchor="ctr"/>
           <a:p>
@@ -5325,7 +5027,7 @@
               </a:lnSpc>
             </a:pPr>
             <a:r>
-              <a:rPr b="1" lang="ru-RU" sz="4100" spc="-1" strike="noStrike">
+              <a:rPr b="1" lang="en-US" sz="4100" spc="-1" strike="noStrike">
                 <a:solidFill>
                   <a:srgbClr val="e9d596"/>
                 </a:solidFill>
@@ -5335,26 +5037,27 @@
                   </a:solidFill>
                 </a:uFill>
                 <a:latin typeface="Lucida Sans"/>
+                <a:ea typeface="DejaVu Sans"/>
               </a:rPr>
               <a:t>Графическое отображение</a:t>
             </a:r>
-            <a:endParaRPr b="0" lang="ru-RU" sz="1800" spc="-1" strike="noStrike">
-              <a:solidFill>
-                <a:srgbClr val="ffffff"/>
-              </a:solidFill>
-              <a:uFill>
-                <a:solidFill>
-                  <a:srgbClr val="ffffff"/>
-                </a:solidFill>
-              </a:uFill>
-              <a:latin typeface="Book Antiqua"/>
+            <a:endParaRPr b="0" lang="en-US" sz="1800" spc="-1" strike="noStrike">
+              <a:solidFill>
+                <a:srgbClr val="000000"/>
+              </a:solidFill>
+              <a:uFill>
+                <a:solidFill>
+                  <a:srgbClr val="ffffff"/>
+                </a:solidFill>
+              </a:uFill>
+              <a:latin typeface="Arial"/>
             </a:endParaRPr>
           </a:p>
         </p:txBody>
       </p:sp>
       <p:pic>
         <p:nvPicPr>
-          <p:cNvPr id="94" name="Picture 2" descr=""/>
+          <p:cNvPr id="88" name="" descr=""/>
           <p:cNvPicPr/>
           <p:nvPr/>
         </p:nvPicPr>
@@ -5364,8 +5067,8 @@
         </p:blipFill>
         <p:spPr>
           <a:xfrm>
-            <a:off x="642960" y="1143000"/>
-            <a:ext cx="8132400" cy="5409720"/>
+            <a:off x="1399320" y="1790280"/>
+            <a:ext cx="6403320" cy="4334400"/>
           </a:xfrm>
           <a:prstGeom prst="rect">
             <a:avLst/>
@@ -5426,14 +5129,14 @@
       </p:grpSpPr>
       <p:sp>
         <p:nvSpPr>
-          <p:cNvPr id="95" name="TextShape 1"/>
-          <p:cNvSpPr txBox="1"/>
+          <p:cNvPr id="89" name="CustomShape 1"/>
+          <p:cNvSpPr/>
           <p:nvPr/>
         </p:nvSpPr>
         <p:spPr>
           <a:xfrm>
             <a:off x="457200" y="274680"/>
-            <a:ext cx="8229240" cy="1142640"/>
+            <a:ext cx="8227080" cy="1140480"/>
           </a:xfrm>
           <a:prstGeom prst="rect">
             <a:avLst/>
@@ -5443,6 +5146,12 @@
             <a:noFill/>
           </a:ln>
         </p:spPr>
+        <p:style>
+          <a:lnRef idx="0"/>
+          <a:fillRef idx="0"/>
+          <a:effectRef idx="0"/>
+          <a:fontRef idx="minor"/>
+        </p:style>
         <p:txBody>
           <a:bodyPr lIns="90000" rIns="90000" tIns="45000" bIns="45000" anchor="ctr"/>
           <a:p>
@@ -5452,7 +5161,7 @@
               </a:lnSpc>
             </a:pPr>
             <a:r>
-              <a:rPr b="1" lang="ru-RU" sz="4100" spc="-1" strike="noStrike">
+              <a:rPr b="1" lang="en-US" sz="4100" spc="-1" strike="noStrike">
                 <a:solidFill>
                   <a:srgbClr val="e9d596"/>
                 </a:solidFill>
@@ -5462,33 +5171,34 @@
                   </a:solidFill>
                 </a:uFill>
                 <a:latin typeface="Lucida Sans"/>
+                <a:ea typeface="DejaVu Sans"/>
               </a:rPr>
               <a:t>Выводы</a:t>
             </a:r>
-            <a:endParaRPr b="0" lang="ru-RU" sz="1800" spc="-1" strike="noStrike">
-              <a:solidFill>
-                <a:srgbClr val="ffffff"/>
-              </a:solidFill>
-              <a:uFill>
-                <a:solidFill>
-                  <a:srgbClr val="ffffff"/>
-                </a:solidFill>
-              </a:uFill>
-              <a:latin typeface="Book Antiqua"/>
-            </a:endParaRPr>
-          </a:p>
-        </p:txBody>
-      </p:sp>
-      <p:sp>
-        <p:nvSpPr>
-          <p:cNvPr id="96" name="TextShape 2"/>
-          <p:cNvSpPr txBox="1"/>
+            <a:endParaRPr b="0" lang="en-US" sz="1800" spc="-1" strike="noStrike">
+              <a:solidFill>
+                <a:srgbClr val="000000"/>
+              </a:solidFill>
+              <a:uFill>
+                <a:solidFill>
+                  <a:srgbClr val="ffffff"/>
+                </a:solidFill>
+              </a:uFill>
+              <a:latin typeface="Arial"/>
+            </a:endParaRPr>
+          </a:p>
+        </p:txBody>
+      </p:sp>
+      <p:sp>
+        <p:nvSpPr>
+          <p:cNvPr id="90" name="CustomShape 2"/>
+          <p:cNvSpPr/>
           <p:nvPr/>
         </p:nvSpPr>
         <p:spPr>
           <a:xfrm>
             <a:off x="457200" y="1600200"/>
-            <a:ext cx="8229240" cy="4708800"/>
+            <a:ext cx="8227080" cy="4706640"/>
           </a:xfrm>
           <a:prstGeom prst="rect">
             <a:avLst/>
@@ -5498,16 +5208,22 @@
             <a:noFill/>
           </a:ln>
         </p:spPr>
+        <p:style>
+          <a:lnRef idx="0"/>
+          <a:fillRef idx="0"/>
+          <a:effectRef idx="0"/>
+          <a:fontRef idx="minor"/>
+        </p:style>
         <p:txBody>
           <a:bodyPr lIns="90000" rIns="90000" tIns="45000" bIns="45000"/>
           <a:p>
-            <a:pPr marL="548640" indent="-411120">
+            <a:pPr marL="548640" indent="-408960">
               <a:lnSpc>
                 <a:spcPct val="150000"/>
               </a:lnSpc>
             </a:pPr>
             <a:r>
-              <a:rPr b="0" lang="ru-RU" sz="1800" spc="-1" strike="noStrike">
+              <a:rPr b="0" lang="en-US" sz="1800" spc="-1" strike="noStrike">
                 <a:solidFill>
                   <a:srgbClr val="ffffff"/>
                 </a:solidFill>
@@ -5517,23 +5233,24 @@
                   </a:solidFill>
                 </a:uFill>
                 <a:latin typeface="Book Antiqua"/>
+                <a:ea typeface="DejaVu Sans"/>
               </a:rPr>
               <a:t>В ходе выполнения курсовой работы:</a:t>
             </a:r>
-            <a:endParaRPr b="0" lang="ru-RU" sz="2800" spc="-1" strike="noStrike">
-              <a:solidFill>
-                <a:srgbClr val="ffffff"/>
-              </a:solidFill>
-              <a:uFill>
-                <a:solidFill>
-                  <a:srgbClr val="ffffff"/>
-                </a:solidFill>
-              </a:uFill>
-              <a:latin typeface="Book Antiqua"/>
-            </a:endParaRPr>
-          </a:p>
-          <a:p>
-            <a:pPr marL="548640" indent="-411120">
+            <a:endParaRPr b="0" lang="en-US" sz="1800" spc="-1" strike="noStrike">
+              <a:solidFill>
+                <a:srgbClr val="000000"/>
+              </a:solidFill>
+              <a:uFill>
+                <a:solidFill>
+                  <a:srgbClr val="ffffff"/>
+                </a:solidFill>
+              </a:uFill>
+              <a:latin typeface="Arial"/>
+            </a:endParaRPr>
+          </a:p>
+          <a:p>
+            <a:pPr marL="548640" indent="-408960">
               <a:lnSpc>
                 <a:spcPct val="150000"/>
               </a:lnSpc>
@@ -5545,7 +5262,7 @@
               <a:buChar char=""/>
             </a:pPr>
             <a:r>
-              <a:rPr b="0" lang="ru-RU" sz="1800" spc="-1" strike="noStrike">
+              <a:rPr b="0" lang="en-US" sz="1800" spc="-1" strike="noStrike">
                 <a:solidFill>
                   <a:srgbClr val="ffffff"/>
                 </a:solidFill>
@@ -5555,23 +5272,24 @@
                   </a:solidFill>
                 </a:uFill>
                 <a:latin typeface="Book Antiqua"/>
+                <a:ea typeface="DejaVu Sans"/>
               </a:rPr>
               <a:t>были закреплены знания по курсу «Конструирование программ и языки программирования»;</a:t>
             </a:r>
-            <a:endParaRPr b="0" lang="ru-RU" sz="2800" spc="-1" strike="noStrike">
-              <a:solidFill>
-                <a:srgbClr val="ffffff"/>
-              </a:solidFill>
-              <a:uFill>
-                <a:solidFill>
-                  <a:srgbClr val="ffffff"/>
-                </a:solidFill>
-              </a:uFill>
-              <a:latin typeface="Book Antiqua"/>
-            </a:endParaRPr>
-          </a:p>
-          <a:p>
-            <a:pPr marL="548640" indent="-411120">
+            <a:endParaRPr b="0" lang="en-US" sz="1800" spc="-1" strike="noStrike">
+              <a:solidFill>
+                <a:srgbClr val="000000"/>
+              </a:solidFill>
+              <a:uFill>
+                <a:solidFill>
+                  <a:srgbClr val="ffffff"/>
+                </a:solidFill>
+              </a:uFill>
+              <a:latin typeface="Arial"/>
+            </a:endParaRPr>
+          </a:p>
+          <a:p>
+            <a:pPr marL="548640" indent="-408960">
               <a:lnSpc>
                 <a:spcPct val="150000"/>
               </a:lnSpc>
@@ -5583,7 +5301,7 @@
               <a:buChar char=""/>
             </a:pPr>
             <a:r>
-              <a:rPr b="0" lang="ru-RU" sz="1800" spc="-1" strike="noStrike">
+              <a:rPr b="0" lang="en-US" sz="1800" spc="-1" strike="noStrike">
                 <a:solidFill>
                   <a:srgbClr val="ffffff"/>
                 </a:solidFill>
@@ -5593,23 +5311,24 @@
                   </a:solidFill>
                 </a:uFill>
                 <a:latin typeface="Book Antiqua"/>
+                <a:ea typeface="DejaVu Sans"/>
               </a:rPr>
               <a:t>приобретен опыт при разработке объектно-ориентированных программ;</a:t>
             </a:r>
-            <a:endParaRPr b="0" lang="ru-RU" sz="2800" spc="-1" strike="noStrike">
-              <a:solidFill>
-                <a:srgbClr val="ffffff"/>
-              </a:solidFill>
-              <a:uFill>
-                <a:solidFill>
-                  <a:srgbClr val="ffffff"/>
-                </a:solidFill>
-              </a:uFill>
-              <a:latin typeface="Book Antiqua"/>
-            </a:endParaRPr>
-          </a:p>
-          <a:p>
-            <a:pPr marL="548640" indent="-411120">
+            <a:endParaRPr b="0" lang="en-US" sz="1800" spc="-1" strike="noStrike">
+              <a:solidFill>
+                <a:srgbClr val="000000"/>
+              </a:solidFill>
+              <a:uFill>
+                <a:solidFill>
+                  <a:srgbClr val="ffffff"/>
+                </a:solidFill>
+              </a:uFill>
+              <a:latin typeface="Arial"/>
+            </a:endParaRPr>
+          </a:p>
+          <a:p>
+            <a:pPr marL="548640" indent="-408960">
               <a:lnSpc>
                 <a:spcPct val="150000"/>
               </a:lnSpc>
@@ -5621,7 +5340,7 @@
               <a:buChar char=""/>
             </a:pPr>
             <a:r>
-              <a:rPr b="0" lang="ru-RU" sz="1800" spc="-1" strike="noStrike">
+              <a:rPr b="0" lang="en-US" sz="1800" spc="-1" strike="noStrike">
                 <a:solidFill>
                   <a:srgbClr val="ffffff"/>
                 </a:solidFill>
@@ -5631,23 +5350,24 @@
                   </a:solidFill>
                 </a:uFill>
                 <a:latin typeface="Book Antiqua"/>
+                <a:ea typeface="DejaVu Sans"/>
               </a:rPr>
               <a:t>изучены принципы создания динамических библиотек;</a:t>
             </a:r>
-            <a:endParaRPr b="0" lang="ru-RU" sz="2800" spc="-1" strike="noStrike">
-              <a:solidFill>
-                <a:srgbClr val="ffffff"/>
-              </a:solidFill>
-              <a:uFill>
-                <a:solidFill>
-                  <a:srgbClr val="ffffff"/>
-                </a:solidFill>
-              </a:uFill>
-              <a:latin typeface="Book Antiqua"/>
-            </a:endParaRPr>
-          </a:p>
-          <a:p>
-            <a:pPr marL="548640" indent="-411120">
+            <a:endParaRPr b="0" lang="en-US" sz="1800" spc="-1" strike="noStrike">
+              <a:solidFill>
+                <a:srgbClr val="000000"/>
+              </a:solidFill>
+              <a:uFill>
+                <a:solidFill>
+                  <a:srgbClr val="ffffff"/>
+                </a:solidFill>
+              </a:uFill>
+              <a:latin typeface="Arial"/>
+            </a:endParaRPr>
+          </a:p>
+          <a:p>
+            <a:pPr marL="548640" indent="-408960">
               <a:lnSpc>
                 <a:spcPct val="150000"/>
               </a:lnSpc>
@@ -5659,7 +5379,7 @@
               <a:buChar char=""/>
             </a:pPr>
             <a:r>
-              <a:rPr b="0" lang="ru-RU" sz="1800" spc="-1" strike="noStrike">
+              <a:rPr b="0" lang="en-US" sz="1800" spc="-1" strike="noStrike">
                 <a:solidFill>
                   <a:srgbClr val="ffffff"/>
                 </a:solidFill>
@@ -5669,23 +5389,24 @@
                   </a:solidFill>
                 </a:uFill>
                 <a:latin typeface="Book Antiqua"/>
+                <a:ea typeface="DejaVu Sans"/>
               </a:rPr>
               <a:t>изучены и реализованы способы создания клиент-серверных приложений на базе COM-технологий;</a:t>
             </a:r>
-            <a:endParaRPr b="0" lang="ru-RU" sz="2800" spc="-1" strike="noStrike">
-              <a:solidFill>
-                <a:srgbClr val="ffffff"/>
-              </a:solidFill>
-              <a:uFill>
-                <a:solidFill>
-                  <a:srgbClr val="ffffff"/>
-                </a:solidFill>
-              </a:uFill>
-              <a:latin typeface="Book Antiqua"/>
-            </a:endParaRPr>
-          </a:p>
-          <a:p>
-            <a:pPr marL="548640" indent="-411120">
+            <a:endParaRPr b="0" lang="en-US" sz="1800" spc="-1" strike="noStrike">
+              <a:solidFill>
+                <a:srgbClr val="000000"/>
+              </a:solidFill>
+              <a:uFill>
+                <a:solidFill>
+                  <a:srgbClr val="ffffff"/>
+                </a:solidFill>
+              </a:uFill>
+              <a:latin typeface="Arial"/>
+            </a:endParaRPr>
+          </a:p>
+          <a:p>
+            <a:pPr marL="548640" indent="-408960">
               <a:lnSpc>
                 <a:spcPct val="150000"/>
               </a:lnSpc>
@@ -5697,7 +5418,7 @@
               <a:buChar char=""/>
             </a:pPr>
             <a:r>
-              <a:rPr b="0" lang="ru-RU" sz="1800" spc="-1" strike="noStrike">
+              <a:rPr b="0" lang="en-US" sz="1800" spc="-1" strike="noStrike">
                 <a:solidFill>
                   <a:srgbClr val="ffffff"/>
                 </a:solidFill>
@@ -5707,23 +5428,24 @@
                   </a:solidFill>
                 </a:uFill>
                 <a:latin typeface="Book Antiqua"/>
+                <a:ea typeface="DejaVu Sans"/>
               </a:rPr>
               <a:t>освоены методы передачи данных между приложениями;</a:t>
             </a:r>
-            <a:endParaRPr b="0" lang="ru-RU" sz="2800" spc="-1" strike="noStrike">
-              <a:solidFill>
-                <a:srgbClr val="ffffff"/>
-              </a:solidFill>
-              <a:uFill>
-                <a:solidFill>
-                  <a:srgbClr val="ffffff"/>
-                </a:solidFill>
-              </a:uFill>
-              <a:latin typeface="Book Antiqua"/>
-            </a:endParaRPr>
-          </a:p>
-          <a:p>
-            <a:pPr marL="548640" indent="-411120">
+            <a:endParaRPr b="0" lang="en-US" sz="1800" spc="-1" strike="noStrike">
+              <a:solidFill>
+                <a:srgbClr val="000000"/>
+              </a:solidFill>
+              <a:uFill>
+                <a:solidFill>
+                  <a:srgbClr val="ffffff"/>
+                </a:solidFill>
+              </a:uFill>
+              <a:latin typeface="Arial"/>
+            </a:endParaRPr>
+          </a:p>
+          <a:p>
+            <a:pPr marL="548640" indent="-408960">
               <a:lnSpc>
                 <a:spcPct val="150000"/>
               </a:lnSpc>
@@ -5735,7 +5457,7 @@
               <a:buChar char=""/>
             </a:pPr>
             <a:r>
-              <a:rPr b="0" lang="ru-RU" sz="1800" spc="-1" strike="noStrike">
+              <a:rPr b="0" lang="en-US" sz="1800" spc="-1" strike="noStrike">
                 <a:solidFill>
                   <a:srgbClr val="ffffff"/>
                 </a:solidFill>
@@ -5745,19 +5467,20 @@
                   </a:solidFill>
                 </a:uFill>
                 <a:latin typeface="Book Antiqua"/>
+                <a:ea typeface="DejaVu Sans"/>
               </a:rPr>
               <a:t>изучены возможности создания справочной системой высокой степени сложности и различных форматов.</a:t>
             </a:r>
-            <a:endParaRPr b="0" lang="ru-RU" sz="2800" spc="-1" strike="noStrike">
-              <a:solidFill>
-                <a:srgbClr val="ffffff"/>
-              </a:solidFill>
-              <a:uFill>
-                <a:solidFill>
-                  <a:srgbClr val="ffffff"/>
-                </a:solidFill>
-              </a:uFill>
-              <a:latin typeface="Book Antiqua"/>
+            <a:endParaRPr b="0" lang="en-US" sz="1800" spc="-1" strike="noStrike">
+              <a:solidFill>
+                <a:srgbClr val="000000"/>
+              </a:solidFill>
+              <a:uFill>
+                <a:solidFill>
+                  <a:srgbClr val="ffffff"/>
+                </a:solidFill>
+              </a:uFill>
+              <a:latin typeface="Arial"/>
             </a:endParaRPr>
           </a:p>
         </p:txBody>
@@ -5813,14 +5536,14 @@
       </p:grpSpPr>
       <p:sp>
         <p:nvSpPr>
-          <p:cNvPr id="97" name="TextShape 1"/>
-          <p:cNvSpPr txBox="1"/>
+          <p:cNvPr id="91" name="CustomShape 1"/>
+          <p:cNvSpPr/>
           <p:nvPr/>
         </p:nvSpPr>
         <p:spPr>
           <a:xfrm>
             <a:off x="457200" y="274680"/>
-            <a:ext cx="8229240" cy="1142640"/>
+            <a:ext cx="8227080" cy="1140480"/>
           </a:xfrm>
           <a:prstGeom prst="rect">
             <a:avLst/>
@@ -5830,6 +5553,12 @@
             <a:noFill/>
           </a:ln>
         </p:spPr>
+        <p:style>
+          <a:lnRef idx="0"/>
+          <a:fillRef idx="0"/>
+          <a:effectRef idx="0"/>
+          <a:fontRef idx="minor"/>
+        </p:style>
         <p:txBody>
           <a:bodyPr lIns="90000" rIns="90000" tIns="45000" bIns="45000" anchor="ctr"/>
           <a:p>
@@ -5839,7 +5568,7 @@
               </a:lnSpc>
             </a:pPr>
             <a:r>
-              <a:rPr b="1" lang="ru-RU" sz="4100" spc="-1" strike="noStrike">
+              <a:rPr b="1" lang="en-US" sz="4100" spc="-1" strike="noStrike">
                 <a:solidFill>
                   <a:srgbClr val="e9d596"/>
                 </a:solidFill>
@@ -5849,33 +5578,34 @@
                   </a:solidFill>
                 </a:uFill>
                 <a:latin typeface="Lucida Sans"/>
+                <a:ea typeface="DejaVu Sans"/>
               </a:rPr>
               <a:t>Спасибо за внимание!</a:t>
             </a:r>
-            <a:endParaRPr b="0" lang="ru-RU" sz="1800" spc="-1" strike="noStrike">
-              <a:solidFill>
-                <a:srgbClr val="ffffff"/>
-              </a:solidFill>
-              <a:uFill>
-                <a:solidFill>
-                  <a:srgbClr val="ffffff"/>
-                </a:solidFill>
-              </a:uFill>
-              <a:latin typeface="Book Antiqua"/>
-            </a:endParaRPr>
-          </a:p>
-        </p:txBody>
-      </p:sp>
-      <p:sp>
-        <p:nvSpPr>
-          <p:cNvPr id="98" name="TextShape 2"/>
-          <p:cNvSpPr txBox="1"/>
+            <a:endParaRPr b="0" lang="en-US" sz="1800" spc="-1" strike="noStrike">
+              <a:solidFill>
+                <a:srgbClr val="000000"/>
+              </a:solidFill>
+              <a:uFill>
+                <a:solidFill>
+                  <a:srgbClr val="ffffff"/>
+                </a:solidFill>
+              </a:uFill>
+              <a:latin typeface="Arial"/>
+            </a:endParaRPr>
+          </a:p>
+        </p:txBody>
+      </p:sp>
+      <p:sp>
+        <p:nvSpPr>
+          <p:cNvPr id="92" name="CustomShape 2"/>
+          <p:cNvSpPr/>
           <p:nvPr/>
         </p:nvSpPr>
         <p:spPr>
           <a:xfrm>
             <a:off x="457200" y="1935000"/>
-            <a:ext cx="1971360" cy="3993840"/>
+            <a:ext cx="1969200" cy="3991680"/>
           </a:xfrm>
           <a:prstGeom prst="rect">
             <a:avLst/>
@@ -5885,26 +5615,16 @@
             <a:noFill/>
           </a:ln>
         </p:spPr>
-        <p:txBody>
-          <a:bodyPr lIns="90000" rIns="90000" tIns="45000" bIns="45000"/>
-          <a:p>
-            <a:endParaRPr b="0" lang="ru-RU" sz="2800" spc="-1" strike="noStrike">
-              <a:solidFill>
-                <a:srgbClr val="ffffff"/>
-              </a:solidFill>
-              <a:uFill>
-                <a:solidFill>
-                  <a:srgbClr val="ffffff"/>
-                </a:solidFill>
-              </a:uFill>
-              <a:latin typeface="Book Antiqua"/>
-            </a:endParaRPr>
-          </a:p>
-        </p:txBody>
+        <p:style>
+          <a:lnRef idx="0"/>
+          <a:fillRef idx="0"/>
+          <a:effectRef idx="0"/>
+          <a:fontRef idx="minor"/>
+        </p:style>
       </p:sp>
       <p:pic>
         <p:nvPicPr>
-          <p:cNvPr id="99" name="Picture 2" descr=""/>
+          <p:cNvPr id="93" name="Picture 2" descr=""/>
           <p:cNvPicPr/>
           <p:nvPr/>
         </p:nvPicPr>
@@ -5915,7 +5635,7 @@
         <p:spPr>
           <a:xfrm>
             <a:off x="3673440" y="2513160"/>
-            <a:ext cx="1796760" cy="1831680"/>
+            <a:ext cx="1794600" cy="1829520"/>
           </a:xfrm>
           <a:prstGeom prst="rect">
             <a:avLst/>
